--- a/Lecture.pptx
+++ b/Lecture.pptx
@@ -10,15 +10,15 @@
     <p:sldId id="258" r:id="rId4"/>
     <p:sldId id="263" r:id="rId5"/>
     <p:sldId id="259" r:id="rId6"/>
-    <p:sldId id="260" r:id="rId7"/>
-    <p:sldId id="261" r:id="rId8"/>
-    <p:sldId id="262" r:id="rId9"/>
-    <p:sldId id="264" r:id="rId10"/>
-    <p:sldId id="265" r:id="rId11"/>
-    <p:sldId id="266" r:id="rId12"/>
-    <p:sldId id="267" r:id="rId13"/>
-    <p:sldId id="268" r:id="rId14"/>
-    <p:sldId id="269" r:id="rId15"/>
+    <p:sldId id="270" r:id="rId7"/>
+    <p:sldId id="260" r:id="rId8"/>
+    <p:sldId id="261" r:id="rId9"/>
+    <p:sldId id="262" r:id="rId10"/>
+    <p:sldId id="264" r:id="rId11"/>
+    <p:sldId id="265" r:id="rId12"/>
+    <p:sldId id="266" r:id="rId13"/>
+    <p:sldId id="267" r:id="rId14"/>
+    <p:sldId id="268" r:id="rId15"/>
   </p:sldIdLst>
   <p:sldSz cx="12192000" cy="6858000"/>
   <p:notesSz cx="6858000" cy="9144000"/>
@@ -314,7 +314,7 @@
             <a:fld id="{87DE6118-2437-4B30-8E3C-4D2BE6020583}" type="datetimeFigureOut">
               <a:rPr lang="en-US" smtClean="0"/>
               <a:pPr/>
-              <a:t>9/17/16</a:t>
+              <a:t>9/22/16</a:t>
             </a:fld>
             <a:endParaRPr lang="en-US" dirty="0"/>
           </a:p>
@@ -659,7 +659,7 @@
             <a:fld id="{87DE6118-2437-4B30-8E3C-4D2BE6020583}" type="datetimeFigureOut">
               <a:rPr lang="en-US" smtClean="0"/>
               <a:pPr/>
-              <a:t>9/17/16</a:t>
+              <a:t>9/22/16</a:t>
             </a:fld>
             <a:endParaRPr lang="en-US" dirty="0"/>
           </a:p>
@@ -1062,7 +1062,7 @@
             <a:fld id="{87DE6118-2437-4B30-8E3C-4D2BE6020583}" type="datetimeFigureOut">
               <a:rPr lang="en-US" smtClean="0"/>
               <a:pPr/>
-              <a:t>9/17/16</a:t>
+              <a:t>9/22/16</a:t>
             </a:fld>
             <a:endParaRPr lang="en-US" dirty="0"/>
           </a:p>
@@ -1399,7 +1399,7 @@
             <a:fld id="{87DE6118-2437-4B30-8E3C-4D2BE6020583}" type="datetimeFigureOut">
               <a:rPr lang="en-US" smtClean="0"/>
               <a:pPr/>
-              <a:t>9/17/16</a:t>
+              <a:t>9/22/16</a:t>
             </a:fld>
             <a:endParaRPr lang="en-US" dirty="0"/>
           </a:p>
@@ -1721,7 +1721,7 @@
             <a:fld id="{87DE6118-2437-4B30-8E3C-4D2BE6020583}" type="datetimeFigureOut">
               <a:rPr lang="en-US" smtClean="0"/>
               <a:pPr/>
-              <a:t>9/17/16</a:t>
+              <a:t>9/22/16</a:t>
             </a:fld>
             <a:endParaRPr lang="en-US" dirty="0"/>
           </a:p>
@@ -2119,7 +2119,7 @@
             <a:fld id="{87DE6118-2437-4B30-8E3C-4D2BE6020583}" type="datetimeFigureOut">
               <a:rPr lang="en-US" smtClean="0"/>
               <a:pPr/>
-              <a:t>9/17/16</a:t>
+              <a:t>9/22/16</a:t>
             </a:fld>
             <a:endParaRPr lang="en-US" dirty="0"/>
           </a:p>
@@ -2377,7 +2377,7 @@
           <a:p>
             <a:fld id="{87DE6118-2437-4B30-8E3C-4D2BE6020583}" type="datetimeFigureOut">
               <a:rPr lang="en-US" smtClean="0"/>
-              <a:t>9/17/16</a:t>
+              <a:t>9/22/16</a:t>
             </a:fld>
             <a:endParaRPr lang="en-US" dirty="0"/>
           </a:p>
@@ -2639,7 +2639,7 @@
           <a:p>
             <a:fld id="{87DE6118-2437-4B30-8E3C-4D2BE6020583}" type="datetimeFigureOut">
               <a:rPr lang="en-US" smtClean="0"/>
-              <a:t>9/17/16</a:t>
+              <a:t>9/22/16</a:t>
             </a:fld>
             <a:endParaRPr lang="en-US" dirty="0"/>
           </a:p>
@@ -2901,7 +2901,7 @@
           <a:p>
             <a:fld id="{87DE6118-2437-4B30-8E3C-4D2BE6020583}" type="datetimeFigureOut">
               <a:rPr lang="en-US" smtClean="0"/>
-              <a:t>9/17/16</a:t>
+              <a:t>9/22/16</a:t>
             </a:fld>
             <a:endParaRPr lang="en-US" dirty="0"/>
           </a:p>
@@ -3231,7 +3231,7 @@
             <a:fld id="{87DE6118-2437-4B30-8E3C-4D2BE6020583}" type="datetimeFigureOut">
               <a:rPr lang="en-US" smtClean="0"/>
               <a:pPr/>
-              <a:t>9/17/16</a:t>
+              <a:t>9/22/16</a:t>
             </a:fld>
             <a:endParaRPr lang="en-US" dirty="0"/>
           </a:p>
@@ -3555,7 +3555,7 @@
           <a:p>
             <a:fld id="{87DE6118-2437-4B30-8E3C-4D2BE6020583}" type="datetimeFigureOut">
               <a:rPr lang="en-US" smtClean="0"/>
-              <a:t>9/17/16</a:t>
+              <a:t>9/22/16</a:t>
             </a:fld>
             <a:endParaRPr lang="en-US" dirty="0"/>
           </a:p>
@@ -4017,7 +4017,7 @@
           <a:p>
             <a:fld id="{87DE6118-2437-4B30-8E3C-4D2BE6020583}" type="datetimeFigureOut">
               <a:rPr lang="en-US" smtClean="0"/>
-              <a:t>9/17/16</a:t>
+              <a:t>9/22/16</a:t>
             </a:fld>
             <a:endParaRPr lang="en-US" dirty="0"/>
           </a:p>
@@ -4227,7 +4227,7 @@
           <a:p>
             <a:fld id="{87DE6118-2437-4B30-8E3C-4D2BE6020583}" type="datetimeFigureOut">
               <a:rPr lang="en-US" smtClean="0"/>
-              <a:t>9/17/16</a:t>
+              <a:t>9/22/16</a:t>
             </a:fld>
             <a:endParaRPr lang="en-US" dirty="0"/>
           </a:p>
@@ -4404,7 +4404,7 @@
           <a:p>
             <a:fld id="{87DE6118-2437-4B30-8E3C-4D2BE6020583}" type="datetimeFigureOut">
               <a:rPr lang="en-US" smtClean="0"/>
-              <a:t>9/17/16</a:t>
+              <a:t>9/22/16</a:t>
             </a:fld>
             <a:endParaRPr lang="en-US" dirty="0"/>
           </a:p>
@@ -4743,7 +4743,7 @@
             <a:fld id="{87DE6118-2437-4B30-8E3C-4D2BE6020583}" type="datetimeFigureOut">
               <a:rPr lang="en-US" smtClean="0"/>
               <a:pPr/>
-              <a:t>9/17/16</a:t>
+              <a:t>9/22/16</a:t>
             </a:fld>
             <a:endParaRPr lang="en-US" dirty="0"/>
           </a:p>
@@ -5095,7 +5095,7 @@
             <a:fld id="{87DE6118-2437-4B30-8E3C-4D2BE6020583}" type="datetimeFigureOut">
               <a:rPr lang="en-US" smtClean="0"/>
               <a:pPr/>
-              <a:t>9/17/16</a:t>
+              <a:t>9/22/16</a:t>
             </a:fld>
             <a:endParaRPr lang="en-US" dirty="0"/>
           </a:p>
@@ -7214,7 +7214,7 @@
             <a:fld id="{87DE6118-2437-4B30-8E3C-4D2BE6020583}" type="datetimeFigureOut">
               <a:rPr lang="en-US" smtClean="0"/>
               <a:pPr/>
-              <a:t>9/17/16</a:t>
+              <a:t>9/22/16</a:t>
             </a:fld>
             <a:endParaRPr lang="en-US" dirty="0"/>
           </a:p>
@@ -7861,6 +7861,1137 @@
             <p:ph type="title"/>
           </p:nvPr>
         </p:nvSpPr>
+        <p:spPr>
+          <a:xfrm>
+            <a:off x="2592925" y="652685"/>
+            <a:ext cx="8911687" cy="718915"/>
+          </a:xfrm>
+        </p:spPr>
+        <p:txBody>
+          <a:bodyPr/>
+          <a:lstStyle/>
+          <a:p>
+            <a:r>
+              <a:rPr lang="en-US" dirty="0" smtClean="0"/>
+              <a:t>Loops: </a:t>
+            </a:r>
+            <a:endParaRPr lang="en-US" dirty="0"/>
+          </a:p>
+        </p:txBody>
+      </p:sp>
+      <p:sp>
+        <p:nvSpPr>
+          <p:cNvPr id="3" name="Content Placeholder 2"/>
+          <p:cNvSpPr>
+            <a:spLocks noGrp="1"/>
+          </p:cNvSpPr>
+          <p:nvPr>
+            <p:ph idx="1"/>
+          </p:nvPr>
+        </p:nvSpPr>
+        <p:spPr>
+          <a:xfrm>
+            <a:off x="2589212" y="1604962"/>
+            <a:ext cx="8915400" cy="3777622"/>
+          </a:xfrm>
+        </p:spPr>
+        <p:txBody>
+          <a:bodyPr>
+            <a:normAutofit lnSpcReduction="10000"/>
+          </a:bodyPr>
+          <a:lstStyle/>
+          <a:p>
+            <a:r>
+              <a:rPr lang="en-US" dirty="0" smtClean="0"/>
+              <a:t>For loop</a:t>
+            </a:r>
+          </a:p>
+          <a:p>
+            <a:pPr marL="457200" lvl="1" indent="0">
+              <a:buNone/>
+            </a:pPr>
+            <a:r>
+              <a:rPr lang="en-US" dirty="0" smtClean="0"/>
+              <a:t>1. for char in string:</a:t>
+            </a:r>
+          </a:p>
+          <a:p>
+            <a:pPr marL="914400" lvl="2" indent="0">
+              <a:buNone/>
+            </a:pPr>
+            <a:r>
+              <a:rPr lang="en-US" dirty="0" smtClean="0"/>
+              <a:t>print(char)</a:t>
+            </a:r>
+          </a:p>
+          <a:p>
+            <a:pPr marL="457200" lvl="1" indent="0">
+              <a:buNone/>
+            </a:pPr>
+            <a:r>
+              <a:rPr lang="en-US" dirty="0" smtClean="0"/>
+              <a:t>2. for </a:t>
+            </a:r>
+            <a:r>
+              <a:rPr lang="en-US" dirty="0" err="1" smtClean="0"/>
+              <a:t>i</a:t>
+            </a:r>
+            <a:r>
+              <a:rPr lang="en-US" dirty="0" smtClean="0"/>
+              <a:t> in range(</a:t>
+            </a:r>
+            <a:r>
+              <a:rPr lang="en-US" dirty="0" err="1" smtClean="0"/>
+              <a:t>len</a:t>
+            </a:r>
+            <a:r>
+              <a:rPr lang="en-US" dirty="0" smtClean="0"/>
+              <a:t>(string)):</a:t>
+            </a:r>
+          </a:p>
+          <a:p>
+            <a:pPr marL="914400" lvl="2" indent="0">
+              <a:buNone/>
+            </a:pPr>
+            <a:r>
+              <a:rPr lang="en-US" dirty="0"/>
+              <a:t>p</a:t>
+            </a:r>
+            <a:r>
+              <a:rPr lang="en-US" dirty="0" smtClean="0"/>
+              <a:t>rint(string[</a:t>
+            </a:r>
+            <a:r>
+              <a:rPr lang="en-US" dirty="0" err="1" smtClean="0"/>
+              <a:t>i</a:t>
+            </a:r>
+            <a:r>
+              <a:rPr lang="en-US" dirty="0" smtClean="0"/>
+              <a:t>])</a:t>
+            </a:r>
+          </a:p>
+          <a:p>
+            <a:pPr marL="914400" lvl="2" indent="0">
+              <a:buNone/>
+            </a:pPr>
+            <a:r>
+              <a:rPr lang="en-US" dirty="0" smtClean="0"/>
+              <a:t>Do not use the first type of for loop if you want to change the value of parameters</a:t>
+            </a:r>
+          </a:p>
+          <a:p>
+            <a:r>
+              <a:rPr lang="en-US" dirty="0" smtClean="0"/>
+              <a:t>While loop</a:t>
+            </a:r>
+          </a:p>
+          <a:p>
+            <a:pPr lvl="1"/>
+            <a:r>
+              <a:rPr lang="en-US" dirty="0" err="1" smtClean="0"/>
+              <a:t>int</a:t>
+            </a:r>
+            <a:r>
+              <a:rPr lang="en-US" dirty="0" smtClean="0"/>
+              <a:t> </a:t>
+            </a:r>
+            <a:r>
+              <a:rPr lang="en-US" dirty="0" err="1" smtClean="0"/>
+              <a:t>i</a:t>
+            </a:r>
+            <a:r>
+              <a:rPr lang="en-US" dirty="0" smtClean="0"/>
+              <a:t> = 0</a:t>
+            </a:r>
+          </a:p>
+          <a:p>
+            <a:pPr lvl="1"/>
+            <a:r>
+              <a:rPr lang="en-US" dirty="0" smtClean="0"/>
+              <a:t>while </a:t>
+            </a:r>
+            <a:r>
+              <a:rPr lang="en-US" dirty="0" err="1" smtClean="0"/>
+              <a:t>i</a:t>
+            </a:r>
+            <a:r>
+              <a:rPr lang="en-US" dirty="0" smtClean="0"/>
+              <a:t> &lt; </a:t>
+            </a:r>
+            <a:r>
+              <a:rPr lang="en-US" dirty="0" err="1" smtClean="0"/>
+              <a:t>len</a:t>
+            </a:r>
+            <a:r>
+              <a:rPr lang="en-US" dirty="0" smtClean="0"/>
+              <a:t>(string):</a:t>
+            </a:r>
+          </a:p>
+          <a:p>
+            <a:pPr lvl="2"/>
+            <a:r>
+              <a:rPr lang="en-US" dirty="0" smtClean="0"/>
+              <a:t>print string[</a:t>
+            </a:r>
+            <a:r>
+              <a:rPr lang="en-US" dirty="0" err="1" smtClean="0"/>
+              <a:t>i</a:t>
+            </a:r>
+            <a:r>
+              <a:rPr lang="en-US" dirty="0" smtClean="0"/>
+              <a:t>]</a:t>
+            </a:r>
+          </a:p>
+          <a:p>
+            <a:pPr lvl="2"/>
+            <a:r>
+              <a:rPr lang="en-US" dirty="0" err="1" smtClean="0"/>
+              <a:t>i</a:t>
+            </a:r>
+            <a:r>
+              <a:rPr lang="en-US" dirty="0" smtClean="0"/>
+              <a:t>++</a:t>
+            </a:r>
+          </a:p>
+        </p:txBody>
+      </p:sp>
+    </p:spTree>
+    <p:extLst>
+      <p:ext uri="{BB962C8B-B14F-4D97-AF65-F5344CB8AC3E}">
+        <p14:creationId xmlns:p14="http://schemas.microsoft.com/office/powerpoint/2010/main" val="301197161"/>
+      </p:ext>
+    </p:extLst>
+  </p:cSld>
+  <p:clrMapOvr>
+    <a:masterClrMapping/>
+  </p:clrMapOvr>
+  <mc:AlternateContent xmlns:mc="http://schemas.openxmlformats.org/markup-compatibility/2006" xmlns:p15="http://schemas.microsoft.com/office/powerpoint/2012/main">
+    <mc:Choice Requires="p15">
+      <p:transition xmlns:p14="http://schemas.microsoft.com/office/powerpoint/2010/main" spd="slow" p14:dur="1250">
+        <p15:prstTrans prst="airplane"/>
+      </p:transition>
+    </mc:Choice>
+    <mc:Fallback xmlns="">
+      <p:transition spd="slow">
+        <p:fade/>
+      </p:transition>
+    </mc:Fallback>
+  </mc:AlternateContent>
+  <p:timing>
+    <p:tnLst>
+      <p:par>
+        <p:cTn id="1" dur="indefinite" restart="never" nodeType="tmRoot">
+          <p:childTnLst>
+            <p:seq concurrent="1" nextAc="seek">
+              <p:cTn id="2" dur="indefinite" nodeType="mainSeq">
+                <p:childTnLst>
+                  <p:par>
+                    <p:cTn id="3" fill="hold">
+                      <p:stCondLst>
+                        <p:cond delay="indefinite"/>
+                      </p:stCondLst>
+                      <p:childTnLst>
+                        <p:par>
+                          <p:cTn id="4" fill="hold">
+                            <p:stCondLst>
+                              <p:cond delay="0"/>
+                            </p:stCondLst>
+                            <p:childTnLst>
+                              <p:par>
+                                <p:cTn id="5" presetID="12" presetClass="entr" presetSubtype="4" fill="hold" grpId="0" nodeType="clickEffect">
+                                  <p:stCondLst>
+                                    <p:cond delay="0"/>
+                                  </p:stCondLst>
+                                  <p:childTnLst>
+                                    <p:set>
+                                      <p:cBhvr>
+                                        <p:cTn id="6" dur="1" fill="hold">
+                                          <p:stCondLst>
+                                            <p:cond delay="0"/>
+                                          </p:stCondLst>
+                                        </p:cTn>
+                                        <p:tgtEl>
+                                          <p:spTgt spid="2"/>
+                                        </p:tgtEl>
+                                        <p:attrNameLst>
+                                          <p:attrName>style.visibility</p:attrName>
+                                        </p:attrNameLst>
+                                      </p:cBhvr>
+                                      <p:to>
+                                        <p:strVal val="visible"/>
+                                      </p:to>
+                                    </p:set>
+                                    <p:anim calcmode="lin" valueType="num">
+                                      <p:cBhvr additive="base">
+                                        <p:cTn id="7" dur="500"/>
+                                        <p:tgtEl>
+                                          <p:spTgt spid="2"/>
+                                        </p:tgtEl>
+                                        <p:attrNameLst>
+                                          <p:attrName>ppt_y</p:attrName>
+                                        </p:attrNameLst>
+                                      </p:cBhvr>
+                                      <p:tavLst>
+                                        <p:tav tm="0">
+                                          <p:val>
+                                            <p:strVal val="#ppt_y+#ppt_h*1.125000"/>
+                                          </p:val>
+                                        </p:tav>
+                                        <p:tav tm="100000">
+                                          <p:val>
+                                            <p:strVal val="#ppt_y"/>
+                                          </p:val>
+                                        </p:tav>
+                                      </p:tavLst>
+                                    </p:anim>
+                                    <p:animEffect transition="in" filter="wipe(up)">
+                                      <p:cBhvr>
+                                        <p:cTn id="8" dur="500"/>
+                                        <p:tgtEl>
+                                          <p:spTgt spid="2"/>
+                                        </p:tgtEl>
+                                      </p:cBhvr>
+                                    </p:animEffect>
+                                  </p:childTnLst>
+                                </p:cTn>
+                              </p:par>
+                            </p:childTnLst>
+                          </p:cTn>
+                        </p:par>
+                      </p:childTnLst>
+                    </p:cTn>
+                  </p:par>
+                  <p:par>
+                    <p:cTn id="9" fill="hold">
+                      <p:stCondLst>
+                        <p:cond delay="indefinite"/>
+                      </p:stCondLst>
+                      <p:childTnLst>
+                        <p:par>
+                          <p:cTn id="10" fill="hold">
+                            <p:stCondLst>
+                              <p:cond delay="0"/>
+                            </p:stCondLst>
+                            <p:childTnLst>
+                              <p:par>
+                                <p:cTn id="11" presetID="14" presetClass="entr" presetSubtype="10" fill="hold" nodeType="clickEffect">
+                                  <p:stCondLst>
+                                    <p:cond delay="0"/>
+                                  </p:stCondLst>
+                                  <p:childTnLst>
+                                    <p:set>
+                                      <p:cBhvr>
+                                        <p:cTn id="12" dur="1" fill="hold">
+                                          <p:stCondLst>
+                                            <p:cond delay="0"/>
+                                          </p:stCondLst>
+                                        </p:cTn>
+                                        <p:tgtEl>
+                                          <p:spTgt spid="3">
+                                            <p:txEl>
+                                              <p:pRg st="0" end="0"/>
+                                            </p:txEl>
+                                          </p:spTgt>
+                                        </p:tgtEl>
+                                        <p:attrNameLst>
+                                          <p:attrName>style.visibility</p:attrName>
+                                        </p:attrNameLst>
+                                      </p:cBhvr>
+                                      <p:to>
+                                        <p:strVal val="visible"/>
+                                      </p:to>
+                                    </p:set>
+                                    <p:animEffect transition="in" filter="randombar(horizontal)">
+                                      <p:cBhvr>
+                                        <p:cTn id="13" dur="500"/>
+                                        <p:tgtEl>
+                                          <p:spTgt spid="3">
+                                            <p:txEl>
+                                              <p:pRg st="0" end="0"/>
+                                            </p:txEl>
+                                          </p:spTgt>
+                                        </p:tgtEl>
+                                      </p:cBhvr>
+                                    </p:animEffect>
+                                  </p:childTnLst>
+                                </p:cTn>
+                              </p:par>
+                              <p:par>
+                                <p:cTn id="14" presetID="14" presetClass="entr" presetSubtype="10" fill="hold" nodeType="withEffect">
+                                  <p:stCondLst>
+                                    <p:cond delay="0"/>
+                                  </p:stCondLst>
+                                  <p:childTnLst>
+                                    <p:set>
+                                      <p:cBhvr>
+                                        <p:cTn id="15" dur="1" fill="hold">
+                                          <p:stCondLst>
+                                            <p:cond delay="0"/>
+                                          </p:stCondLst>
+                                        </p:cTn>
+                                        <p:tgtEl>
+                                          <p:spTgt spid="3">
+                                            <p:txEl>
+                                              <p:pRg st="1" end="1"/>
+                                            </p:txEl>
+                                          </p:spTgt>
+                                        </p:tgtEl>
+                                        <p:attrNameLst>
+                                          <p:attrName>style.visibility</p:attrName>
+                                        </p:attrNameLst>
+                                      </p:cBhvr>
+                                      <p:to>
+                                        <p:strVal val="visible"/>
+                                      </p:to>
+                                    </p:set>
+                                    <p:animEffect transition="in" filter="randombar(horizontal)">
+                                      <p:cBhvr>
+                                        <p:cTn id="16" dur="500"/>
+                                        <p:tgtEl>
+                                          <p:spTgt spid="3">
+                                            <p:txEl>
+                                              <p:pRg st="1" end="1"/>
+                                            </p:txEl>
+                                          </p:spTgt>
+                                        </p:tgtEl>
+                                      </p:cBhvr>
+                                    </p:animEffect>
+                                  </p:childTnLst>
+                                </p:cTn>
+                              </p:par>
+                              <p:par>
+                                <p:cTn id="17" presetID="14" presetClass="entr" presetSubtype="10" fill="hold" nodeType="withEffect">
+                                  <p:stCondLst>
+                                    <p:cond delay="0"/>
+                                  </p:stCondLst>
+                                  <p:childTnLst>
+                                    <p:set>
+                                      <p:cBhvr>
+                                        <p:cTn id="18" dur="1" fill="hold">
+                                          <p:stCondLst>
+                                            <p:cond delay="0"/>
+                                          </p:stCondLst>
+                                        </p:cTn>
+                                        <p:tgtEl>
+                                          <p:spTgt spid="3">
+                                            <p:txEl>
+                                              <p:pRg st="2" end="2"/>
+                                            </p:txEl>
+                                          </p:spTgt>
+                                        </p:tgtEl>
+                                        <p:attrNameLst>
+                                          <p:attrName>style.visibility</p:attrName>
+                                        </p:attrNameLst>
+                                      </p:cBhvr>
+                                      <p:to>
+                                        <p:strVal val="visible"/>
+                                      </p:to>
+                                    </p:set>
+                                    <p:animEffect transition="in" filter="randombar(horizontal)">
+                                      <p:cBhvr>
+                                        <p:cTn id="19" dur="500"/>
+                                        <p:tgtEl>
+                                          <p:spTgt spid="3">
+                                            <p:txEl>
+                                              <p:pRg st="2" end="2"/>
+                                            </p:txEl>
+                                          </p:spTgt>
+                                        </p:tgtEl>
+                                      </p:cBhvr>
+                                    </p:animEffect>
+                                  </p:childTnLst>
+                                </p:cTn>
+                              </p:par>
+                            </p:childTnLst>
+                          </p:cTn>
+                        </p:par>
+                      </p:childTnLst>
+                    </p:cTn>
+                  </p:par>
+                  <p:par>
+                    <p:cTn id="20" fill="hold">
+                      <p:stCondLst>
+                        <p:cond delay="indefinite"/>
+                      </p:stCondLst>
+                      <p:childTnLst>
+                        <p:par>
+                          <p:cTn id="21" fill="hold">
+                            <p:stCondLst>
+                              <p:cond delay="0"/>
+                            </p:stCondLst>
+                            <p:childTnLst>
+                              <p:par>
+                                <p:cTn id="22" presetID="12" presetClass="entr" presetSubtype="4" fill="hold" nodeType="clickEffect">
+                                  <p:stCondLst>
+                                    <p:cond delay="0"/>
+                                  </p:stCondLst>
+                                  <p:childTnLst>
+                                    <p:set>
+                                      <p:cBhvr>
+                                        <p:cTn id="23" dur="1" fill="hold">
+                                          <p:stCondLst>
+                                            <p:cond delay="0"/>
+                                          </p:stCondLst>
+                                        </p:cTn>
+                                        <p:tgtEl>
+                                          <p:spTgt spid="3">
+                                            <p:txEl>
+                                              <p:pRg st="3" end="3"/>
+                                            </p:txEl>
+                                          </p:spTgt>
+                                        </p:tgtEl>
+                                        <p:attrNameLst>
+                                          <p:attrName>style.visibility</p:attrName>
+                                        </p:attrNameLst>
+                                      </p:cBhvr>
+                                      <p:to>
+                                        <p:strVal val="visible"/>
+                                      </p:to>
+                                    </p:set>
+                                    <p:anim calcmode="lin" valueType="num">
+                                      <p:cBhvr additive="base">
+                                        <p:cTn id="24" dur="500"/>
+                                        <p:tgtEl>
+                                          <p:spTgt spid="3">
+                                            <p:txEl>
+                                              <p:pRg st="3" end="3"/>
+                                            </p:txEl>
+                                          </p:spTgt>
+                                        </p:tgtEl>
+                                        <p:attrNameLst>
+                                          <p:attrName>ppt_y</p:attrName>
+                                        </p:attrNameLst>
+                                      </p:cBhvr>
+                                      <p:tavLst>
+                                        <p:tav tm="0">
+                                          <p:val>
+                                            <p:strVal val="#ppt_y+#ppt_h*1.125000"/>
+                                          </p:val>
+                                        </p:tav>
+                                        <p:tav tm="100000">
+                                          <p:val>
+                                            <p:strVal val="#ppt_y"/>
+                                          </p:val>
+                                        </p:tav>
+                                      </p:tavLst>
+                                    </p:anim>
+                                    <p:animEffect transition="in" filter="wipe(up)">
+                                      <p:cBhvr>
+                                        <p:cTn id="25" dur="500"/>
+                                        <p:tgtEl>
+                                          <p:spTgt spid="3">
+                                            <p:txEl>
+                                              <p:pRg st="3" end="3"/>
+                                            </p:txEl>
+                                          </p:spTgt>
+                                        </p:tgtEl>
+                                      </p:cBhvr>
+                                    </p:animEffect>
+                                  </p:childTnLst>
+                                </p:cTn>
+                              </p:par>
+                              <p:par>
+                                <p:cTn id="26" presetID="12" presetClass="entr" presetSubtype="4" fill="hold" nodeType="withEffect">
+                                  <p:stCondLst>
+                                    <p:cond delay="0"/>
+                                  </p:stCondLst>
+                                  <p:childTnLst>
+                                    <p:set>
+                                      <p:cBhvr>
+                                        <p:cTn id="27" dur="1" fill="hold">
+                                          <p:stCondLst>
+                                            <p:cond delay="0"/>
+                                          </p:stCondLst>
+                                        </p:cTn>
+                                        <p:tgtEl>
+                                          <p:spTgt spid="3">
+                                            <p:txEl>
+                                              <p:pRg st="4" end="4"/>
+                                            </p:txEl>
+                                          </p:spTgt>
+                                        </p:tgtEl>
+                                        <p:attrNameLst>
+                                          <p:attrName>style.visibility</p:attrName>
+                                        </p:attrNameLst>
+                                      </p:cBhvr>
+                                      <p:to>
+                                        <p:strVal val="visible"/>
+                                      </p:to>
+                                    </p:set>
+                                    <p:anim calcmode="lin" valueType="num">
+                                      <p:cBhvr additive="base">
+                                        <p:cTn id="28" dur="500"/>
+                                        <p:tgtEl>
+                                          <p:spTgt spid="3">
+                                            <p:txEl>
+                                              <p:pRg st="4" end="4"/>
+                                            </p:txEl>
+                                          </p:spTgt>
+                                        </p:tgtEl>
+                                        <p:attrNameLst>
+                                          <p:attrName>ppt_y</p:attrName>
+                                        </p:attrNameLst>
+                                      </p:cBhvr>
+                                      <p:tavLst>
+                                        <p:tav tm="0">
+                                          <p:val>
+                                            <p:strVal val="#ppt_y+#ppt_h*1.125000"/>
+                                          </p:val>
+                                        </p:tav>
+                                        <p:tav tm="100000">
+                                          <p:val>
+                                            <p:strVal val="#ppt_y"/>
+                                          </p:val>
+                                        </p:tav>
+                                      </p:tavLst>
+                                    </p:anim>
+                                    <p:animEffect transition="in" filter="wipe(up)">
+                                      <p:cBhvr>
+                                        <p:cTn id="29" dur="500"/>
+                                        <p:tgtEl>
+                                          <p:spTgt spid="3">
+                                            <p:txEl>
+                                              <p:pRg st="4" end="4"/>
+                                            </p:txEl>
+                                          </p:spTgt>
+                                        </p:tgtEl>
+                                      </p:cBhvr>
+                                    </p:animEffect>
+                                  </p:childTnLst>
+                                </p:cTn>
+                              </p:par>
+                            </p:childTnLst>
+                          </p:cTn>
+                        </p:par>
+                      </p:childTnLst>
+                    </p:cTn>
+                  </p:par>
+                  <p:par>
+                    <p:cTn id="30" fill="hold">
+                      <p:stCondLst>
+                        <p:cond delay="indefinite"/>
+                      </p:stCondLst>
+                      <p:childTnLst>
+                        <p:par>
+                          <p:cTn id="31" fill="hold">
+                            <p:stCondLst>
+                              <p:cond delay="0"/>
+                            </p:stCondLst>
+                            <p:childTnLst>
+                              <p:par>
+                                <p:cTn id="32" presetID="2" presetClass="entr" presetSubtype="4" fill="hold" nodeType="clickEffect">
+                                  <p:stCondLst>
+                                    <p:cond delay="0"/>
+                                  </p:stCondLst>
+                                  <p:childTnLst>
+                                    <p:set>
+                                      <p:cBhvr>
+                                        <p:cTn id="33" dur="1" fill="hold">
+                                          <p:stCondLst>
+                                            <p:cond delay="0"/>
+                                          </p:stCondLst>
+                                        </p:cTn>
+                                        <p:tgtEl>
+                                          <p:spTgt spid="3">
+                                            <p:txEl>
+                                              <p:pRg st="5" end="5"/>
+                                            </p:txEl>
+                                          </p:spTgt>
+                                        </p:tgtEl>
+                                        <p:attrNameLst>
+                                          <p:attrName>style.visibility</p:attrName>
+                                        </p:attrNameLst>
+                                      </p:cBhvr>
+                                      <p:to>
+                                        <p:strVal val="visible"/>
+                                      </p:to>
+                                    </p:set>
+                                    <p:anim calcmode="lin" valueType="num">
+                                      <p:cBhvr additive="base">
+                                        <p:cTn id="34" dur="500" fill="hold"/>
+                                        <p:tgtEl>
+                                          <p:spTgt spid="3">
+                                            <p:txEl>
+                                              <p:pRg st="5" end="5"/>
+                                            </p:txEl>
+                                          </p:spTgt>
+                                        </p:tgtEl>
+                                        <p:attrNameLst>
+                                          <p:attrName>ppt_x</p:attrName>
+                                        </p:attrNameLst>
+                                      </p:cBhvr>
+                                      <p:tavLst>
+                                        <p:tav tm="0">
+                                          <p:val>
+                                            <p:strVal val="#ppt_x"/>
+                                          </p:val>
+                                        </p:tav>
+                                        <p:tav tm="100000">
+                                          <p:val>
+                                            <p:strVal val="#ppt_x"/>
+                                          </p:val>
+                                        </p:tav>
+                                      </p:tavLst>
+                                    </p:anim>
+                                    <p:anim calcmode="lin" valueType="num">
+                                      <p:cBhvr additive="base">
+                                        <p:cTn id="35" dur="500" fill="hold"/>
+                                        <p:tgtEl>
+                                          <p:spTgt spid="3">
+                                            <p:txEl>
+                                              <p:pRg st="5" end="5"/>
+                                            </p:txEl>
+                                          </p:spTgt>
+                                        </p:tgtEl>
+                                        <p:attrNameLst>
+                                          <p:attrName>ppt_y</p:attrName>
+                                        </p:attrNameLst>
+                                      </p:cBhvr>
+                                      <p:tavLst>
+                                        <p:tav tm="0">
+                                          <p:val>
+                                            <p:strVal val="1+#ppt_h/2"/>
+                                          </p:val>
+                                        </p:tav>
+                                        <p:tav tm="100000">
+                                          <p:val>
+                                            <p:strVal val="#ppt_y"/>
+                                          </p:val>
+                                        </p:tav>
+                                      </p:tavLst>
+                                    </p:anim>
+                                  </p:childTnLst>
+                                </p:cTn>
+                              </p:par>
+                            </p:childTnLst>
+                          </p:cTn>
+                        </p:par>
+                      </p:childTnLst>
+                    </p:cTn>
+                  </p:par>
+                  <p:par>
+                    <p:cTn id="36" fill="hold">
+                      <p:stCondLst>
+                        <p:cond delay="indefinite"/>
+                      </p:stCondLst>
+                      <p:childTnLst>
+                        <p:par>
+                          <p:cTn id="37" fill="hold">
+                            <p:stCondLst>
+                              <p:cond delay="0"/>
+                            </p:stCondLst>
+                            <p:childTnLst>
+                              <p:par>
+                                <p:cTn id="38" presetID="12" presetClass="entr" presetSubtype="4" fill="hold" nodeType="clickEffect">
+                                  <p:stCondLst>
+                                    <p:cond delay="0"/>
+                                  </p:stCondLst>
+                                  <p:childTnLst>
+                                    <p:set>
+                                      <p:cBhvr>
+                                        <p:cTn id="39" dur="1" fill="hold">
+                                          <p:stCondLst>
+                                            <p:cond delay="0"/>
+                                          </p:stCondLst>
+                                        </p:cTn>
+                                        <p:tgtEl>
+                                          <p:spTgt spid="3">
+                                            <p:txEl>
+                                              <p:pRg st="6" end="6"/>
+                                            </p:txEl>
+                                          </p:spTgt>
+                                        </p:tgtEl>
+                                        <p:attrNameLst>
+                                          <p:attrName>style.visibility</p:attrName>
+                                        </p:attrNameLst>
+                                      </p:cBhvr>
+                                      <p:to>
+                                        <p:strVal val="visible"/>
+                                      </p:to>
+                                    </p:set>
+                                    <p:anim calcmode="lin" valueType="num">
+                                      <p:cBhvr additive="base">
+                                        <p:cTn id="40" dur="500"/>
+                                        <p:tgtEl>
+                                          <p:spTgt spid="3">
+                                            <p:txEl>
+                                              <p:pRg st="6" end="6"/>
+                                            </p:txEl>
+                                          </p:spTgt>
+                                        </p:tgtEl>
+                                        <p:attrNameLst>
+                                          <p:attrName>ppt_y</p:attrName>
+                                        </p:attrNameLst>
+                                      </p:cBhvr>
+                                      <p:tavLst>
+                                        <p:tav tm="0">
+                                          <p:val>
+                                            <p:strVal val="#ppt_y+#ppt_h*1.125000"/>
+                                          </p:val>
+                                        </p:tav>
+                                        <p:tav tm="100000">
+                                          <p:val>
+                                            <p:strVal val="#ppt_y"/>
+                                          </p:val>
+                                        </p:tav>
+                                      </p:tavLst>
+                                    </p:anim>
+                                    <p:animEffect transition="in" filter="wipe(up)">
+                                      <p:cBhvr>
+                                        <p:cTn id="41" dur="500"/>
+                                        <p:tgtEl>
+                                          <p:spTgt spid="3">
+                                            <p:txEl>
+                                              <p:pRg st="6" end="6"/>
+                                            </p:txEl>
+                                          </p:spTgt>
+                                        </p:tgtEl>
+                                      </p:cBhvr>
+                                    </p:animEffect>
+                                  </p:childTnLst>
+                                </p:cTn>
+                              </p:par>
+                              <p:par>
+                                <p:cTn id="42" presetID="12" presetClass="entr" presetSubtype="4" fill="hold" nodeType="withEffect">
+                                  <p:stCondLst>
+                                    <p:cond delay="0"/>
+                                  </p:stCondLst>
+                                  <p:childTnLst>
+                                    <p:set>
+                                      <p:cBhvr>
+                                        <p:cTn id="43" dur="1" fill="hold">
+                                          <p:stCondLst>
+                                            <p:cond delay="0"/>
+                                          </p:stCondLst>
+                                        </p:cTn>
+                                        <p:tgtEl>
+                                          <p:spTgt spid="3">
+                                            <p:txEl>
+                                              <p:pRg st="7" end="7"/>
+                                            </p:txEl>
+                                          </p:spTgt>
+                                        </p:tgtEl>
+                                        <p:attrNameLst>
+                                          <p:attrName>style.visibility</p:attrName>
+                                        </p:attrNameLst>
+                                      </p:cBhvr>
+                                      <p:to>
+                                        <p:strVal val="visible"/>
+                                      </p:to>
+                                    </p:set>
+                                    <p:anim calcmode="lin" valueType="num">
+                                      <p:cBhvr additive="base">
+                                        <p:cTn id="44" dur="500"/>
+                                        <p:tgtEl>
+                                          <p:spTgt spid="3">
+                                            <p:txEl>
+                                              <p:pRg st="7" end="7"/>
+                                            </p:txEl>
+                                          </p:spTgt>
+                                        </p:tgtEl>
+                                        <p:attrNameLst>
+                                          <p:attrName>ppt_y</p:attrName>
+                                        </p:attrNameLst>
+                                      </p:cBhvr>
+                                      <p:tavLst>
+                                        <p:tav tm="0">
+                                          <p:val>
+                                            <p:strVal val="#ppt_y+#ppt_h*1.125000"/>
+                                          </p:val>
+                                        </p:tav>
+                                        <p:tav tm="100000">
+                                          <p:val>
+                                            <p:strVal val="#ppt_y"/>
+                                          </p:val>
+                                        </p:tav>
+                                      </p:tavLst>
+                                    </p:anim>
+                                    <p:animEffect transition="in" filter="wipe(up)">
+                                      <p:cBhvr>
+                                        <p:cTn id="45" dur="500"/>
+                                        <p:tgtEl>
+                                          <p:spTgt spid="3">
+                                            <p:txEl>
+                                              <p:pRg st="7" end="7"/>
+                                            </p:txEl>
+                                          </p:spTgt>
+                                        </p:tgtEl>
+                                      </p:cBhvr>
+                                    </p:animEffect>
+                                  </p:childTnLst>
+                                </p:cTn>
+                              </p:par>
+                              <p:par>
+                                <p:cTn id="46" presetID="12" presetClass="entr" presetSubtype="4" fill="hold" nodeType="withEffect">
+                                  <p:stCondLst>
+                                    <p:cond delay="0"/>
+                                  </p:stCondLst>
+                                  <p:childTnLst>
+                                    <p:set>
+                                      <p:cBhvr>
+                                        <p:cTn id="47" dur="1" fill="hold">
+                                          <p:stCondLst>
+                                            <p:cond delay="0"/>
+                                          </p:stCondLst>
+                                        </p:cTn>
+                                        <p:tgtEl>
+                                          <p:spTgt spid="3">
+                                            <p:txEl>
+                                              <p:pRg st="8" end="8"/>
+                                            </p:txEl>
+                                          </p:spTgt>
+                                        </p:tgtEl>
+                                        <p:attrNameLst>
+                                          <p:attrName>style.visibility</p:attrName>
+                                        </p:attrNameLst>
+                                      </p:cBhvr>
+                                      <p:to>
+                                        <p:strVal val="visible"/>
+                                      </p:to>
+                                    </p:set>
+                                    <p:anim calcmode="lin" valueType="num">
+                                      <p:cBhvr additive="base">
+                                        <p:cTn id="48" dur="500"/>
+                                        <p:tgtEl>
+                                          <p:spTgt spid="3">
+                                            <p:txEl>
+                                              <p:pRg st="8" end="8"/>
+                                            </p:txEl>
+                                          </p:spTgt>
+                                        </p:tgtEl>
+                                        <p:attrNameLst>
+                                          <p:attrName>ppt_y</p:attrName>
+                                        </p:attrNameLst>
+                                      </p:cBhvr>
+                                      <p:tavLst>
+                                        <p:tav tm="0">
+                                          <p:val>
+                                            <p:strVal val="#ppt_y+#ppt_h*1.125000"/>
+                                          </p:val>
+                                        </p:tav>
+                                        <p:tav tm="100000">
+                                          <p:val>
+                                            <p:strVal val="#ppt_y"/>
+                                          </p:val>
+                                        </p:tav>
+                                      </p:tavLst>
+                                    </p:anim>
+                                    <p:animEffect transition="in" filter="wipe(up)">
+                                      <p:cBhvr>
+                                        <p:cTn id="49" dur="500"/>
+                                        <p:tgtEl>
+                                          <p:spTgt spid="3">
+                                            <p:txEl>
+                                              <p:pRg st="8" end="8"/>
+                                            </p:txEl>
+                                          </p:spTgt>
+                                        </p:tgtEl>
+                                      </p:cBhvr>
+                                    </p:animEffect>
+                                  </p:childTnLst>
+                                </p:cTn>
+                              </p:par>
+                              <p:par>
+                                <p:cTn id="50" presetID="12" presetClass="entr" presetSubtype="4" fill="hold" nodeType="withEffect">
+                                  <p:stCondLst>
+                                    <p:cond delay="0"/>
+                                  </p:stCondLst>
+                                  <p:childTnLst>
+                                    <p:set>
+                                      <p:cBhvr>
+                                        <p:cTn id="51" dur="1" fill="hold">
+                                          <p:stCondLst>
+                                            <p:cond delay="0"/>
+                                          </p:stCondLst>
+                                        </p:cTn>
+                                        <p:tgtEl>
+                                          <p:spTgt spid="3">
+                                            <p:txEl>
+                                              <p:pRg st="9" end="9"/>
+                                            </p:txEl>
+                                          </p:spTgt>
+                                        </p:tgtEl>
+                                        <p:attrNameLst>
+                                          <p:attrName>style.visibility</p:attrName>
+                                        </p:attrNameLst>
+                                      </p:cBhvr>
+                                      <p:to>
+                                        <p:strVal val="visible"/>
+                                      </p:to>
+                                    </p:set>
+                                    <p:anim calcmode="lin" valueType="num">
+                                      <p:cBhvr additive="base">
+                                        <p:cTn id="52" dur="500"/>
+                                        <p:tgtEl>
+                                          <p:spTgt spid="3">
+                                            <p:txEl>
+                                              <p:pRg st="9" end="9"/>
+                                            </p:txEl>
+                                          </p:spTgt>
+                                        </p:tgtEl>
+                                        <p:attrNameLst>
+                                          <p:attrName>ppt_y</p:attrName>
+                                        </p:attrNameLst>
+                                      </p:cBhvr>
+                                      <p:tavLst>
+                                        <p:tav tm="0">
+                                          <p:val>
+                                            <p:strVal val="#ppt_y+#ppt_h*1.125000"/>
+                                          </p:val>
+                                        </p:tav>
+                                        <p:tav tm="100000">
+                                          <p:val>
+                                            <p:strVal val="#ppt_y"/>
+                                          </p:val>
+                                        </p:tav>
+                                      </p:tavLst>
+                                    </p:anim>
+                                    <p:animEffect transition="in" filter="wipe(up)">
+                                      <p:cBhvr>
+                                        <p:cTn id="53" dur="500"/>
+                                        <p:tgtEl>
+                                          <p:spTgt spid="3">
+                                            <p:txEl>
+                                              <p:pRg st="9" end="9"/>
+                                            </p:txEl>
+                                          </p:spTgt>
+                                        </p:tgtEl>
+                                      </p:cBhvr>
+                                    </p:animEffect>
+                                  </p:childTnLst>
+                                </p:cTn>
+                              </p:par>
+                              <p:par>
+                                <p:cTn id="54" presetID="12" presetClass="entr" presetSubtype="4" fill="hold" nodeType="withEffect">
+                                  <p:stCondLst>
+                                    <p:cond delay="0"/>
+                                  </p:stCondLst>
+                                  <p:childTnLst>
+                                    <p:set>
+                                      <p:cBhvr>
+                                        <p:cTn id="55" dur="1" fill="hold">
+                                          <p:stCondLst>
+                                            <p:cond delay="0"/>
+                                          </p:stCondLst>
+                                        </p:cTn>
+                                        <p:tgtEl>
+                                          <p:spTgt spid="3">
+                                            <p:txEl>
+                                              <p:pRg st="10" end="10"/>
+                                            </p:txEl>
+                                          </p:spTgt>
+                                        </p:tgtEl>
+                                        <p:attrNameLst>
+                                          <p:attrName>style.visibility</p:attrName>
+                                        </p:attrNameLst>
+                                      </p:cBhvr>
+                                      <p:to>
+                                        <p:strVal val="visible"/>
+                                      </p:to>
+                                    </p:set>
+                                    <p:anim calcmode="lin" valueType="num">
+                                      <p:cBhvr additive="base">
+                                        <p:cTn id="56" dur="500"/>
+                                        <p:tgtEl>
+                                          <p:spTgt spid="3">
+                                            <p:txEl>
+                                              <p:pRg st="10" end="10"/>
+                                            </p:txEl>
+                                          </p:spTgt>
+                                        </p:tgtEl>
+                                        <p:attrNameLst>
+                                          <p:attrName>ppt_y</p:attrName>
+                                        </p:attrNameLst>
+                                      </p:cBhvr>
+                                      <p:tavLst>
+                                        <p:tav tm="0">
+                                          <p:val>
+                                            <p:strVal val="#ppt_y+#ppt_h*1.125000"/>
+                                          </p:val>
+                                        </p:tav>
+                                        <p:tav tm="100000">
+                                          <p:val>
+                                            <p:strVal val="#ppt_y"/>
+                                          </p:val>
+                                        </p:tav>
+                                      </p:tavLst>
+                                    </p:anim>
+                                    <p:animEffect transition="in" filter="wipe(up)">
+                                      <p:cBhvr>
+                                        <p:cTn id="57" dur="500"/>
+                                        <p:tgtEl>
+                                          <p:spTgt spid="3">
+                                            <p:txEl>
+                                              <p:pRg st="10" end="10"/>
+                                            </p:txEl>
+                                          </p:spTgt>
+                                        </p:tgtEl>
+                                      </p:cBhvr>
+                                    </p:animEffect>
+                                  </p:childTnLst>
+                                </p:cTn>
+                              </p:par>
+                            </p:childTnLst>
+                          </p:cTn>
+                        </p:par>
+                      </p:childTnLst>
+                    </p:cTn>
+                  </p:par>
+                </p:childTnLst>
+              </p:cTn>
+              <p:prevCondLst>
+                <p:cond evt="onPrev" delay="0">
+                  <p:tgtEl>
+                    <p:sldTgt/>
+                  </p:tgtEl>
+                </p:cond>
+              </p:prevCondLst>
+              <p:nextCondLst>
+                <p:cond evt="onNext" delay="0">
+                  <p:tgtEl>
+                    <p:sldTgt/>
+                  </p:tgtEl>
+                </p:cond>
+              </p:nextCondLst>
+            </p:seq>
+          </p:childTnLst>
+        </p:cTn>
+      </p:par>
+    </p:tnLst>
+    <p:bldLst>
+      <p:bldP spid="2" grpId="0"/>
+    </p:bldLst>
+  </p:timing>
+</p:sld>
+</file>
+
+<file path=ppt/slides/slide11.xml><?xml version="1.0" encoding="utf-8"?>
+<p:sld xmlns:a="http://schemas.openxmlformats.org/drawingml/2006/main" xmlns:r="http://schemas.openxmlformats.org/officeDocument/2006/relationships" xmlns:p="http://schemas.openxmlformats.org/presentationml/2006/main">
+  <p:cSld>
+    <p:spTree>
+      <p:nvGrpSpPr>
+        <p:cNvPr id="1" name=""/>
+        <p:cNvGrpSpPr/>
+        <p:nvPr/>
+      </p:nvGrpSpPr>
+      <p:grpSpPr>
+        <a:xfrm>
+          <a:off x="0" y="0"/>
+          <a:ext cx="0" cy="0"/>
+          <a:chOff x="0" y="0"/>
+          <a:chExt cx="0" cy="0"/>
+        </a:xfrm>
+      </p:grpSpPr>
+      <p:sp>
+        <p:nvSpPr>
+          <p:cNvPr id="2" name="Title 1"/>
+          <p:cNvSpPr>
+            <a:spLocks noGrp="1"/>
+          </p:cNvSpPr>
+          <p:nvPr>
+            <p:ph type="title"/>
+          </p:nvPr>
+        </p:nvSpPr>
         <p:spPr/>
         <p:txBody>
           <a:bodyPr/>
@@ -8109,13 +9240,13 @@
   <p:clrMapOvr>
     <a:masterClrMapping/>
   </p:clrMapOvr>
-  <mc:AlternateContent xmlns:mc="http://schemas.openxmlformats.org/markup-compatibility/2006">
-    <mc:Choice xmlns:p15="http://schemas.microsoft.com/office/powerpoint/2012/main" Requires="p15">
+  <mc:AlternateContent xmlns:mc="http://schemas.openxmlformats.org/markup-compatibility/2006" xmlns:p15="http://schemas.microsoft.com/office/powerpoint/2012/main">
+    <mc:Choice Requires="p15">
       <p:transition xmlns:p14="http://schemas.microsoft.com/office/powerpoint/2010/main" spd="slow" p14:dur="6000">
         <p15:prstTrans prst="curtains"/>
       </p:transition>
     </mc:Choice>
-    <mc:Fallback>
+    <mc:Fallback xmlns="">
       <p:transition spd="slow">
         <p:fade/>
       </p:transition>
@@ -8124,14 +9255,1073 @@
   <p:timing>
     <p:tnLst>
       <p:par>
-        <p:cTn id="1" dur="indefinite" restart="never" nodeType="tmRoot"/>
+        <p:cTn id="1" dur="indefinite" restart="never" nodeType="tmRoot">
+          <p:childTnLst>
+            <p:seq concurrent="1" nextAc="seek">
+              <p:cTn id="2" dur="indefinite" nodeType="mainSeq">
+                <p:childTnLst>
+                  <p:par>
+                    <p:cTn id="3" fill="hold">
+                      <p:stCondLst>
+                        <p:cond delay="indefinite"/>
+                      </p:stCondLst>
+                      <p:childTnLst>
+                        <p:par>
+                          <p:cTn id="4" fill="hold">
+                            <p:stCondLst>
+                              <p:cond delay="0"/>
+                            </p:stCondLst>
+                            <p:childTnLst>
+                              <p:par>
+                                <p:cTn id="5" presetID="2" presetClass="entr" presetSubtype="4" fill="hold" nodeType="clickEffect">
+                                  <p:stCondLst>
+                                    <p:cond delay="0"/>
+                                  </p:stCondLst>
+                                  <p:childTnLst>
+                                    <p:set>
+                                      <p:cBhvr>
+                                        <p:cTn id="6" dur="1" fill="hold">
+                                          <p:stCondLst>
+                                            <p:cond delay="0"/>
+                                          </p:stCondLst>
+                                        </p:cTn>
+                                        <p:tgtEl>
+                                          <p:spTgt spid="3">
+                                            <p:txEl>
+                                              <p:pRg st="0" end="0"/>
+                                            </p:txEl>
+                                          </p:spTgt>
+                                        </p:tgtEl>
+                                        <p:attrNameLst>
+                                          <p:attrName>style.visibility</p:attrName>
+                                        </p:attrNameLst>
+                                      </p:cBhvr>
+                                      <p:to>
+                                        <p:strVal val="visible"/>
+                                      </p:to>
+                                    </p:set>
+                                    <p:anim calcmode="lin" valueType="num">
+                                      <p:cBhvr additive="base">
+                                        <p:cTn id="7" dur="500" fill="hold"/>
+                                        <p:tgtEl>
+                                          <p:spTgt spid="3">
+                                            <p:txEl>
+                                              <p:pRg st="0" end="0"/>
+                                            </p:txEl>
+                                          </p:spTgt>
+                                        </p:tgtEl>
+                                        <p:attrNameLst>
+                                          <p:attrName>ppt_x</p:attrName>
+                                        </p:attrNameLst>
+                                      </p:cBhvr>
+                                      <p:tavLst>
+                                        <p:tav tm="0">
+                                          <p:val>
+                                            <p:strVal val="#ppt_x"/>
+                                          </p:val>
+                                        </p:tav>
+                                        <p:tav tm="100000">
+                                          <p:val>
+                                            <p:strVal val="#ppt_x"/>
+                                          </p:val>
+                                        </p:tav>
+                                      </p:tavLst>
+                                    </p:anim>
+                                    <p:anim calcmode="lin" valueType="num">
+                                      <p:cBhvr additive="base">
+                                        <p:cTn id="8" dur="500" fill="hold"/>
+                                        <p:tgtEl>
+                                          <p:spTgt spid="3">
+                                            <p:txEl>
+                                              <p:pRg st="0" end="0"/>
+                                            </p:txEl>
+                                          </p:spTgt>
+                                        </p:tgtEl>
+                                        <p:attrNameLst>
+                                          <p:attrName>ppt_y</p:attrName>
+                                        </p:attrNameLst>
+                                      </p:cBhvr>
+                                      <p:tavLst>
+                                        <p:tav tm="0">
+                                          <p:val>
+                                            <p:strVal val="1+#ppt_h/2"/>
+                                          </p:val>
+                                        </p:tav>
+                                        <p:tav tm="100000">
+                                          <p:val>
+                                            <p:strVal val="#ppt_y"/>
+                                          </p:val>
+                                        </p:tav>
+                                      </p:tavLst>
+                                    </p:anim>
+                                  </p:childTnLst>
+                                </p:cTn>
+                              </p:par>
+                              <p:par>
+                                <p:cTn id="9" presetID="2" presetClass="entr" presetSubtype="4" fill="hold" nodeType="withEffect">
+                                  <p:stCondLst>
+                                    <p:cond delay="0"/>
+                                  </p:stCondLst>
+                                  <p:childTnLst>
+                                    <p:set>
+                                      <p:cBhvr>
+                                        <p:cTn id="10" dur="1" fill="hold">
+                                          <p:stCondLst>
+                                            <p:cond delay="0"/>
+                                          </p:stCondLst>
+                                        </p:cTn>
+                                        <p:tgtEl>
+                                          <p:spTgt spid="3">
+                                            <p:txEl>
+                                              <p:pRg st="1" end="1"/>
+                                            </p:txEl>
+                                          </p:spTgt>
+                                        </p:tgtEl>
+                                        <p:attrNameLst>
+                                          <p:attrName>style.visibility</p:attrName>
+                                        </p:attrNameLst>
+                                      </p:cBhvr>
+                                      <p:to>
+                                        <p:strVal val="visible"/>
+                                      </p:to>
+                                    </p:set>
+                                    <p:anim calcmode="lin" valueType="num">
+                                      <p:cBhvr additive="base">
+                                        <p:cTn id="11" dur="500" fill="hold"/>
+                                        <p:tgtEl>
+                                          <p:spTgt spid="3">
+                                            <p:txEl>
+                                              <p:pRg st="1" end="1"/>
+                                            </p:txEl>
+                                          </p:spTgt>
+                                        </p:tgtEl>
+                                        <p:attrNameLst>
+                                          <p:attrName>ppt_x</p:attrName>
+                                        </p:attrNameLst>
+                                      </p:cBhvr>
+                                      <p:tavLst>
+                                        <p:tav tm="0">
+                                          <p:val>
+                                            <p:strVal val="#ppt_x"/>
+                                          </p:val>
+                                        </p:tav>
+                                        <p:tav tm="100000">
+                                          <p:val>
+                                            <p:strVal val="#ppt_x"/>
+                                          </p:val>
+                                        </p:tav>
+                                      </p:tavLst>
+                                    </p:anim>
+                                    <p:anim calcmode="lin" valueType="num">
+                                      <p:cBhvr additive="base">
+                                        <p:cTn id="12" dur="500" fill="hold"/>
+                                        <p:tgtEl>
+                                          <p:spTgt spid="3">
+                                            <p:txEl>
+                                              <p:pRg st="1" end="1"/>
+                                            </p:txEl>
+                                          </p:spTgt>
+                                        </p:tgtEl>
+                                        <p:attrNameLst>
+                                          <p:attrName>ppt_y</p:attrName>
+                                        </p:attrNameLst>
+                                      </p:cBhvr>
+                                      <p:tavLst>
+                                        <p:tav tm="0">
+                                          <p:val>
+                                            <p:strVal val="1+#ppt_h/2"/>
+                                          </p:val>
+                                        </p:tav>
+                                        <p:tav tm="100000">
+                                          <p:val>
+                                            <p:strVal val="#ppt_y"/>
+                                          </p:val>
+                                        </p:tav>
+                                      </p:tavLst>
+                                    </p:anim>
+                                  </p:childTnLst>
+                                </p:cTn>
+                              </p:par>
+                              <p:par>
+                                <p:cTn id="13" presetID="2" presetClass="entr" presetSubtype="4" fill="hold" nodeType="withEffect">
+                                  <p:stCondLst>
+                                    <p:cond delay="0"/>
+                                  </p:stCondLst>
+                                  <p:childTnLst>
+                                    <p:set>
+                                      <p:cBhvr>
+                                        <p:cTn id="14" dur="1" fill="hold">
+                                          <p:stCondLst>
+                                            <p:cond delay="0"/>
+                                          </p:stCondLst>
+                                        </p:cTn>
+                                        <p:tgtEl>
+                                          <p:spTgt spid="3">
+                                            <p:txEl>
+                                              <p:pRg st="2" end="2"/>
+                                            </p:txEl>
+                                          </p:spTgt>
+                                        </p:tgtEl>
+                                        <p:attrNameLst>
+                                          <p:attrName>style.visibility</p:attrName>
+                                        </p:attrNameLst>
+                                      </p:cBhvr>
+                                      <p:to>
+                                        <p:strVal val="visible"/>
+                                      </p:to>
+                                    </p:set>
+                                    <p:anim calcmode="lin" valueType="num">
+                                      <p:cBhvr additive="base">
+                                        <p:cTn id="15" dur="500" fill="hold"/>
+                                        <p:tgtEl>
+                                          <p:spTgt spid="3">
+                                            <p:txEl>
+                                              <p:pRg st="2" end="2"/>
+                                            </p:txEl>
+                                          </p:spTgt>
+                                        </p:tgtEl>
+                                        <p:attrNameLst>
+                                          <p:attrName>ppt_x</p:attrName>
+                                        </p:attrNameLst>
+                                      </p:cBhvr>
+                                      <p:tavLst>
+                                        <p:tav tm="0">
+                                          <p:val>
+                                            <p:strVal val="#ppt_x"/>
+                                          </p:val>
+                                        </p:tav>
+                                        <p:tav tm="100000">
+                                          <p:val>
+                                            <p:strVal val="#ppt_x"/>
+                                          </p:val>
+                                        </p:tav>
+                                      </p:tavLst>
+                                    </p:anim>
+                                    <p:anim calcmode="lin" valueType="num">
+                                      <p:cBhvr additive="base">
+                                        <p:cTn id="16" dur="500" fill="hold"/>
+                                        <p:tgtEl>
+                                          <p:spTgt spid="3">
+                                            <p:txEl>
+                                              <p:pRg st="2" end="2"/>
+                                            </p:txEl>
+                                          </p:spTgt>
+                                        </p:tgtEl>
+                                        <p:attrNameLst>
+                                          <p:attrName>ppt_y</p:attrName>
+                                        </p:attrNameLst>
+                                      </p:cBhvr>
+                                      <p:tavLst>
+                                        <p:tav tm="0">
+                                          <p:val>
+                                            <p:strVal val="1+#ppt_h/2"/>
+                                          </p:val>
+                                        </p:tav>
+                                        <p:tav tm="100000">
+                                          <p:val>
+                                            <p:strVal val="#ppt_y"/>
+                                          </p:val>
+                                        </p:tav>
+                                      </p:tavLst>
+                                    </p:anim>
+                                  </p:childTnLst>
+                                </p:cTn>
+                              </p:par>
+                              <p:par>
+                                <p:cTn id="17" presetID="2" presetClass="entr" presetSubtype="4" fill="hold" nodeType="withEffect">
+                                  <p:stCondLst>
+                                    <p:cond delay="0"/>
+                                  </p:stCondLst>
+                                  <p:childTnLst>
+                                    <p:set>
+                                      <p:cBhvr>
+                                        <p:cTn id="18" dur="1" fill="hold">
+                                          <p:stCondLst>
+                                            <p:cond delay="0"/>
+                                          </p:stCondLst>
+                                        </p:cTn>
+                                        <p:tgtEl>
+                                          <p:spTgt spid="3">
+                                            <p:txEl>
+                                              <p:pRg st="3" end="3"/>
+                                            </p:txEl>
+                                          </p:spTgt>
+                                        </p:tgtEl>
+                                        <p:attrNameLst>
+                                          <p:attrName>style.visibility</p:attrName>
+                                        </p:attrNameLst>
+                                      </p:cBhvr>
+                                      <p:to>
+                                        <p:strVal val="visible"/>
+                                      </p:to>
+                                    </p:set>
+                                    <p:anim calcmode="lin" valueType="num">
+                                      <p:cBhvr additive="base">
+                                        <p:cTn id="19" dur="500" fill="hold"/>
+                                        <p:tgtEl>
+                                          <p:spTgt spid="3">
+                                            <p:txEl>
+                                              <p:pRg st="3" end="3"/>
+                                            </p:txEl>
+                                          </p:spTgt>
+                                        </p:tgtEl>
+                                        <p:attrNameLst>
+                                          <p:attrName>ppt_x</p:attrName>
+                                        </p:attrNameLst>
+                                      </p:cBhvr>
+                                      <p:tavLst>
+                                        <p:tav tm="0">
+                                          <p:val>
+                                            <p:strVal val="#ppt_x"/>
+                                          </p:val>
+                                        </p:tav>
+                                        <p:tav tm="100000">
+                                          <p:val>
+                                            <p:strVal val="#ppt_x"/>
+                                          </p:val>
+                                        </p:tav>
+                                      </p:tavLst>
+                                    </p:anim>
+                                    <p:anim calcmode="lin" valueType="num">
+                                      <p:cBhvr additive="base">
+                                        <p:cTn id="20" dur="500" fill="hold"/>
+                                        <p:tgtEl>
+                                          <p:spTgt spid="3">
+                                            <p:txEl>
+                                              <p:pRg st="3" end="3"/>
+                                            </p:txEl>
+                                          </p:spTgt>
+                                        </p:tgtEl>
+                                        <p:attrNameLst>
+                                          <p:attrName>ppt_y</p:attrName>
+                                        </p:attrNameLst>
+                                      </p:cBhvr>
+                                      <p:tavLst>
+                                        <p:tav tm="0">
+                                          <p:val>
+                                            <p:strVal val="1+#ppt_h/2"/>
+                                          </p:val>
+                                        </p:tav>
+                                        <p:tav tm="100000">
+                                          <p:val>
+                                            <p:strVal val="#ppt_y"/>
+                                          </p:val>
+                                        </p:tav>
+                                      </p:tavLst>
+                                    </p:anim>
+                                  </p:childTnLst>
+                                </p:cTn>
+                              </p:par>
+                              <p:par>
+                                <p:cTn id="21" presetID="2" presetClass="entr" presetSubtype="4" fill="hold" nodeType="withEffect">
+                                  <p:stCondLst>
+                                    <p:cond delay="0"/>
+                                  </p:stCondLst>
+                                  <p:childTnLst>
+                                    <p:set>
+                                      <p:cBhvr>
+                                        <p:cTn id="22" dur="1" fill="hold">
+                                          <p:stCondLst>
+                                            <p:cond delay="0"/>
+                                          </p:stCondLst>
+                                        </p:cTn>
+                                        <p:tgtEl>
+                                          <p:spTgt spid="3">
+                                            <p:txEl>
+                                              <p:pRg st="4" end="4"/>
+                                            </p:txEl>
+                                          </p:spTgt>
+                                        </p:tgtEl>
+                                        <p:attrNameLst>
+                                          <p:attrName>style.visibility</p:attrName>
+                                        </p:attrNameLst>
+                                      </p:cBhvr>
+                                      <p:to>
+                                        <p:strVal val="visible"/>
+                                      </p:to>
+                                    </p:set>
+                                    <p:anim calcmode="lin" valueType="num">
+                                      <p:cBhvr additive="base">
+                                        <p:cTn id="23" dur="500" fill="hold"/>
+                                        <p:tgtEl>
+                                          <p:spTgt spid="3">
+                                            <p:txEl>
+                                              <p:pRg st="4" end="4"/>
+                                            </p:txEl>
+                                          </p:spTgt>
+                                        </p:tgtEl>
+                                        <p:attrNameLst>
+                                          <p:attrName>ppt_x</p:attrName>
+                                        </p:attrNameLst>
+                                      </p:cBhvr>
+                                      <p:tavLst>
+                                        <p:tav tm="0">
+                                          <p:val>
+                                            <p:strVal val="#ppt_x"/>
+                                          </p:val>
+                                        </p:tav>
+                                        <p:tav tm="100000">
+                                          <p:val>
+                                            <p:strVal val="#ppt_x"/>
+                                          </p:val>
+                                        </p:tav>
+                                      </p:tavLst>
+                                    </p:anim>
+                                    <p:anim calcmode="lin" valueType="num">
+                                      <p:cBhvr additive="base">
+                                        <p:cTn id="24" dur="500" fill="hold"/>
+                                        <p:tgtEl>
+                                          <p:spTgt spid="3">
+                                            <p:txEl>
+                                              <p:pRg st="4" end="4"/>
+                                            </p:txEl>
+                                          </p:spTgt>
+                                        </p:tgtEl>
+                                        <p:attrNameLst>
+                                          <p:attrName>ppt_y</p:attrName>
+                                        </p:attrNameLst>
+                                      </p:cBhvr>
+                                      <p:tavLst>
+                                        <p:tav tm="0">
+                                          <p:val>
+                                            <p:strVal val="1+#ppt_h/2"/>
+                                          </p:val>
+                                        </p:tav>
+                                        <p:tav tm="100000">
+                                          <p:val>
+                                            <p:strVal val="#ppt_y"/>
+                                          </p:val>
+                                        </p:tav>
+                                      </p:tavLst>
+                                    </p:anim>
+                                  </p:childTnLst>
+                                </p:cTn>
+                              </p:par>
+                              <p:par>
+                                <p:cTn id="25" presetID="2" presetClass="entr" presetSubtype="4" fill="hold" nodeType="withEffect">
+                                  <p:stCondLst>
+                                    <p:cond delay="0"/>
+                                  </p:stCondLst>
+                                  <p:childTnLst>
+                                    <p:set>
+                                      <p:cBhvr>
+                                        <p:cTn id="26" dur="1" fill="hold">
+                                          <p:stCondLst>
+                                            <p:cond delay="0"/>
+                                          </p:stCondLst>
+                                        </p:cTn>
+                                        <p:tgtEl>
+                                          <p:spTgt spid="3">
+                                            <p:txEl>
+                                              <p:pRg st="5" end="5"/>
+                                            </p:txEl>
+                                          </p:spTgt>
+                                        </p:tgtEl>
+                                        <p:attrNameLst>
+                                          <p:attrName>style.visibility</p:attrName>
+                                        </p:attrNameLst>
+                                      </p:cBhvr>
+                                      <p:to>
+                                        <p:strVal val="visible"/>
+                                      </p:to>
+                                    </p:set>
+                                    <p:anim calcmode="lin" valueType="num">
+                                      <p:cBhvr additive="base">
+                                        <p:cTn id="27" dur="500" fill="hold"/>
+                                        <p:tgtEl>
+                                          <p:spTgt spid="3">
+                                            <p:txEl>
+                                              <p:pRg st="5" end="5"/>
+                                            </p:txEl>
+                                          </p:spTgt>
+                                        </p:tgtEl>
+                                        <p:attrNameLst>
+                                          <p:attrName>ppt_x</p:attrName>
+                                        </p:attrNameLst>
+                                      </p:cBhvr>
+                                      <p:tavLst>
+                                        <p:tav tm="0">
+                                          <p:val>
+                                            <p:strVal val="#ppt_x"/>
+                                          </p:val>
+                                        </p:tav>
+                                        <p:tav tm="100000">
+                                          <p:val>
+                                            <p:strVal val="#ppt_x"/>
+                                          </p:val>
+                                        </p:tav>
+                                      </p:tavLst>
+                                    </p:anim>
+                                    <p:anim calcmode="lin" valueType="num">
+                                      <p:cBhvr additive="base">
+                                        <p:cTn id="28" dur="500" fill="hold"/>
+                                        <p:tgtEl>
+                                          <p:spTgt spid="3">
+                                            <p:txEl>
+                                              <p:pRg st="5" end="5"/>
+                                            </p:txEl>
+                                          </p:spTgt>
+                                        </p:tgtEl>
+                                        <p:attrNameLst>
+                                          <p:attrName>ppt_y</p:attrName>
+                                        </p:attrNameLst>
+                                      </p:cBhvr>
+                                      <p:tavLst>
+                                        <p:tav tm="0">
+                                          <p:val>
+                                            <p:strVal val="1+#ppt_h/2"/>
+                                          </p:val>
+                                        </p:tav>
+                                        <p:tav tm="100000">
+                                          <p:val>
+                                            <p:strVal val="#ppt_y"/>
+                                          </p:val>
+                                        </p:tav>
+                                      </p:tavLst>
+                                    </p:anim>
+                                  </p:childTnLst>
+                                </p:cTn>
+                              </p:par>
+                            </p:childTnLst>
+                          </p:cTn>
+                        </p:par>
+                      </p:childTnLst>
+                    </p:cTn>
+                  </p:par>
+                  <p:par>
+                    <p:cTn id="29" fill="hold">
+                      <p:stCondLst>
+                        <p:cond delay="indefinite"/>
+                      </p:stCondLst>
+                      <p:childTnLst>
+                        <p:par>
+                          <p:cTn id="30" fill="hold">
+                            <p:stCondLst>
+                              <p:cond delay="0"/>
+                            </p:stCondLst>
+                            <p:childTnLst>
+                              <p:par>
+                                <p:cTn id="31" presetID="12" presetClass="entr" presetSubtype="4" fill="hold" nodeType="clickEffect">
+                                  <p:stCondLst>
+                                    <p:cond delay="0"/>
+                                  </p:stCondLst>
+                                  <p:childTnLst>
+                                    <p:set>
+                                      <p:cBhvr>
+                                        <p:cTn id="32" dur="1" fill="hold">
+                                          <p:stCondLst>
+                                            <p:cond delay="0"/>
+                                          </p:stCondLst>
+                                        </p:cTn>
+                                        <p:tgtEl>
+                                          <p:spTgt spid="3">
+                                            <p:txEl>
+                                              <p:pRg st="6" end="6"/>
+                                            </p:txEl>
+                                          </p:spTgt>
+                                        </p:tgtEl>
+                                        <p:attrNameLst>
+                                          <p:attrName>style.visibility</p:attrName>
+                                        </p:attrNameLst>
+                                      </p:cBhvr>
+                                      <p:to>
+                                        <p:strVal val="visible"/>
+                                      </p:to>
+                                    </p:set>
+                                    <p:anim calcmode="lin" valueType="num">
+                                      <p:cBhvr additive="base">
+                                        <p:cTn id="33" dur="500"/>
+                                        <p:tgtEl>
+                                          <p:spTgt spid="3">
+                                            <p:txEl>
+                                              <p:pRg st="6" end="6"/>
+                                            </p:txEl>
+                                          </p:spTgt>
+                                        </p:tgtEl>
+                                        <p:attrNameLst>
+                                          <p:attrName>ppt_y</p:attrName>
+                                        </p:attrNameLst>
+                                      </p:cBhvr>
+                                      <p:tavLst>
+                                        <p:tav tm="0">
+                                          <p:val>
+                                            <p:strVal val="#ppt_y+#ppt_h*1.125000"/>
+                                          </p:val>
+                                        </p:tav>
+                                        <p:tav tm="100000">
+                                          <p:val>
+                                            <p:strVal val="#ppt_y"/>
+                                          </p:val>
+                                        </p:tav>
+                                      </p:tavLst>
+                                    </p:anim>
+                                    <p:animEffect transition="in" filter="wipe(up)">
+                                      <p:cBhvr>
+                                        <p:cTn id="34" dur="500"/>
+                                        <p:tgtEl>
+                                          <p:spTgt spid="3">
+                                            <p:txEl>
+                                              <p:pRg st="6" end="6"/>
+                                            </p:txEl>
+                                          </p:spTgt>
+                                        </p:tgtEl>
+                                      </p:cBhvr>
+                                    </p:animEffect>
+                                  </p:childTnLst>
+                                </p:cTn>
+                              </p:par>
+                              <p:par>
+                                <p:cTn id="35" presetID="12" presetClass="entr" presetSubtype="4" fill="hold" nodeType="withEffect">
+                                  <p:stCondLst>
+                                    <p:cond delay="0"/>
+                                  </p:stCondLst>
+                                  <p:childTnLst>
+                                    <p:set>
+                                      <p:cBhvr>
+                                        <p:cTn id="36" dur="1" fill="hold">
+                                          <p:stCondLst>
+                                            <p:cond delay="0"/>
+                                          </p:stCondLst>
+                                        </p:cTn>
+                                        <p:tgtEl>
+                                          <p:spTgt spid="3">
+                                            <p:txEl>
+                                              <p:pRg st="7" end="7"/>
+                                            </p:txEl>
+                                          </p:spTgt>
+                                        </p:tgtEl>
+                                        <p:attrNameLst>
+                                          <p:attrName>style.visibility</p:attrName>
+                                        </p:attrNameLst>
+                                      </p:cBhvr>
+                                      <p:to>
+                                        <p:strVal val="visible"/>
+                                      </p:to>
+                                    </p:set>
+                                    <p:anim calcmode="lin" valueType="num">
+                                      <p:cBhvr additive="base">
+                                        <p:cTn id="37" dur="500"/>
+                                        <p:tgtEl>
+                                          <p:spTgt spid="3">
+                                            <p:txEl>
+                                              <p:pRg st="7" end="7"/>
+                                            </p:txEl>
+                                          </p:spTgt>
+                                        </p:tgtEl>
+                                        <p:attrNameLst>
+                                          <p:attrName>ppt_y</p:attrName>
+                                        </p:attrNameLst>
+                                      </p:cBhvr>
+                                      <p:tavLst>
+                                        <p:tav tm="0">
+                                          <p:val>
+                                            <p:strVal val="#ppt_y+#ppt_h*1.125000"/>
+                                          </p:val>
+                                        </p:tav>
+                                        <p:tav tm="100000">
+                                          <p:val>
+                                            <p:strVal val="#ppt_y"/>
+                                          </p:val>
+                                        </p:tav>
+                                      </p:tavLst>
+                                    </p:anim>
+                                    <p:animEffect transition="in" filter="wipe(up)">
+                                      <p:cBhvr>
+                                        <p:cTn id="38" dur="500"/>
+                                        <p:tgtEl>
+                                          <p:spTgt spid="3">
+                                            <p:txEl>
+                                              <p:pRg st="7" end="7"/>
+                                            </p:txEl>
+                                          </p:spTgt>
+                                        </p:tgtEl>
+                                      </p:cBhvr>
+                                    </p:animEffect>
+                                  </p:childTnLst>
+                                </p:cTn>
+                              </p:par>
+                              <p:par>
+                                <p:cTn id="39" presetID="12" presetClass="entr" presetSubtype="4" fill="hold" nodeType="withEffect">
+                                  <p:stCondLst>
+                                    <p:cond delay="0"/>
+                                  </p:stCondLst>
+                                  <p:childTnLst>
+                                    <p:set>
+                                      <p:cBhvr>
+                                        <p:cTn id="40" dur="1" fill="hold">
+                                          <p:stCondLst>
+                                            <p:cond delay="0"/>
+                                          </p:stCondLst>
+                                        </p:cTn>
+                                        <p:tgtEl>
+                                          <p:spTgt spid="3">
+                                            <p:txEl>
+                                              <p:pRg st="8" end="8"/>
+                                            </p:txEl>
+                                          </p:spTgt>
+                                        </p:tgtEl>
+                                        <p:attrNameLst>
+                                          <p:attrName>style.visibility</p:attrName>
+                                        </p:attrNameLst>
+                                      </p:cBhvr>
+                                      <p:to>
+                                        <p:strVal val="visible"/>
+                                      </p:to>
+                                    </p:set>
+                                    <p:anim calcmode="lin" valueType="num">
+                                      <p:cBhvr additive="base">
+                                        <p:cTn id="41" dur="500"/>
+                                        <p:tgtEl>
+                                          <p:spTgt spid="3">
+                                            <p:txEl>
+                                              <p:pRg st="8" end="8"/>
+                                            </p:txEl>
+                                          </p:spTgt>
+                                        </p:tgtEl>
+                                        <p:attrNameLst>
+                                          <p:attrName>ppt_y</p:attrName>
+                                        </p:attrNameLst>
+                                      </p:cBhvr>
+                                      <p:tavLst>
+                                        <p:tav tm="0">
+                                          <p:val>
+                                            <p:strVal val="#ppt_y+#ppt_h*1.125000"/>
+                                          </p:val>
+                                        </p:tav>
+                                        <p:tav tm="100000">
+                                          <p:val>
+                                            <p:strVal val="#ppt_y"/>
+                                          </p:val>
+                                        </p:tav>
+                                      </p:tavLst>
+                                    </p:anim>
+                                    <p:animEffect transition="in" filter="wipe(up)">
+                                      <p:cBhvr>
+                                        <p:cTn id="42" dur="500"/>
+                                        <p:tgtEl>
+                                          <p:spTgt spid="3">
+                                            <p:txEl>
+                                              <p:pRg st="8" end="8"/>
+                                            </p:txEl>
+                                          </p:spTgt>
+                                        </p:tgtEl>
+                                      </p:cBhvr>
+                                    </p:animEffect>
+                                  </p:childTnLst>
+                                </p:cTn>
+                              </p:par>
+                              <p:par>
+                                <p:cTn id="43" presetID="12" presetClass="entr" presetSubtype="4" fill="hold" nodeType="withEffect">
+                                  <p:stCondLst>
+                                    <p:cond delay="0"/>
+                                  </p:stCondLst>
+                                  <p:childTnLst>
+                                    <p:set>
+                                      <p:cBhvr>
+                                        <p:cTn id="44" dur="1" fill="hold">
+                                          <p:stCondLst>
+                                            <p:cond delay="0"/>
+                                          </p:stCondLst>
+                                        </p:cTn>
+                                        <p:tgtEl>
+                                          <p:spTgt spid="3">
+                                            <p:txEl>
+                                              <p:pRg st="9" end="9"/>
+                                            </p:txEl>
+                                          </p:spTgt>
+                                        </p:tgtEl>
+                                        <p:attrNameLst>
+                                          <p:attrName>style.visibility</p:attrName>
+                                        </p:attrNameLst>
+                                      </p:cBhvr>
+                                      <p:to>
+                                        <p:strVal val="visible"/>
+                                      </p:to>
+                                    </p:set>
+                                    <p:anim calcmode="lin" valueType="num">
+                                      <p:cBhvr additive="base">
+                                        <p:cTn id="45" dur="500"/>
+                                        <p:tgtEl>
+                                          <p:spTgt spid="3">
+                                            <p:txEl>
+                                              <p:pRg st="9" end="9"/>
+                                            </p:txEl>
+                                          </p:spTgt>
+                                        </p:tgtEl>
+                                        <p:attrNameLst>
+                                          <p:attrName>ppt_y</p:attrName>
+                                        </p:attrNameLst>
+                                      </p:cBhvr>
+                                      <p:tavLst>
+                                        <p:tav tm="0">
+                                          <p:val>
+                                            <p:strVal val="#ppt_y+#ppt_h*1.125000"/>
+                                          </p:val>
+                                        </p:tav>
+                                        <p:tav tm="100000">
+                                          <p:val>
+                                            <p:strVal val="#ppt_y"/>
+                                          </p:val>
+                                        </p:tav>
+                                      </p:tavLst>
+                                    </p:anim>
+                                    <p:animEffect transition="in" filter="wipe(up)">
+                                      <p:cBhvr>
+                                        <p:cTn id="46" dur="500"/>
+                                        <p:tgtEl>
+                                          <p:spTgt spid="3">
+                                            <p:txEl>
+                                              <p:pRg st="9" end="9"/>
+                                            </p:txEl>
+                                          </p:spTgt>
+                                        </p:tgtEl>
+                                      </p:cBhvr>
+                                    </p:animEffect>
+                                  </p:childTnLst>
+                                </p:cTn>
+                              </p:par>
+                              <p:par>
+                                <p:cTn id="47" presetID="12" presetClass="entr" presetSubtype="4" fill="hold" nodeType="withEffect">
+                                  <p:stCondLst>
+                                    <p:cond delay="0"/>
+                                  </p:stCondLst>
+                                  <p:childTnLst>
+                                    <p:set>
+                                      <p:cBhvr>
+                                        <p:cTn id="48" dur="1" fill="hold">
+                                          <p:stCondLst>
+                                            <p:cond delay="0"/>
+                                          </p:stCondLst>
+                                        </p:cTn>
+                                        <p:tgtEl>
+                                          <p:spTgt spid="3">
+                                            <p:txEl>
+                                              <p:pRg st="10" end="10"/>
+                                            </p:txEl>
+                                          </p:spTgt>
+                                        </p:tgtEl>
+                                        <p:attrNameLst>
+                                          <p:attrName>style.visibility</p:attrName>
+                                        </p:attrNameLst>
+                                      </p:cBhvr>
+                                      <p:to>
+                                        <p:strVal val="visible"/>
+                                      </p:to>
+                                    </p:set>
+                                    <p:anim calcmode="lin" valueType="num">
+                                      <p:cBhvr additive="base">
+                                        <p:cTn id="49" dur="500"/>
+                                        <p:tgtEl>
+                                          <p:spTgt spid="3">
+                                            <p:txEl>
+                                              <p:pRg st="10" end="10"/>
+                                            </p:txEl>
+                                          </p:spTgt>
+                                        </p:tgtEl>
+                                        <p:attrNameLst>
+                                          <p:attrName>ppt_y</p:attrName>
+                                        </p:attrNameLst>
+                                      </p:cBhvr>
+                                      <p:tavLst>
+                                        <p:tav tm="0">
+                                          <p:val>
+                                            <p:strVal val="#ppt_y+#ppt_h*1.125000"/>
+                                          </p:val>
+                                        </p:tav>
+                                        <p:tav tm="100000">
+                                          <p:val>
+                                            <p:strVal val="#ppt_y"/>
+                                          </p:val>
+                                        </p:tav>
+                                      </p:tavLst>
+                                    </p:anim>
+                                    <p:animEffect transition="in" filter="wipe(up)">
+                                      <p:cBhvr>
+                                        <p:cTn id="50" dur="500"/>
+                                        <p:tgtEl>
+                                          <p:spTgt spid="3">
+                                            <p:txEl>
+                                              <p:pRg st="10" end="10"/>
+                                            </p:txEl>
+                                          </p:spTgt>
+                                        </p:tgtEl>
+                                      </p:cBhvr>
+                                    </p:animEffect>
+                                  </p:childTnLst>
+                                </p:cTn>
+                              </p:par>
+                              <p:par>
+                                <p:cTn id="51" presetID="12" presetClass="entr" presetSubtype="4" fill="hold" nodeType="withEffect">
+                                  <p:stCondLst>
+                                    <p:cond delay="0"/>
+                                  </p:stCondLst>
+                                  <p:childTnLst>
+                                    <p:set>
+                                      <p:cBhvr>
+                                        <p:cTn id="52" dur="1" fill="hold">
+                                          <p:stCondLst>
+                                            <p:cond delay="0"/>
+                                          </p:stCondLst>
+                                        </p:cTn>
+                                        <p:tgtEl>
+                                          <p:spTgt spid="3">
+                                            <p:txEl>
+                                              <p:pRg st="11" end="11"/>
+                                            </p:txEl>
+                                          </p:spTgt>
+                                        </p:tgtEl>
+                                        <p:attrNameLst>
+                                          <p:attrName>style.visibility</p:attrName>
+                                        </p:attrNameLst>
+                                      </p:cBhvr>
+                                      <p:to>
+                                        <p:strVal val="visible"/>
+                                      </p:to>
+                                    </p:set>
+                                    <p:anim calcmode="lin" valueType="num">
+                                      <p:cBhvr additive="base">
+                                        <p:cTn id="53" dur="500"/>
+                                        <p:tgtEl>
+                                          <p:spTgt spid="3">
+                                            <p:txEl>
+                                              <p:pRg st="11" end="11"/>
+                                            </p:txEl>
+                                          </p:spTgt>
+                                        </p:tgtEl>
+                                        <p:attrNameLst>
+                                          <p:attrName>ppt_y</p:attrName>
+                                        </p:attrNameLst>
+                                      </p:cBhvr>
+                                      <p:tavLst>
+                                        <p:tav tm="0">
+                                          <p:val>
+                                            <p:strVal val="#ppt_y+#ppt_h*1.125000"/>
+                                          </p:val>
+                                        </p:tav>
+                                        <p:tav tm="100000">
+                                          <p:val>
+                                            <p:strVal val="#ppt_y"/>
+                                          </p:val>
+                                        </p:tav>
+                                      </p:tavLst>
+                                    </p:anim>
+                                    <p:animEffect transition="in" filter="wipe(up)">
+                                      <p:cBhvr>
+                                        <p:cTn id="54" dur="500"/>
+                                        <p:tgtEl>
+                                          <p:spTgt spid="3">
+                                            <p:txEl>
+                                              <p:pRg st="11" end="11"/>
+                                            </p:txEl>
+                                          </p:spTgt>
+                                        </p:tgtEl>
+                                      </p:cBhvr>
+                                    </p:animEffect>
+                                  </p:childTnLst>
+                                </p:cTn>
+                              </p:par>
+                              <p:par>
+                                <p:cTn id="55" presetID="12" presetClass="entr" presetSubtype="4" fill="hold" nodeType="withEffect">
+                                  <p:stCondLst>
+                                    <p:cond delay="0"/>
+                                  </p:stCondLst>
+                                  <p:childTnLst>
+                                    <p:set>
+                                      <p:cBhvr>
+                                        <p:cTn id="56" dur="1" fill="hold">
+                                          <p:stCondLst>
+                                            <p:cond delay="0"/>
+                                          </p:stCondLst>
+                                        </p:cTn>
+                                        <p:tgtEl>
+                                          <p:spTgt spid="3">
+                                            <p:txEl>
+                                              <p:pRg st="12" end="12"/>
+                                            </p:txEl>
+                                          </p:spTgt>
+                                        </p:tgtEl>
+                                        <p:attrNameLst>
+                                          <p:attrName>style.visibility</p:attrName>
+                                        </p:attrNameLst>
+                                      </p:cBhvr>
+                                      <p:to>
+                                        <p:strVal val="visible"/>
+                                      </p:to>
+                                    </p:set>
+                                    <p:anim calcmode="lin" valueType="num">
+                                      <p:cBhvr additive="base">
+                                        <p:cTn id="57" dur="500"/>
+                                        <p:tgtEl>
+                                          <p:spTgt spid="3">
+                                            <p:txEl>
+                                              <p:pRg st="12" end="12"/>
+                                            </p:txEl>
+                                          </p:spTgt>
+                                        </p:tgtEl>
+                                        <p:attrNameLst>
+                                          <p:attrName>ppt_y</p:attrName>
+                                        </p:attrNameLst>
+                                      </p:cBhvr>
+                                      <p:tavLst>
+                                        <p:tav tm="0">
+                                          <p:val>
+                                            <p:strVal val="#ppt_y+#ppt_h*1.125000"/>
+                                          </p:val>
+                                        </p:tav>
+                                        <p:tav tm="100000">
+                                          <p:val>
+                                            <p:strVal val="#ppt_y"/>
+                                          </p:val>
+                                        </p:tav>
+                                      </p:tavLst>
+                                    </p:anim>
+                                    <p:animEffect transition="in" filter="wipe(up)">
+                                      <p:cBhvr>
+                                        <p:cTn id="58" dur="500"/>
+                                        <p:tgtEl>
+                                          <p:spTgt spid="3">
+                                            <p:txEl>
+                                              <p:pRg st="12" end="12"/>
+                                            </p:txEl>
+                                          </p:spTgt>
+                                        </p:tgtEl>
+                                      </p:cBhvr>
+                                    </p:animEffect>
+                                  </p:childTnLst>
+                                </p:cTn>
+                              </p:par>
+                            </p:childTnLst>
+                          </p:cTn>
+                        </p:par>
+                      </p:childTnLst>
+                    </p:cTn>
+                  </p:par>
+                </p:childTnLst>
+              </p:cTn>
+              <p:prevCondLst>
+                <p:cond evt="onPrev" delay="0">
+                  <p:tgtEl>
+                    <p:sldTgt/>
+                  </p:tgtEl>
+                </p:cond>
+              </p:prevCondLst>
+              <p:nextCondLst>
+                <p:cond evt="onNext" delay="0">
+                  <p:tgtEl>
+                    <p:sldTgt/>
+                  </p:tgtEl>
+                </p:cond>
+              </p:nextCondLst>
+            </p:seq>
+          </p:childTnLst>
+        </p:cTn>
       </p:par>
     </p:tnLst>
   </p:timing>
 </p:sld>
 </file>
 
-<file path=ppt/slides/slide11.xml><?xml version="1.0" encoding="utf-8"?>
+<file path=ppt/slides/slide12.xml><?xml version="1.0" encoding="utf-8"?>
 <p:sld xmlns:a="http://schemas.openxmlformats.org/drawingml/2006/main" xmlns:r="http://schemas.openxmlformats.org/officeDocument/2006/relationships" xmlns:p="http://schemas.openxmlformats.org/presentationml/2006/main">
   <p:cSld>
     <p:spTree>
@@ -8203,7 +10393,7 @@
 </p:sld>
 </file>
 
-<file path=ppt/slides/slide12.xml><?xml version="1.0" encoding="utf-8"?>
+<file path=ppt/slides/slide13.xml><?xml version="1.0" encoding="utf-8"?>
 <p:sld xmlns:a="http://schemas.openxmlformats.org/drawingml/2006/main" xmlns:r="http://schemas.openxmlformats.org/officeDocument/2006/relationships" xmlns:p="http://schemas.openxmlformats.org/presentationml/2006/main">
   <p:cSld>
     <p:spTree>
@@ -8309,6 +10499,22 @@
             <a:endParaRPr lang="en-US" dirty="0" smtClean="0"/>
           </a:p>
           <a:p>
+            <a:pPr lvl="1"/>
+            <a:r>
+              <a:rPr lang="en-US" dirty="0" err="1" smtClean="0"/>
+              <a:t>Angular.js</a:t>
+            </a:r>
+            <a:r>
+              <a:rPr lang="en-US" dirty="0" smtClean="0"/>
+              <a:t>, </a:t>
+            </a:r>
+            <a:r>
+              <a:rPr lang="en-US" dirty="0" err="1" smtClean="0"/>
+              <a:t>React.js</a:t>
+            </a:r>
+            <a:endParaRPr lang="en-US" dirty="0" smtClean="0"/>
+          </a:p>
+          <a:p>
             <a:r>
               <a:rPr lang="en-US" dirty="0" smtClean="0"/>
               <a:t>Backend:</a:t>
@@ -8350,170 +10556,13 @@
   <p:clrMapOvr>
     <a:masterClrMapping/>
   </p:clrMapOvr>
-  <mc:AlternateContent xmlns:mc="http://schemas.openxmlformats.org/markup-compatibility/2006">
-    <mc:Choice xmlns:p159="http://schemas.microsoft.com/office/powerpoint/2015/09/main" Requires="p159">
+  <mc:AlternateContent xmlns:mc="http://schemas.openxmlformats.org/markup-compatibility/2006" xmlns:p159="http://schemas.microsoft.com/office/powerpoint/2015/09/main">
+    <mc:Choice Requires="p159">
       <p:transition xmlns:p14="http://schemas.microsoft.com/office/powerpoint/2010/main" spd="slow" p14:dur="2000">
         <p159:morph option="byObject"/>
       </p:transition>
     </mc:Choice>
-    <mc:Fallback>
-      <p:transition spd="slow">
-        <p:fade/>
-      </p:transition>
-    </mc:Fallback>
-  </mc:AlternateContent>
-  <p:timing>
-    <p:tnLst>
-      <p:par>
-        <p:cTn id="1" dur="indefinite" restart="never" nodeType="tmRoot"/>
-      </p:par>
-    </p:tnLst>
-  </p:timing>
-</p:sld>
-</file>
-
-<file path=ppt/slides/slide13.xml><?xml version="1.0" encoding="utf-8"?>
-<p:sld xmlns:a="http://schemas.openxmlformats.org/drawingml/2006/main" xmlns:r="http://schemas.openxmlformats.org/officeDocument/2006/relationships" xmlns:p="http://schemas.openxmlformats.org/presentationml/2006/main">
-  <p:cSld>
-    <p:spTree>
-      <p:nvGrpSpPr>
-        <p:cNvPr id="1" name=""/>
-        <p:cNvGrpSpPr/>
-        <p:nvPr/>
-      </p:nvGrpSpPr>
-      <p:grpSpPr>
-        <a:xfrm>
-          <a:off x="0" y="0"/>
-          <a:ext cx="0" cy="0"/>
-          <a:chOff x="0" y="0"/>
-          <a:chExt cx="0" cy="0"/>
-        </a:xfrm>
-      </p:grpSpPr>
-      <p:sp>
-        <p:nvSpPr>
-          <p:cNvPr id="2" name="Title 1"/>
-          <p:cNvSpPr>
-            <a:spLocks noGrp="1"/>
-          </p:cNvSpPr>
-          <p:nvPr>
-            <p:ph type="title"/>
-          </p:nvPr>
-        </p:nvSpPr>
-        <p:spPr/>
-        <p:txBody>
-          <a:bodyPr/>
-          <a:lstStyle/>
-          <a:p>
-            <a:r>
-              <a:rPr lang="en-US" dirty="0"/>
-              <a:t>Bonus section: knowledge of web and mobile development</a:t>
-            </a:r>
-          </a:p>
-        </p:txBody>
-      </p:sp>
-      <p:sp>
-        <p:nvSpPr>
-          <p:cNvPr id="3" name="Content Placeholder 2"/>
-          <p:cNvSpPr>
-            <a:spLocks noGrp="1"/>
-          </p:cNvSpPr>
-          <p:nvPr>
-            <p:ph idx="1"/>
-          </p:nvPr>
-        </p:nvSpPr>
-        <p:spPr/>
-        <p:txBody>
-          <a:bodyPr/>
-          <a:lstStyle/>
-          <a:p>
-            <a:r>
-              <a:rPr lang="en-US" dirty="0"/>
-              <a:t>Mobile </a:t>
-            </a:r>
-            <a:r>
-              <a:rPr lang="en-US" dirty="0" smtClean="0"/>
-              <a:t>App </a:t>
-            </a:r>
-            <a:r>
-              <a:rPr lang="en-US" dirty="0"/>
-              <a:t>are </a:t>
-            </a:r>
-            <a:r>
-              <a:rPr lang="en-US" dirty="0" smtClean="0"/>
-              <a:t>mostly made for </a:t>
-            </a:r>
-            <a:r>
-              <a:rPr lang="en-US" dirty="0"/>
-              <a:t>Android (google) </a:t>
-            </a:r>
-            <a:r>
-              <a:rPr lang="en-US" dirty="0" smtClean="0"/>
-              <a:t>and IOS </a:t>
-            </a:r>
-            <a:r>
-              <a:rPr lang="en-US" dirty="0"/>
-              <a:t>(Apple) system (also windows)</a:t>
-            </a:r>
-          </a:p>
-          <a:p>
-            <a:r>
-              <a:rPr lang="en-US" dirty="0"/>
-              <a:t>IDE for Android: Android Studio (most popular) using Java and xml for frontend</a:t>
-            </a:r>
-          </a:p>
-          <a:p>
-            <a:r>
-              <a:rPr lang="en-US" dirty="0"/>
-              <a:t>IDE for IOS: </a:t>
-            </a:r>
-            <a:r>
-              <a:rPr lang="en-US" dirty="0" err="1"/>
-              <a:t>Xcode</a:t>
-            </a:r>
-            <a:r>
-              <a:rPr lang="en-US" dirty="0"/>
-              <a:t> using swift/objective c and drag and drop for front end</a:t>
-            </a:r>
-          </a:p>
-          <a:p>
-            <a:r>
-              <a:rPr lang="en-US" dirty="0"/>
-              <a:t>Social App structure:</a:t>
-            </a:r>
-          </a:p>
-          <a:p>
-            <a:pPr lvl="1"/>
-            <a:r>
-              <a:rPr lang="en-US" dirty="0"/>
-              <a:t>Front-end: UI and events</a:t>
-            </a:r>
-          </a:p>
-          <a:p>
-            <a:pPr lvl="1"/>
-            <a:r>
-              <a:rPr lang="en-US" dirty="0"/>
-              <a:t>Back-end: server and database</a:t>
-            </a:r>
-          </a:p>
-        </p:txBody>
-      </p:sp>
-    </p:spTree>
-    <p:extLst>
-      <p:ext uri="{BB962C8B-B14F-4D97-AF65-F5344CB8AC3E}">
-        <p14:creationId xmlns:p14="http://schemas.microsoft.com/office/powerpoint/2010/main" val="580625615"/>
-      </p:ext>
-    </p:extLst>
-  </p:cSld>
-  <p:clrMapOvr>
-    <a:masterClrMapping/>
-  </p:clrMapOvr>
-  <mc:AlternateContent xmlns:mc="http://schemas.openxmlformats.org/markup-compatibility/2006">
-    <mc:Choice xmlns:p15="http://schemas.microsoft.com/office/powerpoint/2012/main" Requires="p15">
-      <p:transition xmlns:p14="http://schemas.microsoft.com/office/powerpoint/2010/main" spd="slow" p14:dur="1250">
-        <p15:prstTrans prst="pageCurlDouble"/>
-      </p:transition>
-    </mc:Choice>
-    <mc:Fallback>
+    <mc:Fallback xmlns="">
       <p:transition spd="slow">
         <p:fade/>
       </p:transition>
@@ -8562,10 +10611,9 @@
           <a:lstStyle/>
           <a:p>
             <a:r>
-              <a:rPr lang="en-US" dirty="0" smtClean="0"/>
-              <a:t>Bonus interview question	</a:t>
-            </a:r>
-            <a:endParaRPr lang="en-US" dirty="0"/>
+              <a:rPr lang="en-US" dirty="0"/>
+              <a:t>Bonus section: knowledge of web and mobile development</a:t>
+            </a:r>
           </a:p>
         </p:txBody>
       </p:sp>
@@ -8585,30 +10633,93 @@
           <a:lstStyle/>
           <a:p>
             <a:r>
+              <a:rPr lang="en-US" dirty="0"/>
+              <a:t>Mobile </a:t>
+            </a:r>
+            <a:r>
               <a:rPr lang="en-US" dirty="0" smtClean="0"/>
-              <a:t>Reverse a string</a:t>
-            </a:r>
-            <a:endParaRPr lang="en-US" dirty="0"/>
+              <a:t>App </a:t>
+            </a:r>
+            <a:r>
+              <a:rPr lang="en-US" dirty="0"/>
+              <a:t>are </a:t>
+            </a:r>
+            <a:r>
+              <a:rPr lang="en-US" dirty="0" smtClean="0"/>
+              <a:t>mostly made for </a:t>
+            </a:r>
+            <a:r>
+              <a:rPr lang="en-US" dirty="0"/>
+              <a:t>Android (google) </a:t>
+            </a:r>
+            <a:r>
+              <a:rPr lang="en-US" dirty="0" smtClean="0"/>
+              <a:t>and IOS </a:t>
+            </a:r>
+            <a:r>
+              <a:rPr lang="en-US" dirty="0"/>
+              <a:t>(Apple) system (also windows)</a:t>
+            </a:r>
+          </a:p>
+          <a:p>
+            <a:r>
+              <a:rPr lang="en-US" dirty="0"/>
+              <a:t>IDE for Android: Android Studio (most popular) using Java and xml for frontend</a:t>
+            </a:r>
+          </a:p>
+          <a:p>
+            <a:r>
+              <a:rPr lang="en-US" dirty="0"/>
+              <a:t>IDE for IOS: </a:t>
+            </a:r>
+            <a:r>
+              <a:rPr lang="en-US" dirty="0" err="1"/>
+              <a:t>Xcode</a:t>
+            </a:r>
+            <a:r>
+              <a:rPr lang="en-US" dirty="0"/>
+              <a:t> using swift/objective c and drag and drop for front end</a:t>
+            </a:r>
+          </a:p>
+          <a:p>
+            <a:r>
+              <a:rPr lang="en-US" dirty="0"/>
+              <a:t>Social App structure:</a:t>
+            </a:r>
+          </a:p>
+          <a:p>
+            <a:pPr lvl="1"/>
+            <a:r>
+              <a:rPr lang="en-US" dirty="0"/>
+              <a:t>Front-end: UI and events</a:t>
+            </a:r>
+          </a:p>
+          <a:p>
+            <a:pPr lvl="1"/>
+            <a:r>
+              <a:rPr lang="en-US" dirty="0"/>
+              <a:t>Back-end: server and database</a:t>
+            </a:r>
           </a:p>
         </p:txBody>
       </p:sp>
     </p:spTree>
     <p:extLst>
       <p:ext uri="{BB962C8B-B14F-4D97-AF65-F5344CB8AC3E}">
-        <p14:creationId xmlns:p14="http://schemas.microsoft.com/office/powerpoint/2010/main" val="219588771"/>
+        <p14:creationId xmlns:p14="http://schemas.microsoft.com/office/powerpoint/2010/main" val="580625615"/>
       </p:ext>
     </p:extLst>
   </p:cSld>
   <p:clrMapOvr>
     <a:masterClrMapping/>
   </p:clrMapOvr>
-  <mc:AlternateContent xmlns:mc="http://schemas.openxmlformats.org/markup-compatibility/2006">
-    <mc:Choice xmlns:p15="http://schemas.microsoft.com/office/powerpoint/2012/main" Requires="p15">
-      <p:transition xmlns:p14="http://schemas.microsoft.com/office/powerpoint/2010/main" spd="slow" p14:dur="2000">
-        <p15:prstTrans prst="fracture"/>
+  <mc:AlternateContent xmlns:mc="http://schemas.openxmlformats.org/markup-compatibility/2006" xmlns:p15="http://schemas.microsoft.com/office/powerpoint/2012/main">
+    <mc:Choice Requires="p15">
+      <p:transition xmlns:p14="http://schemas.microsoft.com/office/powerpoint/2010/main" spd="slow" p14:dur="1250">
+        <p15:prstTrans prst="pageCurlDouble"/>
       </p:transition>
     </mc:Choice>
-    <mc:Fallback>
+    <mc:Fallback xmlns="">
       <p:transition spd="slow">
         <p:fade/>
       </p:transition>
@@ -8717,13 +10828,7 @@
               <a:rPr lang="en-US" dirty="0" smtClean="0">
                 <a:hlinkClick r:id="rId2"/>
               </a:rPr>
-              <a:t>http</a:t>
-            </a:r>
-            <a:r>
-              <a:rPr lang="en-US" dirty="0" smtClean="0">
-                <a:hlinkClick r:id="rId2"/>
-              </a:rPr>
-              <a:t>://percyteng.me</a:t>
+              <a:t>http://percyteng.me</a:t>
             </a:r>
             <a:endParaRPr lang="en-US" dirty="0" smtClean="0"/>
           </a:p>
@@ -8832,20 +10937,17 @@
               <a:rPr lang="en-US" dirty="0" smtClean="0"/>
               <a:t>Get foundation before trying to solve problems!</a:t>
             </a:r>
-            <a:endParaRPr lang="en-US" dirty="0" smtClean="0"/>
           </a:p>
           <a:p>
             <a:r>
               <a:rPr lang="en-US" dirty="0" smtClean="0"/>
-              <a:t>Make </a:t>
-            </a:r>
+              <a:t>Get a very detailed knowledge sheet</a:t>
+            </a:r>
+          </a:p>
+          <a:p>
             <a:r>
               <a:rPr lang="en-US" dirty="0" smtClean="0"/>
-              <a:t>programming easier for </a:t>
-            </a:r>
-            <a:r>
-              <a:rPr lang="en-US" dirty="0" smtClean="0"/>
-              <a:t>you by applying my own understanding in an intuitive way. Programming analogy (ancient </a:t>
+              <a:t>Make programming easier for you by applying my own understanding in an intuitive way. Programming analogy (ancient </a:t>
             </a:r>
             <a:r>
               <a:rPr lang="en-US" dirty="0" err="1" smtClean="0"/>
@@ -8863,7 +10965,6 @@
               <a:rPr lang="en-US" dirty="0" smtClean="0"/>
               <a:t>)</a:t>
             </a:r>
-            <a:endParaRPr lang="en-US" dirty="0" smtClean="0"/>
           </a:p>
           <a:p>
             <a:r>
@@ -8911,7 +11012,342 @@
   <p:timing>
     <p:tnLst>
       <p:par>
-        <p:cTn id="1" dur="indefinite" restart="never" nodeType="tmRoot"/>
+        <p:cTn id="1" dur="indefinite" restart="never" nodeType="tmRoot">
+          <p:childTnLst>
+            <p:seq concurrent="1" nextAc="seek">
+              <p:cTn id="2" dur="indefinite" nodeType="mainSeq">
+                <p:childTnLst>
+                  <p:par>
+                    <p:cTn id="3" fill="hold">
+                      <p:stCondLst>
+                        <p:cond delay="indefinite"/>
+                      </p:stCondLst>
+                      <p:childTnLst>
+                        <p:par>
+                          <p:cTn id="4" fill="hold">
+                            <p:stCondLst>
+                              <p:cond delay="0"/>
+                            </p:stCondLst>
+                            <p:childTnLst>
+                              <p:par>
+                                <p:cTn id="5" presetID="9" presetClass="entr" presetSubtype="0" fill="hold" nodeType="clickEffect">
+                                  <p:stCondLst>
+                                    <p:cond delay="0"/>
+                                  </p:stCondLst>
+                                  <p:childTnLst>
+                                    <p:set>
+                                      <p:cBhvr>
+                                        <p:cTn id="6" dur="1" fill="hold">
+                                          <p:stCondLst>
+                                            <p:cond delay="0"/>
+                                          </p:stCondLst>
+                                        </p:cTn>
+                                        <p:tgtEl>
+                                          <p:spTgt spid="3">
+                                            <p:txEl>
+                                              <p:pRg st="0" end="0"/>
+                                            </p:txEl>
+                                          </p:spTgt>
+                                        </p:tgtEl>
+                                        <p:attrNameLst>
+                                          <p:attrName>style.visibility</p:attrName>
+                                        </p:attrNameLst>
+                                      </p:cBhvr>
+                                      <p:to>
+                                        <p:strVal val="visible"/>
+                                      </p:to>
+                                    </p:set>
+                                    <p:animEffect transition="in" filter="dissolve">
+                                      <p:cBhvr>
+                                        <p:cTn id="7" dur="500"/>
+                                        <p:tgtEl>
+                                          <p:spTgt spid="3">
+                                            <p:txEl>
+                                              <p:pRg st="0" end="0"/>
+                                            </p:txEl>
+                                          </p:spTgt>
+                                        </p:tgtEl>
+                                      </p:cBhvr>
+                                    </p:animEffect>
+                                  </p:childTnLst>
+                                </p:cTn>
+                              </p:par>
+                            </p:childTnLst>
+                          </p:cTn>
+                        </p:par>
+                      </p:childTnLst>
+                    </p:cTn>
+                  </p:par>
+                  <p:par>
+                    <p:cTn id="8" fill="hold">
+                      <p:stCondLst>
+                        <p:cond delay="indefinite"/>
+                      </p:stCondLst>
+                      <p:childTnLst>
+                        <p:par>
+                          <p:cTn id="9" fill="hold">
+                            <p:stCondLst>
+                              <p:cond delay="0"/>
+                            </p:stCondLst>
+                            <p:childTnLst>
+                              <p:par>
+                                <p:cTn id="10" presetID="9" presetClass="entr" presetSubtype="0" fill="hold" nodeType="clickEffect">
+                                  <p:stCondLst>
+                                    <p:cond delay="0"/>
+                                  </p:stCondLst>
+                                  <p:childTnLst>
+                                    <p:set>
+                                      <p:cBhvr>
+                                        <p:cTn id="11" dur="1" fill="hold">
+                                          <p:stCondLst>
+                                            <p:cond delay="0"/>
+                                          </p:stCondLst>
+                                        </p:cTn>
+                                        <p:tgtEl>
+                                          <p:spTgt spid="3">
+                                            <p:txEl>
+                                              <p:pRg st="1" end="1"/>
+                                            </p:txEl>
+                                          </p:spTgt>
+                                        </p:tgtEl>
+                                        <p:attrNameLst>
+                                          <p:attrName>style.visibility</p:attrName>
+                                        </p:attrNameLst>
+                                      </p:cBhvr>
+                                      <p:to>
+                                        <p:strVal val="visible"/>
+                                      </p:to>
+                                    </p:set>
+                                    <p:animEffect transition="in" filter="dissolve">
+                                      <p:cBhvr>
+                                        <p:cTn id="12" dur="500"/>
+                                        <p:tgtEl>
+                                          <p:spTgt spid="3">
+                                            <p:txEl>
+                                              <p:pRg st="1" end="1"/>
+                                            </p:txEl>
+                                          </p:spTgt>
+                                        </p:tgtEl>
+                                      </p:cBhvr>
+                                    </p:animEffect>
+                                  </p:childTnLst>
+                                </p:cTn>
+                              </p:par>
+                              <p:par>
+                                <p:cTn id="13" presetID="9" presetClass="entr" presetSubtype="0" fill="hold" nodeType="withEffect">
+                                  <p:stCondLst>
+                                    <p:cond delay="0"/>
+                                  </p:stCondLst>
+                                  <p:childTnLst>
+                                    <p:set>
+                                      <p:cBhvr>
+                                        <p:cTn id="14" dur="1" fill="hold">
+                                          <p:stCondLst>
+                                            <p:cond delay="0"/>
+                                          </p:stCondLst>
+                                        </p:cTn>
+                                        <p:tgtEl>
+                                          <p:spTgt spid="3">
+                                            <p:txEl>
+                                              <p:pRg st="2" end="2"/>
+                                            </p:txEl>
+                                          </p:spTgt>
+                                        </p:tgtEl>
+                                        <p:attrNameLst>
+                                          <p:attrName>style.visibility</p:attrName>
+                                        </p:attrNameLst>
+                                      </p:cBhvr>
+                                      <p:to>
+                                        <p:strVal val="visible"/>
+                                      </p:to>
+                                    </p:set>
+                                    <p:animEffect transition="in" filter="dissolve">
+                                      <p:cBhvr>
+                                        <p:cTn id="15" dur="500"/>
+                                        <p:tgtEl>
+                                          <p:spTgt spid="3">
+                                            <p:txEl>
+                                              <p:pRg st="2" end="2"/>
+                                            </p:txEl>
+                                          </p:spTgt>
+                                        </p:tgtEl>
+                                      </p:cBhvr>
+                                    </p:animEffect>
+                                  </p:childTnLst>
+                                </p:cTn>
+                              </p:par>
+                            </p:childTnLst>
+                          </p:cTn>
+                        </p:par>
+                      </p:childTnLst>
+                    </p:cTn>
+                  </p:par>
+                  <p:par>
+                    <p:cTn id="16" fill="hold">
+                      <p:stCondLst>
+                        <p:cond delay="indefinite"/>
+                      </p:stCondLst>
+                      <p:childTnLst>
+                        <p:par>
+                          <p:cTn id="17" fill="hold">
+                            <p:stCondLst>
+                              <p:cond delay="0"/>
+                            </p:stCondLst>
+                            <p:childTnLst>
+                              <p:par>
+                                <p:cTn id="18" presetID="16" presetClass="entr" presetSubtype="21" fill="hold" nodeType="clickEffect">
+                                  <p:stCondLst>
+                                    <p:cond delay="0"/>
+                                  </p:stCondLst>
+                                  <p:childTnLst>
+                                    <p:set>
+                                      <p:cBhvr>
+                                        <p:cTn id="19" dur="1" fill="hold">
+                                          <p:stCondLst>
+                                            <p:cond delay="0"/>
+                                          </p:stCondLst>
+                                        </p:cTn>
+                                        <p:tgtEl>
+                                          <p:spTgt spid="3">
+                                            <p:txEl>
+                                              <p:pRg st="3" end="3"/>
+                                            </p:txEl>
+                                          </p:spTgt>
+                                        </p:tgtEl>
+                                        <p:attrNameLst>
+                                          <p:attrName>style.visibility</p:attrName>
+                                        </p:attrNameLst>
+                                      </p:cBhvr>
+                                      <p:to>
+                                        <p:strVal val="visible"/>
+                                      </p:to>
+                                    </p:set>
+                                    <p:animEffect transition="in" filter="barn(inVertical)">
+                                      <p:cBhvr>
+                                        <p:cTn id="20" dur="500"/>
+                                        <p:tgtEl>
+                                          <p:spTgt spid="3">
+                                            <p:txEl>
+                                              <p:pRg st="3" end="3"/>
+                                            </p:txEl>
+                                          </p:spTgt>
+                                        </p:tgtEl>
+                                      </p:cBhvr>
+                                    </p:animEffect>
+                                  </p:childTnLst>
+                                </p:cTn>
+                              </p:par>
+                              <p:par>
+                                <p:cTn id="21" presetID="16" presetClass="entr" presetSubtype="21" fill="hold" nodeType="withEffect">
+                                  <p:stCondLst>
+                                    <p:cond delay="0"/>
+                                  </p:stCondLst>
+                                  <p:childTnLst>
+                                    <p:set>
+                                      <p:cBhvr>
+                                        <p:cTn id="22" dur="1" fill="hold">
+                                          <p:stCondLst>
+                                            <p:cond delay="0"/>
+                                          </p:stCondLst>
+                                        </p:cTn>
+                                        <p:tgtEl>
+                                          <p:spTgt spid="3">
+                                            <p:txEl>
+                                              <p:pRg st="4" end="4"/>
+                                            </p:txEl>
+                                          </p:spTgt>
+                                        </p:tgtEl>
+                                        <p:attrNameLst>
+                                          <p:attrName>style.visibility</p:attrName>
+                                        </p:attrNameLst>
+                                      </p:cBhvr>
+                                      <p:to>
+                                        <p:strVal val="visible"/>
+                                      </p:to>
+                                    </p:set>
+                                    <p:animEffect transition="in" filter="barn(inVertical)">
+                                      <p:cBhvr>
+                                        <p:cTn id="23" dur="500"/>
+                                        <p:tgtEl>
+                                          <p:spTgt spid="3">
+                                            <p:txEl>
+                                              <p:pRg st="4" end="4"/>
+                                            </p:txEl>
+                                          </p:spTgt>
+                                        </p:tgtEl>
+                                      </p:cBhvr>
+                                    </p:animEffect>
+                                  </p:childTnLst>
+                                </p:cTn>
+                              </p:par>
+                              <p:par>
+                                <p:cTn id="24" presetID="16" presetClass="entr" presetSubtype="21" fill="hold" nodeType="withEffect">
+                                  <p:stCondLst>
+                                    <p:cond delay="0"/>
+                                  </p:stCondLst>
+                                  <p:childTnLst>
+                                    <p:set>
+                                      <p:cBhvr>
+                                        <p:cTn id="25" dur="1" fill="hold">
+                                          <p:stCondLst>
+                                            <p:cond delay="0"/>
+                                          </p:stCondLst>
+                                        </p:cTn>
+                                        <p:tgtEl>
+                                          <p:spTgt spid="3">
+                                            <p:txEl>
+                                              <p:pRg st="5" end="5"/>
+                                            </p:txEl>
+                                          </p:spTgt>
+                                        </p:tgtEl>
+                                        <p:attrNameLst>
+                                          <p:attrName>style.visibility</p:attrName>
+                                        </p:attrNameLst>
+                                      </p:cBhvr>
+                                      <p:to>
+                                        <p:strVal val="visible"/>
+                                      </p:to>
+                                    </p:set>
+                                    <p:animEffect transition="in" filter="barn(inVertical)">
+                                      <p:cBhvr>
+                                        <p:cTn id="26" dur="500"/>
+                                        <p:tgtEl>
+                                          <p:spTgt spid="3">
+                                            <p:txEl>
+                                              <p:pRg st="5" end="5"/>
+                                            </p:txEl>
+                                          </p:spTgt>
+                                        </p:tgtEl>
+                                      </p:cBhvr>
+                                    </p:animEffect>
+                                  </p:childTnLst>
+                                </p:cTn>
+                              </p:par>
+                            </p:childTnLst>
+                          </p:cTn>
+                        </p:par>
+                      </p:childTnLst>
+                    </p:cTn>
+                  </p:par>
+                </p:childTnLst>
+              </p:cTn>
+              <p:prevCondLst>
+                <p:cond evt="onPrev" delay="0">
+                  <p:tgtEl>
+                    <p:sldTgt/>
+                  </p:tgtEl>
+                </p:cond>
+              </p:prevCondLst>
+              <p:nextCondLst>
+                <p:cond evt="onNext" delay="0">
+                  <p:tgtEl>
+                    <p:sldTgt/>
+                  </p:tgtEl>
+                </p:cond>
+              </p:nextCondLst>
+            </p:seq>
+          </p:childTnLst>
+        </p:cTn>
       </p:par>
     </p:tnLst>
   </p:timing>
@@ -8972,6 +11408,12 @@
         <p:txBody>
           <a:bodyPr/>
           <a:lstStyle/>
+          <a:p>
+            <a:r>
+              <a:rPr lang="en-US" dirty="0" smtClean="0"/>
+              <a:t>Arithmetic operators</a:t>
+            </a:r>
+          </a:p>
           <a:p>
             <a:r>
               <a:rPr lang="en-US" dirty="0" smtClean="0"/>
@@ -9101,7 +11543,6 @@
               <a:rPr lang="en-US" i="1" dirty="0" smtClean="0"/>
               <a:t>Object</a:t>
             </a:r>
-            <a:endParaRPr lang="en-US" i="1" dirty="0" smtClean="0"/>
           </a:p>
           <a:p>
             <a:pPr lvl="1"/>
@@ -9109,7 +11550,6 @@
               <a:rPr lang="en-US" i="1" dirty="0" smtClean="0"/>
               <a:t>Inheritance</a:t>
             </a:r>
-            <a:endParaRPr lang="en-US" i="1" dirty="0" smtClean="0"/>
           </a:p>
           <a:p>
             <a:pPr lvl="1"/>
@@ -9165,7 +11605,622 @@
   <p:timing>
     <p:tnLst>
       <p:par>
-        <p:cTn id="1" dur="indefinite" restart="never" nodeType="tmRoot"/>
+        <p:cTn id="1" dur="indefinite" restart="never" nodeType="tmRoot">
+          <p:childTnLst>
+            <p:seq concurrent="1" nextAc="seek">
+              <p:cTn id="2" dur="indefinite" nodeType="mainSeq">
+                <p:childTnLst>
+                  <p:par>
+                    <p:cTn id="3" fill="hold">
+                      <p:stCondLst>
+                        <p:cond delay="indefinite"/>
+                      </p:stCondLst>
+                      <p:childTnLst>
+                        <p:par>
+                          <p:cTn id="4" fill="hold">
+                            <p:stCondLst>
+                              <p:cond delay="0"/>
+                            </p:stCondLst>
+                            <p:childTnLst>
+                              <p:par>
+                                <p:cTn id="5" presetID="2" presetClass="entr" presetSubtype="4" fill="hold" nodeType="clickEffect">
+                                  <p:stCondLst>
+                                    <p:cond delay="0"/>
+                                  </p:stCondLst>
+                                  <p:childTnLst>
+                                    <p:set>
+                                      <p:cBhvr>
+                                        <p:cTn id="6" dur="1" fill="hold">
+                                          <p:stCondLst>
+                                            <p:cond delay="0"/>
+                                          </p:stCondLst>
+                                        </p:cTn>
+                                        <p:tgtEl>
+                                          <p:spTgt spid="3">
+                                            <p:txEl>
+                                              <p:pRg st="0" end="0"/>
+                                            </p:txEl>
+                                          </p:spTgt>
+                                        </p:tgtEl>
+                                        <p:attrNameLst>
+                                          <p:attrName>style.visibility</p:attrName>
+                                        </p:attrNameLst>
+                                      </p:cBhvr>
+                                      <p:to>
+                                        <p:strVal val="visible"/>
+                                      </p:to>
+                                    </p:set>
+                                    <p:anim calcmode="lin" valueType="num">
+                                      <p:cBhvr additive="base">
+                                        <p:cTn id="7" dur="500" fill="hold"/>
+                                        <p:tgtEl>
+                                          <p:spTgt spid="3">
+                                            <p:txEl>
+                                              <p:pRg st="0" end="0"/>
+                                            </p:txEl>
+                                          </p:spTgt>
+                                        </p:tgtEl>
+                                        <p:attrNameLst>
+                                          <p:attrName>ppt_x</p:attrName>
+                                        </p:attrNameLst>
+                                      </p:cBhvr>
+                                      <p:tavLst>
+                                        <p:tav tm="0">
+                                          <p:val>
+                                            <p:strVal val="#ppt_x"/>
+                                          </p:val>
+                                        </p:tav>
+                                        <p:tav tm="100000">
+                                          <p:val>
+                                            <p:strVal val="#ppt_x"/>
+                                          </p:val>
+                                        </p:tav>
+                                      </p:tavLst>
+                                    </p:anim>
+                                    <p:anim calcmode="lin" valueType="num">
+                                      <p:cBhvr additive="base">
+                                        <p:cTn id="8" dur="500" fill="hold"/>
+                                        <p:tgtEl>
+                                          <p:spTgt spid="3">
+                                            <p:txEl>
+                                              <p:pRg st="0" end="0"/>
+                                            </p:txEl>
+                                          </p:spTgt>
+                                        </p:tgtEl>
+                                        <p:attrNameLst>
+                                          <p:attrName>ppt_y</p:attrName>
+                                        </p:attrNameLst>
+                                      </p:cBhvr>
+                                      <p:tavLst>
+                                        <p:tav tm="0">
+                                          <p:val>
+                                            <p:strVal val="1+#ppt_h/2"/>
+                                          </p:val>
+                                        </p:tav>
+                                        <p:tav tm="100000">
+                                          <p:val>
+                                            <p:strVal val="#ppt_y"/>
+                                          </p:val>
+                                        </p:tav>
+                                      </p:tavLst>
+                                    </p:anim>
+                                  </p:childTnLst>
+                                </p:cTn>
+                              </p:par>
+                              <p:par>
+                                <p:cTn id="9" presetID="2" presetClass="entr" presetSubtype="4" fill="hold" nodeType="withEffect">
+                                  <p:stCondLst>
+                                    <p:cond delay="0"/>
+                                  </p:stCondLst>
+                                  <p:childTnLst>
+                                    <p:set>
+                                      <p:cBhvr>
+                                        <p:cTn id="10" dur="1" fill="hold">
+                                          <p:stCondLst>
+                                            <p:cond delay="0"/>
+                                          </p:stCondLst>
+                                        </p:cTn>
+                                        <p:tgtEl>
+                                          <p:spTgt spid="3">
+                                            <p:txEl>
+                                              <p:pRg st="1" end="1"/>
+                                            </p:txEl>
+                                          </p:spTgt>
+                                        </p:tgtEl>
+                                        <p:attrNameLst>
+                                          <p:attrName>style.visibility</p:attrName>
+                                        </p:attrNameLst>
+                                      </p:cBhvr>
+                                      <p:to>
+                                        <p:strVal val="visible"/>
+                                      </p:to>
+                                    </p:set>
+                                    <p:anim calcmode="lin" valueType="num">
+                                      <p:cBhvr additive="base">
+                                        <p:cTn id="11" dur="500" fill="hold"/>
+                                        <p:tgtEl>
+                                          <p:spTgt spid="3">
+                                            <p:txEl>
+                                              <p:pRg st="1" end="1"/>
+                                            </p:txEl>
+                                          </p:spTgt>
+                                        </p:tgtEl>
+                                        <p:attrNameLst>
+                                          <p:attrName>ppt_x</p:attrName>
+                                        </p:attrNameLst>
+                                      </p:cBhvr>
+                                      <p:tavLst>
+                                        <p:tav tm="0">
+                                          <p:val>
+                                            <p:strVal val="#ppt_x"/>
+                                          </p:val>
+                                        </p:tav>
+                                        <p:tav tm="100000">
+                                          <p:val>
+                                            <p:strVal val="#ppt_x"/>
+                                          </p:val>
+                                        </p:tav>
+                                      </p:tavLst>
+                                    </p:anim>
+                                    <p:anim calcmode="lin" valueType="num">
+                                      <p:cBhvr additive="base">
+                                        <p:cTn id="12" dur="500" fill="hold"/>
+                                        <p:tgtEl>
+                                          <p:spTgt spid="3">
+                                            <p:txEl>
+                                              <p:pRg st="1" end="1"/>
+                                            </p:txEl>
+                                          </p:spTgt>
+                                        </p:tgtEl>
+                                        <p:attrNameLst>
+                                          <p:attrName>ppt_y</p:attrName>
+                                        </p:attrNameLst>
+                                      </p:cBhvr>
+                                      <p:tavLst>
+                                        <p:tav tm="0">
+                                          <p:val>
+                                            <p:strVal val="1+#ppt_h/2"/>
+                                          </p:val>
+                                        </p:tav>
+                                        <p:tav tm="100000">
+                                          <p:val>
+                                            <p:strVal val="#ppt_y"/>
+                                          </p:val>
+                                        </p:tav>
+                                      </p:tavLst>
+                                    </p:anim>
+                                  </p:childTnLst>
+                                </p:cTn>
+                              </p:par>
+                              <p:par>
+                                <p:cTn id="13" presetID="2" presetClass="entr" presetSubtype="4" fill="hold" nodeType="withEffect">
+                                  <p:stCondLst>
+                                    <p:cond delay="0"/>
+                                  </p:stCondLst>
+                                  <p:childTnLst>
+                                    <p:set>
+                                      <p:cBhvr>
+                                        <p:cTn id="14" dur="1" fill="hold">
+                                          <p:stCondLst>
+                                            <p:cond delay="0"/>
+                                          </p:stCondLst>
+                                        </p:cTn>
+                                        <p:tgtEl>
+                                          <p:spTgt spid="3">
+                                            <p:txEl>
+                                              <p:pRg st="2" end="2"/>
+                                            </p:txEl>
+                                          </p:spTgt>
+                                        </p:tgtEl>
+                                        <p:attrNameLst>
+                                          <p:attrName>style.visibility</p:attrName>
+                                        </p:attrNameLst>
+                                      </p:cBhvr>
+                                      <p:to>
+                                        <p:strVal val="visible"/>
+                                      </p:to>
+                                    </p:set>
+                                    <p:anim calcmode="lin" valueType="num">
+                                      <p:cBhvr additive="base">
+                                        <p:cTn id="15" dur="500" fill="hold"/>
+                                        <p:tgtEl>
+                                          <p:spTgt spid="3">
+                                            <p:txEl>
+                                              <p:pRg st="2" end="2"/>
+                                            </p:txEl>
+                                          </p:spTgt>
+                                        </p:tgtEl>
+                                        <p:attrNameLst>
+                                          <p:attrName>ppt_x</p:attrName>
+                                        </p:attrNameLst>
+                                      </p:cBhvr>
+                                      <p:tavLst>
+                                        <p:tav tm="0">
+                                          <p:val>
+                                            <p:strVal val="#ppt_x"/>
+                                          </p:val>
+                                        </p:tav>
+                                        <p:tav tm="100000">
+                                          <p:val>
+                                            <p:strVal val="#ppt_x"/>
+                                          </p:val>
+                                        </p:tav>
+                                      </p:tavLst>
+                                    </p:anim>
+                                    <p:anim calcmode="lin" valueType="num">
+                                      <p:cBhvr additive="base">
+                                        <p:cTn id="16" dur="500" fill="hold"/>
+                                        <p:tgtEl>
+                                          <p:spTgt spid="3">
+                                            <p:txEl>
+                                              <p:pRg st="2" end="2"/>
+                                            </p:txEl>
+                                          </p:spTgt>
+                                        </p:tgtEl>
+                                        <p:attrNameLst>
+                                          <p:attrName>ppt_y</p:attrName>
+                                        </p:attrNameLst>
+                                      </p:cBhvr>
+                                      <p:tavLst>
+                                        <p:tav tm="0">
+                                          <p:val>
+                                            <p:strVal val="1+#ppt_h/2"/>
+                                          </p:val>
+                                        </p:tav>
+                                        <p:tav tm="100000">
+                                          <p:val>
+                                            <p:strVal val="#ppt_y"/>
+                                          </p:val>
+                                        </p:tav>
+                                      </p:tavLst>
+                                    </p:anim>
+                                  </p:childTnLst>
+                                </p:cTn>
+                              </p:par>
+                              <p:par>
+                                <p:cTn id="17" presetID="2" presetClass="entr" presetSubtype="4" fill="hold" nodeType="withEffect">
+                                  <p:stCondLst>
+                                    <p:cond delay="0"/>
+                                  </p:stCondLst>
+                                  <p:childTnLst>
+                                    <p:set>
+                                      <p:cBhvr>
+                                        <p:cTn id="18" dur="1" fill="hold">
+                                          <p:stCondLst>
+                                            <p:cond delay="0"/>
+                                          </p:stCondLst>
+                                        </p:cTn>
+                                        <p:tgtEl>
+                                          <p:spTgt spid="3">
+                                            <p:txEl>
+                                              <p:pRg st="3" end="3"/>
+                                            </p:txEl>
+                                          </p:spTgt>
+                                        </p:tgtEl>
+                                        <p:attrNameLst>
+                                          <p:attrName>style.visibility</p:attrName>
+                                        </p:attrNameLst>
+                                      </p:cBhvr>
+                                      <p:to>
+                                        <p:strVal val="visible"/>
+                                      </p:to>
+                                    </p:set>
+                                    <p:anim calcmode="lin" valueType="num">
+                                      <p:cBhvr additive="base">
+                                        <p:cTn id="19" dur="500" fill="hold"/>
+                                        <p:tgtEl>
+                                          <p:spTgt spid="3">
+                                            <p:txEl>
+                                              <p:pRg st="3" end="3"/>
+                                            </p:txEl>
+                                          </p:spTgt>
+                                        </p:tgtEl>
+                                        <p:attrNameLst>
+                                          <p:attrName>ppt_x</p:attrName>
+                                        </p:attrNameLst>
+                                      </p:cBhvr>
+                                      <p:tavLst>
+                                        <p:tav tm="0">
+                                          <p:val>
+                                            <p:strVal val="#ppt_x"/>
+                                          </p:val>
+                                        </p:tav>
+                                        <p:tav tm="100000">
+                                          <p:val>
+                                            <p:strVal val="#ppt_x"/>
+                                          </p:val>
+                                        </p:tav>
+                                      </p:tavLst>
+                                    </p:anim>
+                                    <p:anim calcmode="lin" valueType="num">
+                                      <p:cBhvr additive="base">
+                                        <p:cTn id="20" dur="500" fill="hold"/>
+                                        <p:tgtEl>
+                                          <p:spTgt spid="3">
+                                            <p:txEl>
+                                              <p:pRg st="3" end="3"/>
+                                            </p:txEl>
+                                          </p:spTgt>
+                                        </p:tgtEl>
+                                        <p:attrNameLst>
+                                          <p:attrName>ppt_y</p:attrName>
+                                        </p:attrNameLst>
+                                      </p:cBhvr>
+                                      <p:tavLst>
+                                        <p:tav tm="0">
+                                          <p:val>
+                                            <p:strVal val="1+#ppt_h/2"/>
+                                          </p:val>
+                                        </p:tav>
+                                        <p:tav tm="100000">
+                                          <p:val>
+                                            <p:strVal val="#ppt_y"/>
+                                          </p:val>
+                                        </p:tav>
+                                      </p:tavLst>
+                                    </p:anim>
+                                  </p:childTnLst>
+                                </p:cTn>
+                              </p:par>
+                              <p:par>
+                                <p:cTn id="21" presetID="2" presetClass="entr" presetSubtype="4" fill="hold" nodeType="withEffect">
+                                  <p:stCondLst>
+                                    <p:cond delay="0"/>
+                                  </p:stCondLst>
+                                  <p:childTnLst>
+                                    <p:set>
+                                      <p:cBhvr>
+                                        <p:cTn id="22" dur="1" fill="hold">
+                                          <p:stCondLst>
+                                            <p:cond delay="0"/>
+                                          </p:stCondLst>
+                                        </p:cTn>
+                                        <p:tgtEl>
+                                          <p:spTgt spid="3">
+                                            <p:txEl>
+                                              <p:pRg st="4" end="4"/>
+                                            </p:txEl>
+                                          </p:spTgt>
+                                        </p:tgtEl>
+                                        <p:attrNameLst>
+                                          <p:attrName>style.visibility</p:attrName>
+                                        </p:attrNameLst>
+                                      </p:cBhvr>
+                                      <p:to>
+                                        <p:strVal val="visible"/>
+                                      </p:to>
+                                    </p:set>
+                                    <p:anim calcmode="lin" valueType="num">
+                                      <p:cBhvr additive="base">
+                                        <p:cTn id="23" dur="500" fill="hold"/>
+                                        <p:tgtEl>
+                                          <p:spTgt spid="3">
+                                            <p:txEl>
+                                              <p:pRg st="4" end="4"/>
+                                            </p:txEl>
+                                          </p:spTgt>
+                                        </p:tgtEl>
+                                        <p:attrNameLst>
+                                          <p:attrName>ppt_x</p:attrName>
+                                        </p:attrNameLst>
+                                      </p:cBhvr>
+                                      <p:tavLst>
+                                        <p:tav tm="0">
+                                          <p:val>
+                                            <p:strVal val="#ppt_x"/>
+                                          </p:val>
+                                        </p:tav>
+                                        <p:tav tm="100000">
+                                          <p:val>
+                                            <p:strVal val="#ppt_x"/>
+                                          </p:val>
+                                        </p:tav>
+                                      </p:tavLst>
+                                    </p:anim>
+                                    <p:anim calcmode="lin" valueType="num">
+                                      <p:cBhvr additive="base">
+                                        <p:cTn id="24" dur="500" fill="hold"/>
+                                        <p:tgtEl>
+                                          <p:spTgt spid="3">
+                                            <p:txEl>
+                                              <p:pRg st="4" end="4"/>
+                                            </p:txEl>
+                                          </p:spTgt>
+                                        </p:tgtEl>
+                                        <p:attrNameLst>
+                                          <p:attrName>ppt_y</p:attrName>
+                                        </p:attrNameLst>
+                                      </p:cBhvr>
+                                      <p:tavLst>
+                                        <p:tav tm="0">
+                                          <p:val>
+                                            <p:strVal val="1+#ppt_h/2"/>
+                                          </p:val>
+                                        </p:tav>
+                                        <p:tav tm="100000">
+                                          <p:val>
+                                            <p:strVal val="#ppt_y"/>
+                                          </p:val>
+                                        </p:tav>
+                                      </p:tavLst>
+                                    </p:anim>
+                                  </p:childTnLst>
+                                </p:cTn>
+                              </p:par>
+                            </p:childTnLst>
+                          </p:cTn>
+                        </p:par>
+                      </p:childTnLst>
+                    </p:cTn>
+                  </p:par>
+                  <p:par>
+                    <p:cTn id="25" fill="hold">
+                      <p:stCondLst>
+                        <p:cond delay="indefinite"/>
+                      </p:stCondLst>
+                      <p:childTnLst>
+                        <p:par>
+                          <p:cTn id="26" fill="hold">
+                            <p:stCondLst>
+                              <p:cond delay="0"/>
+                            </p:stCondLst>
+                            <p:childTnLst>
+                              <p:par>
+                                <p:cTn id="27" presetID="12" presetClass="entr" presetSubtype="4" fill="hold" nodeType="clickEffect">
+                                  <p:stCondLst>
+                                    <p:cond delay="0"/>
+                                  </p:stCondLst>
+                                  <p:childTnLst>
+                                    <p:set>
+                                      <p:cBhvr>
+                                        <p:cTn id="28" dur="1" fill="hold">
+                                          <p:stCondLst>
+                                            <p:cond delay="0"/>
+                                          </p:stCondLst>
+                                        </p:cTn>
+                                        <p:tgtEl>
+                                          <p:spTgt spid="3">
+                                            <p:txEl>
+                                              <p:pRg st="5" end="5"/>
+                                            </p:txEl>
+                                          </p:spTgt>
+                                        </p:tgtEl>
+                                        <p:attrNameLst>
+                                          <p:attrName>style.visibility</p:attrName>
+                                        </p:attrNameLst>
+                                      </p:cBhvr>
+                                      <p:to>
+                                        <p:strVal val="visible"/>
+                                      </p:to>
+                                    </p:set>
+                                    <p:anim calcmode="lin" valueType="num">
+                                      <p:cBhvr additive="base">
+                                        <p:cTn id="29" dur="500"/>
+                                        <p:tgtEl>
+                                          <p:spTgt spid="3">
+                                            <p:txEl>
+                                              <p:pRg st="5" end="5"/>
+                                            </p:txEl>
+                                          </p:spTgt>
+                                        </p:tgtEl>
+                                        <p:attrNameLst>
+                                          <p:attrName>ppt_y</p:attrName>
+                                        </p:attrNameLst>
+                                      </p:cBhvr>
+                                      <p:tavLst>
+                                        <p:tav tm="0">
+                                          <p:val>
+                                            <p:strVal val="#ppt_y+#ppt_h*1.125000"/>
+                                          </p:val>
+                                        </p:tav>
+                                        <p:tav tm="100000">
+                                          <p:val>
+                                            <p:strVal val="#ppt_y"/>
+                                          </p:val>
+                                        </p:tav>
+                                      </p:tavLst>
+                                    </p:anim>
+                                    <p:animEffect transition="in" filter="wipe(up)">
+                                      <p:cBhvr>
+                                        <p:cTn id="30" dur="500"/>
+                                        <p:tgtEl>
+                                          <p:spTgt spid="3">
+                                            <p:txEl>
+                                              <p:pRg st="5" end="5"/>
+                                            </p:txEl>
+                                          </p:spTgt>
+                                        </p:tgtEl>
+                                      </p:cBhvr>
+                                    </p:animEffect>
+                                  </p:childTnLst>
+                                </p:cTn>
+                              </p:par>
+                            </p:childTnLst>
+                          </p:cTn>
+                        </p:par>
+                      </p:childTnLst>
+                    </p:cTn>
+                  </p:par>
+                  <p:par>
+                    <p:cTn id="31" fill="hold">
+                      <p:stCondLst>
+                        <p:cond delay="indefinite"/>
+                      </p:stCondLst>
+                      <p:childTnLst>
+                        <p:par>
+                          <p:cTn id="32" fill="hold">
+                            <p:stCondLst>
+                              <p:cond delay="0"/>
+                            </p:stCondLst>
+                            <p:childTnLst>
+                              <p:par>
+                                <p:cTn id="33" presetID="9" presetClass="entr" presetSubtype="0" fill="hold" nodeType="clickEffect">
+                                  <p:stCondLst>
+                                    <p:cond delay="0"/>
+                                  </p:stCondLst>
+                                  <p:childTnLst>
+                                    <p:set>
+                                      <p:cBhvr>
+                                        <p:cTn id="34" dur="1" fill="hold">
+                                          <p:stCondLst>
+                                            <p:cond delay="0"/>
+                                          </p:stCondLst>
+                                        </p:cTn>
+                                        <p:tgtEl>
+                                          <p:spTgt spid="3">
+                                            <p:txEl>
+                                              <p:pRg st="6" end="6"/>
+                                            </p:txEl>
+                                          </p:spTgt>
+                                        </p:tgtEl>
+                                        <p:attrNameLst>
+                                          <p:attrName>style.visibility</p:attrName>
+                                        </p:attrNameLst>
+                                      </p:cBhvr>
+                                      <p:to>
+                                        <p:strVal val="visible"/>
+                                      </p:to>
+                                    </p:set>
+                                    <p:animEffect transition="in" filter="dissolve">
+                                      <p:cBhvr>
+                                        <p:cTn id="35" dur="500"/>
+                                        <p:tgtEl>
+                                          <p:spTgt spid="3">
+                                            <p:txEl>
+                                              <p:pRg st="6" end="6"/>
+                                            </p:txEl>
+                                          </p:spTgt>
+                                        </p:tgtEl>
+                                      </p:cBhvr>
+                                    </p:animEffect>
+                                  </p:childTnLst>
+                                </p:cTn>
+                              </p:par>
+                            </p:childTnLst>
+                          </p:cTn>
+                        </p:par>
+                      </p:childTnLst>
+                    </p:cTn>
+                  </p:par>
+                </p:childTnLst>
+              </p:cTn>
+              <p:prevCondLst>
+                <p:cond evt="onPrev" delay="0">
+                  <p:tgtEl>
+                    <p:sldTgt/>
+                  </p:tgtEl>
+                </p:cond>
+              </p:prevCondLst>
+              <p:nextCondLst>
+                <p:cond evt="onNext" delay="0">
+                  <p:tgtEl>
+                    <p:sldTgt/>
+                  </p:tgtEl>
+                </p:cond>
+              </p:nextCondLst>
+            </p:seq>
+          </p:childTnLst>
+        </p:cTn>
       </p:par>
     </p:tnLst>
   </p:timing>
@@ -9199,19 +12254,14 @@
             <p:ph type="title"/>
           </p:nvPr>
         </p:nvSpPr>
-        <p:spPr>
-          <a:xfrm>
-            <a:off x="2592925" y="624110"/>
-            <a:ext cx="8911687" cy="804640"/>
-          </a:xfrm>
-        </p:spPr>
+        <p:spPr/>
         <p:txBody>
           <a:bodyPr/>
           <a:lstStyle/>
           <a:p>
             <a:r>
               <a:rPr lang="en-US" dirty="0" smtClean="0"/>
-              <a:t>Variables:</a:t>
+              <a:t>Arithmetic Operators</a:t>
             </a:r>
             <a:endParaRPr lang="en-US" dirty="0"/>
           </a:p>
@@ -9229,230 +12279,972 @@
         </p:nvSpPr>
         <p:spPr>
           <a:xfrm>
-            <a:off x="2217737" y="1662112"/>
-            <a:ext cx="8915400" cy="4681538"/>
+            <a:off x="2589212" y="1604962"/>
+            <a:ext cx="8915400" cy="4510088"/>
           </a:xfrm>
         </p:spPr>
         <p:txBody>
           <a:bodyPr>
-            <a:normAutofit/>
+            <a:normAutofit lnSpcReduction="10000"/>
           </a:bodyPr>
           <a:lstStyle/>
           <a:p>
             <a:r>
               <a:rPr lang="en-US" dirty="0" smtClean="0"/>
-              <a:t>Stores memory address</a:t>
+              <a:t>+ addition: 6 + 6 = 12</a:t>
+            </a:r>
+          </a:p>
+          <a:p>
+            <a:r>
+              <a:rPr lang="en-US" dirty="0" smtClean="0"/>
+              <a:t>- subtraction : 7-6 = 1</a:t>
+            </a:r>
+          </a:p>
+          <a:p>
+            <a:r>
+              <a:rPr lang="en-US" dirty="0" smtClean="0"/>
+              <a:t>* multiplication: 12 * 10 = 120</a:t>
+            </a:r>
+          </a:p>
+          <a:p>
+            <a:r>
+              <a:rPr lang="en-US" dirty="0" smtClean="0"/>
+              <a:t>/ division: 8/3 = </a:t>
+            </a:r>
+            <a:r>
+              <a:rPr lang="is-IS" dirty="0" smtClean="0"/>
+              <a:t>2.6666666666666665;</a:t>
             </a:r>
           </a:p>
           <a:p>
             <a:pPr lvl="1"/>
             <a:r>
-              <a:rPr lang="en-US" dirty="0" err="1" smtClean="0"/>
-              <a:t>Var_int</a:t>
-            </a:r>
-            <a:r>
               <a:rPr lang="en-US" dirty="0" smtClean="0"/>
-              <a:t> </a:t>
-            </a:r>
+              <a:t>9/3 ?   </a:t>
+            </a:r>
+          </a:p>
+          <a:p>
+            <a:pPr lvl="1"/>
             <a:r>
               <a:rPr lang="en-US" dirty="0" smtClean="0"/>
-              <a:t>= 100; </a:t>
+              <a:t>9/3 = 3.0</a:t>
+            </a:r>
+          </a:p>
+          <a:p>
+            <a:r>
+              <a:rPr lang="en-US" dirty="0" smtClean="0"/>
+              <a:t>// Floor division:  6 // 3 = 2</a:t>
+            </a:r>
+          </a:p>
+          <a:p>
+            <a:pPr lvl="1"/>
+            <a:r>
+              <a:rPr lang="en-US" dirty="0" smtClean="0"/>
+              <a:t>7 // 3 = 2</a:t>
+            </a:r>
+          </a:p>
+          <a:p>
+            <a:pPr lvl="1"/>
+            <a:r>
+              <a:rPr lang="en-US" dirty="0" smtClean="0"/>
+              <a:t>8 // 3? </a:t>
+            </a:r>
+          </a:p>
+          <a:p>
+            <a:pPr lvl="1"/>
+            <a:r>
+              <a:rPr lang="en-US" dirty="0" smtClean="0"/>
+              <a:t>8 // 3 = 2</a:t>
+            </a:r>
+          </a:p>
+          <a:p>
+            <a:r>
+              <a:rPr lang="en-US" dirty="0" smtClean="0"/>
+              <a:t>% Modulus:  11 % 3 = 1  </a:t>
+            </a:r>
+            <a:r>
+              <a:rPr lang="en-US" dirty="0" smtClean="0">
+                <a:sym typeface="Wingdings"/>
+              </a:rPr>
+              <a:t> 11 = 3 * 3 + 2</a:t>
+            </a:r>
+          </a:p>
+          <a:p>
+            <a:r>
+              <a:rPr lang="en-US" dirty="0" smtClean="0">
+                <a:sym typeface="Wingdings"/>
+              </a:rPr>
+              <a:t>**  Exponent:  3 ** 3 = 27</a:t>
             </a:r>
             <a:endParaRPr lang="en-US" dirty="0"/>
-          </a:p>
-          <a:p>
-            <a:pPr lvl="1"/>
-            <a:r>
-              <a:rPr lang="en-US" dirty="0" err="1" smtClean="0"/>
-              <a:t>Var_str</a:t>
-            </a:r>
-            <a:r>
-              <a:rPr lang="en-US" dirty="0" smtClean="0"/>
-              <a:t> = ‘</a:t>
-            </a:r>
-            <a:r>
-              <a:rPr lang="en-US" dirty="0" err="1" smtClean="0"/>
-              <a:t>percy</a:t>
-            </a:r>
-            <a:r>
-              <a:rPr lang="en-US" dirty="0" smtClean="0"/>
-              <a:t>’</a:t>
-            </a:r>
-          </a:p>
-          <a:p>
-            <a:pPr lvl="1"/>
-            <a:r>
-              <a:rPr lang="en-US" dirty="0" err="1" smtClean="0"/>
-              <a:t>Var</a:t>
-            </a:r>
-            <a:r>
-              <a:rPr lang="en-US" dirty="0" err="1"/>
-              <a:t>_</a:t>
-            </a:r>
-            <a:r>
-              <a:rPr lang="en-US" dirty="0" err="1" smtClean="0"/>
-              <a:t>float</a:t>
-            </a:r>
-            <a:r>
-              <a:rPr lang="en-US" dirty="0" smtClean="0"/>
-              <a:t> = ‘3.1415’</a:t>
-            </a:r>
-          </a:p>
-          <a:p>
-            <a:pPr lvl="1"/>
-            <a:r>
-              <a:rPr lang="en-US" dirty="0" err="1" smtClean="0"/>
-              <a:t>Var</a:t>
-            </a:r>
-            <a:r>
-              <a:rPr lang="en-US" dirty="0" err="1" smtClean="0"/>
-              <a:t>_bool</a:t>
-            </a:r>
-            <a:r>
-              <a:rPr lang="en-US" dirty="0" smtClean="0"/>
-              <a:t> = True        extend</a:t>
-            </a:r>
-            <a:r>
-              <a:rPr lang="is-IS" dirty="0" smtClean="0"/>
-              <a:t>…. </a:t>
-            </a:r>
-            <a:endParaRPr lang="en-US" dirty="0" smtClean="0"/>
-          </a:p>
-          <a:p>
-            <a:r>
-              <a:rPr lang="en-US" dirty="0" smtClean="0"/>
-              <a:t>L</a:t>
-            </a:r>
-            <a:r>
-              <a:rPr lang="is-IS" dirty="0" smtClean="0"/>
-              <a:t>ist in python: container/wrapper for a group of elements (different types of elements)</a:t>
-            </a:r>
-          </a:p>
-          <a:p>
-            <a:pPr lvl="1"/>
-            <a:r>
-              <a:rPr lang="en-US" dirty="0" smtClean="0"/>
-              <a:t>C</a:t>
-            </a:r>
-            <a:r>
-              <a:rPr lang="is-IS" dirty="0" smtClean="0"/>
-              <a:t>reate, access, update, delete, get length, concatenation</a:t>
-            </a:r>
-          </a:p>
-          <a:p>
-            <a:r>
-              <a:rPr lang="en-US" dirty="0"/>
-              <a:t>L</a:t>
-            </a:r>
-            <a:r>
-              <a:rPr lang="is-IS" dirty="0"/>
-              <a:t>ist mutable but strings </a:t>
-            </a:r>
-            <a:r>
-              <a:rPr lang="is-IS" dirty="0" smtClean="0"/>
-              <a:t>aren’t</a:t>
-            </a:r>
-            <a:endParaRPr lang="is-IS" dirty="0" smtClean="0"/>
-          </a:p>
-          <a:p>
-            <a:r>
-              <a:rPr lang="en-US" dirty="0" smtClean="0">
-                <a:ln w="0"/>
-                <a:solidFill>
-                  <a:schemeClr val="accent1"/>
-                </a:solidFill>
-                <a:effectLst>
-                  <a:outerShdw blurRad="38100" dist="25400" dir="5400000" algn="ctr" rotWithShape="0">
-                    <a:srgbClr val="6E747A">
-                      <a:alpha val="43000"/>
-                    </a:srgbClr>
-                  </a:outerShdw>
-                </a:effectLst>
-              </a:rPr>
-              <a:t>L</a:t>
-            </a:r>
-            <a:r>
-              <a:rPr lang="is-IS" dirty="0" smtClean="0">
-                <a:ln w="0"/>
-                <a:solidFill>
-                  <a:schemeClr val="accent1"/>
-                </a:solidFill>
-                <a:effectLst>
-                  <a:outerShdw blurRad="38100" dist="25400" dir="5400000" algn="ctr" rotWithShape="0">
-                    <a:srgbClr val="6E747A">
-                      <a:alpha val="43000"/>
-                    </a:srgbClr>
-                  </a:outerShdw>
-                </a:effectLst>
-              </a:rPr>
-              <a:t>ist array diff (interview question)</a:t>
-            </a:r>
-            <a:endParaRPr lang="is-IS" dirty="0" smtClean="0">
-              <a:ln w="0"/>
-              <a:solidFill>
-                <a:schemeClr val="accent1"/>
-              </a:solidFill>
-              <a:effectLst>
-                <a:outerShdw blurRad="38100" dist="25400" dir="5400000" algn="ctr" rotWithShape="0">
-                  <a:srgbClr val="6E747A">
-                    <a:alpha val="43000"/>
-                  </a:srgbClr>
-                </a:outerShdw>
-              </a:effectLst>
-            </a:endParaRPr>
-          </a:p>
-          <a:p>
-            <a:r>
-              <a:rPr lang="en-US" dirty="0"/>
-              <a:t>t</a:t>
-            </a:r>
-            <a:r>
-              <a:rPr lang="is-IS" dirty="0" smtClean="0"/>
-              <a:t>ype(variable</a:t>
-            </a:r>
-            <a:r>
-              <a:rPr lang="is-IS" dirty="0" smtClean="0"/>
-              <a:t>)</a:t>
-            </a:r>
-            <a:r>
-              <a:rPr lang="en-US" dirty="0">
-                <a:hlinkClick r:id="rId2"/>
-              </a:rPr>
-              <a:t> http://www.cdf.toronto.edu/~csc108h/winter/lectures/L0201/w3/mon/boolean_QnA.py</a:t>
-            </a:r>
-            <a:endParaRPr lang="is-IS" dirty="0"/>
-          </a:p>
-          <a:p>
-            <a:endParaRPr lang="is-IS" dirty="0" smtClean="0"/>
           </a:p>
         </p:txBody>
       </p:sp>
     </p:spTree>
     <p:extLst>
       <p:ext uri="{BB962C8B-B14F-4D97-AF65-F5344CB8AC3E}">
-        <p14:creationId xmlns:p14="http://schemas.microsoft.com/office/powerpoint/2010/main" val="383976584"/>
+        <p14:creationId xmlns:p14="http://schemas.microsoft.com/office/powerpoint/2010/main" val="689676334"/>
       </p:ext>
     </p:extLst>
   </p:cSld>
   <p:clrMapOvr>
     <a:masterClrMapping/>
   </p:clrMapOvr>
-  <mc:AlternateContent xmlns:mc="http://schemas.openxmlformats.org/markup-compatibility/2006" xmlns:p14="http://schemas.microsoft.com/office/powerpoint/2010/main">
-    <mc:Choice Requires="p14">
-      <p:transition spd="slow" p14:dur="3400">
-        <p14:reveal/>
-      </p:transition>
-    </mc:Choice>
-    <mc:Fallback xmlns="">
-      <p:transition spd="slow">
-        <p:fade/>
-      </p:transition>
-    </mc:Fallback>
-  </mc:AlternateContent>
   <p:timing>
     <p:tnLst>
       <p:par>
-        <p:cTn id="1" dur="indefinite" restart="never" nodeType="tmRoot"/>
+        <p:cTn id="1" dur="indefinite" restart="never" nodeType="tmRoot">
+          <p:childTnLst>
+            <p:seq concurrent="1" nextAc="seek">
+              <p:cTn id="2" dur="indefinite" nodeType="mainSeq">
+                <p:childTnLst>
+                  <p:par>
+                    <p:cTn id="3" fill="hold">
+                      <p:stCondLst>
+                        <p:cond delay="indefinite"/>
+                      </p:stCondLst>
+                      <p:childTnLst>
+                        <p:par>
+                          <p:cTn id="4" fill="hold">
+                            <p:stCondLst>
+                              <p:cond delay="0"/>
+                            </p:stCondLst>
+                            <p:childTnLst>
+                              <p:par>
+                                <p:cTn id="5" presetID="9" presetClass="entr" presetSubtype="0" fill="hold" nodeType="clickEffect">
+                                  <p:stCondLst>
+                                    <p:cond delay="0"/>
+                                  </p:stCondLst>
+                                  <p:childTnLst>
+                                    <p:set>
+                                      <p:cBhvr>
+                                        <p:cTn id="6" dur="1" fill="hold">
+                                          <p:stCondLst>
+                                            <p:cond delay="0"/>
+                                          </p:stCondLst>
+                                        </p:cTn>
+                                        <p:tgtEl>
+                                          <p:spTgt spid="3">
+                                            <p:txEl>
+                                              <p:pRg st="0" end="0"/>
+                                            </p:txEl>
+                                          </p:spTgt>
+                                        </p:tgtEl>
+                                        <p:attrNameLst>
+                                          <p:attrName>style.visibility</p:attrName>
+                                        </p:attrNameLst>
+                                      </p:cBhvr>
+                                      <p:to>
+                                        <p:strVal val="visible"/>
+                                      </p:to>
+                                    </p:set>
+                                    <p:animEffect transition="in" filter="dissolve">
+                                      <p:cBhvr>
+                                        <p:cTn id="7" dur="500"/>
+                                        <p:tgtEl>
+                                          <p:spTgt spid="3">
+                                            <p:txEl>
+                                              <p:pRg st="0" end="0"/>
+                                            </p:txEl>
+                                          </p:spTgt>
+                                        </p:tgtEl>
+                                      </p:cBhvr>
+                                    </p:animEffect>
+                                  </p:childTnLst>
+                                </p:cTn>
+                              </p:par>
+                            </p:childTnLst>
+                          </p:cTn>
+                        </p:par>
+                      </p:childTnLst>
+                    </p:cTn>
+                  </p:par>
+                  <p:par>
+                    <p:cTn id="8" fill="hold">
+                      <p:stCondLst>
+                        <p:cond delay="indefinite"/>
+                      </p:stCondLst>
+                      <p:childTnLst>
+                        <p:par>
+                          <p:cTn id="9" fill="hold">
+                            <p:stCondLst>
+                              <p:cond delay="0"/>
+                            </p:stCondLst>
+                            <p:childTnLst>
+                              <p:par>
+                                <p:cTn id="10" presetID="12" presetClass="entr" presetSubtype="4" fill="hold" nodeType="clickEffect">
+                                  <p:stCondLst>
+                                    <p:cond delay="0"/>
+                                  </p:stCondLst>
+                                  <p:childTnLst>
+                                    <p:set>
+                                      <p:cBhvr>
+                                        <p:cTn id="11" dur="1" fill="hold">
+                                          <p:stCondLst>
+                                            <p:cond delay="0"/>
+                                          </p:stCondLst>
+                                        </p:cTn>
+                                        <p:tgtEl>
+                                          <p:spTgt spid="3">
+                                            <p:txEl>
+                                              <p:pRg st="1" end="1"/>
+                                            </p:txEl>
+                                          </p:spTgt>
+                                        </p:tgtEl>
+                                        <p:attrNameLst>
+                                          <p:attrName>style.visibility</p:attrName>
+                                        </p:attrNameLst>
+                                      </p:cBhvr>
+                                      <p:to>
+                                        <p:strVal val="visible"/>
+                                      </p:to>
+                                    </p:set>
+                                    <p:anim calcmode="lin" valueType="num">
+                                      <p:cBhvr additive="base">
+                                        <p:cTn id="12" dur="500"/>
+                                        <p:tgtEl>
+                                          <p:spTgt spid="3">
+                                            <p:txEl>
+                                              <p:pRg st="1" end="1"/>
+                                            </p:txEl>
+                                          </p:spTgt>
+                                        </p:tgtEl>
+                                        <p:attrNameLst>
+                                          <p:attrName>ppt_y</p:attrName>
+                                        </p:attrNameLst>
+                                      </p:cBhvr>
+                                      <p:tavLst>
+                                        <p:tav tm="0">
+                                          <p:val>
+                                            <p:strVal val="#ppt_y+#ppt_h*1.125000"/>
+                                          </p:val>
+                                        </p:tav>
+                                        <p:tav tm="100000">
+                                          <p:val>
+                                            <p:strVal val="#ppt_y"/>
+                                          </p:val>
+                                        </p:tav>
+                                      </p:tavLst>
+                                    </p:anim>
+                                    <p:animEffect transition="in" filter="wipe(up)">
+                                      <p:cBhvr>
+                                        <p:cTn id="13" dur="500"/>
+                                        <p:tgtEl>
+                                          <p:spTgt spid="3">
+                                            <p:txEl>
+                                              <p:pRg st="1" end="1"/>
+                                            </p:txEl>
+                                          </p:spTgt>
+                                        </p:tgtEl>
+                                      </p:cBhvr>
+                                    </p:animEffect>
+                                  </p:childTnLst>
+                                </p:cTn>
+                              </p:par>
+                            </p:childTnLst>
+                          </p:cTn>
+                        </p:par>
+                      </p:childTnLst>
+                    </p:cTn>
+                  </p:par>
+                  <p:par>
+                    <p:cTn id="14" fill="hold">
+                      <p:stCondLst>
+                        <p:cond delay="indefinite"/>
+                      </p:stCondLst>
+                      <p:childTnLst>
+                        <p:par>
+                          <p:cTn id="15" fill="hold">
+                            <p:stCondLst>
+                              <p:cond delay="0"/>
+                            </p:stCondLst>
+                            <p:childTnLst>
+                              <p:par>
+                                <p:cTn id="16" presetID="14" presetClass="entr" presetSubtype="10" fill="hold" nodeType="clickEffect">
+                                  <p:stCondLst>
+                                    <p:cond delay="0"/>
+                                  </p:stCondLst>
+                                  <p:childTnLst>
+                                    <p:set>
+                                      <p:cBhvr>
+                                        <p:cTn id="17" dur="1" fill="hold">
+                                          <p:stCondLst>
+                                            <p:cond delay="0"/>
+                                          </p:stCondLst>
+                                        </p:cTn>
+                                        <p:tgtEl>
+                                          <p:spTgt spid="3">
+                                            <p:txEl>
+                                              <p:pRg st="2" end="2"/>
+                                            </p:txEl>
+                                          </p:spTgt>
+                                        </p:tgtEl>
+                                        <p:attrNameLst>
+                                          <p:attrName>style.visibility</p:attrName>
+                                        </p:attrNameLst>
+                                      </p:cBhvr>
+                                      <p:to>
+                                        <p:strVal val="visible"/>
+                                      </p:to>
+                                    </p:set>
+                                    <p:animEffect transition="in" filter="randombar(horizontal)">
+                                      <p:cBhvr>
+                                        <p:cTn id="18" dur="500"/>
+                                        <p:tgtEl>
+                                          <p:spTgt spid="3">
+                                            <p:txEl>
+                                              <p:pRg st="2" end="2"/>
+                                            </p:txEl>
+                                          </p:spTgt>
+                                        </p:tgtEl>
+                                      </p:cBhvr>
+                                    </p:animEffect>
+                                  </p:childTnLst>
+                                </p:cTn>
+                              </p:par>
+                            </p:childTnLst>
+                          </p:cTn>
+                        </p:par>
+                      </p:childTnLst>
+                    </p:cTn>
+                  </p:par>
+                  <p:par>
+                    <p:cTn id="19" fill="hold">
+                      <p:stCondLst>
+                        <p:cond delay="indefinite"/>
+                      </p:stCondLst>
+                      <p:childTnLst>
+                        <p:par>
+                          <p:cTn id="20" fill="hold">
+                            <p:stCondLst>
+                              <p:cond delay="0"/>
+                            </p:stCondLst>
+                            <p:childTnLst>
+                              <p:par>
+                                <p:cTn id="21" presetID="6" presetClass="entr" presetSubtype="16" fill="hold" nodeType="clickEffect">
+                                  <p:stCondLst>
+                                    <p:cond delay="0"/>
+                                  </p:stCondLst>
+                                  <p:childTnLst>
+                                    <p:set>
+                                      <p:cBhvr>
+                                        <p:cTn id="22" dur="1" fill="hold">
+                                          <p:stCondLst>
+                                            <p:cond delay="0"/>
+                                          </p:stCondLst>
+                                        </p:cTn>
+                                        <p:tgtEl>
+                                          <p:spTgt spid="3">
+                                            <p:txEl>
+                                              <p:pRg st="3" end="3"/>
+                                            </p:txEl>
+                                          </p:spTgt>
+                                        </p:tgtEl>
+                                        <p:attrNameLst>
+                                          <p:attrName>style.visibility</p:attrName>
+                                        </p:attrNameLst>
+                                      </p:cBhvr>
+                                      <p:to>
+                                        <p:strVal val="visible"/>
+                                      </p:to>
+                                    </p:set>
+                                    <p:animEffect transition="in" filter="circle(in)">
+                                      <p:cBhvr>
+                                        <p:cTn id="23" dur="2000"/>
+                                        <p:tgtEl>
+                                          <p:spTgt spid="3">
+                                            <p:txEl>
+                                              <p:pRg st="3" end="3"/>
+                                            </p:txEl>
+                                          </p:spTgt>
+                                        </p:tgtEl>
+                                      </p:cBhvr>
+                                    </p:animEffect>
+                                  </p:childTnLst>
+                                </p:cTn>
+                              </p:par>
+                            </p:childTnLst>
+                          </p:cTn>
+                        </p:par>
+                      </p:childTnLst>
+                    </p:cTn>
+                  </p:par>
+                  <p:par>
+                    <p:cTn id="24" fill="hold">
+                      <p:stCondLst>
+                        <p:cond delay="indefinite"/>
+                      </p:stCondLst>
+                      <p:childTnLst>
+                        <p:par>
+                          <p:cTn id="25" fill="hold">
+                            <p:stCondLst>
+                              <p:cond delay="0"/>
+                            </p:stCondLst>
+                            <p:childTnLst>
+                              <p:par>
+                                <p:cTn id="26" presetID="16" presetClass="entr" presetSubtype="21" fill="hold" nodeType="clickEffect">
+                                  <p:stCondLst>
+                                    <p:cond delay="0"/>
+                                  </p:stCondLst>
+                                  <p:childTnLst>
+                                    <p:set>
+                                      <p:cBhvr>
+                                        <p:cTn id="27" dur="1" fill="hold">
+                                          <p:stCondLst>
+                                            <p:cond delay="0"/>
+                                          </p:stCondLst>
+                                        </p:cTn>
+                                        <p:tgtEl>
+                                          <p:spTgt spid="3">
+                                            <p:txEl>
+                                              <p:pRg st="4" end="4"/>
+                                            </p:txEl>
+                                          </p:spTgt>
+                                        </p:tgtEl>
+                                        <p:attrNameLst>
+                                          <p:attrName>style.visibility</p:attrName>
+                                        </p:attrNameLst>
+                                      </p:cBhvr>
+                                      <p:to>
+                                        <p:strVal val="visible"/>
+                                      </p:to>
+                                    </p:set>
+                                    <p:animEffect transition="in" filter="barn(inVertical)">
+                                      <p:cBhvr>
+                                        <p:cTn id="28" dur="500"/>
+                                        <p:tgtEl>
+                                          <p:spTgt spid="3">
+                                            <p:txEl>
+                                              <p:pRg st="4" end="4"/>
+                                            </p:txEl>
+                                          </p:spTgt>
+                                        </p:tgtEl>
+                                      </p:cBhvr>
+                                    </p:animEffect>
+                                  </p:childTnLst>
+                                </p:cTn>
+                              </p:par>
+                            </p:childTnLst>
+                          </p:cTn>
+                        </p:par>
+                      </p:childTnLst>
+                    </p:cTn>
+                  </p:par>
+                  <p:par>
+                    <p:cTn id="29" fill="hold">
+                      <p:stCondLst>
+                        <p:cond delay="indefinite"/>
+                      </p:stCondLst>
+                      <p:childTnLst>
+                        <p:par>
+                          <p:cTn id="30" fill="hold">
+                            <p:stCondLst>
+                              <p:cond delay="0"/>
+                            </p:stCondLst>
+                            <p:childTnLst>
+                              <p:par>
+                                <p:cTn id="31" presetID="16" presetClass="entr" presetSubtype="21" fill="hold" nodeType="clickEffect">
+                                  <p:stCondLst>
+                                    <p:cond delay="0"/>
+                                  </p:stCondLst>
+                                  <p:childTnLst>
+                                    <p:set>
+                                      <p:cBhvr>
+                                        <p:cTn id="32" dur="1" fill="hold">
+                                          <p:stCondLst>
+                                            <p:cond delay="0"/>
+                                          </p:stCondLst>
+                                        </p:cTn>
+                                        <p:tgtEl>
+                                          <p:spTgt spid="3">
+                                            <p:txEl>
+                                              <p:pRg st="5" end="5"/>
+                                            </p:txEl>
+                                          </p:spTgt>
+                                        </p:tgtEl>
+                                        <p:attrNameLst>
+                                          <p:attrName>style.visibility</p:attrName>
+                                        </p:attrNameLst>
+                                      </p:cBhvr>
+                                      <p:to>
+                                        <p:strVal val="visible"/>
+                                      </p:to>
+                                    </p:set>
+                                    <p:animEffect transition="in" filter="barn(inVertical)">
+                                      <p:cBhvr>
+                                        <p:cTn id="33" dur="500"/>
+                                        <p:tgtEl>
+                                          <p:spTgt spid="3">
+                                            <p:txEl>
+                                              <p:pRg st="5" end="5"/>
+                                            </p:txEl>
+                                          </p:spTgt>
+                                        </p:tgtEl>
+                                      </p:cBhvr>
+                                    </p:animEffect>
+                                  </p:childTnLst>
+                                </p:cTn>
+                              </p:par>
+                            </p:childTnLst>
+                          </p:cTn>
+                        </p:par>
+                      </p:childTnLst>
+                    </p:cTn>
+                  </p:par>
+                  <p:par>
+                    <p:cTn id="34" fill="hold">
+                      <p:stCondLst>
+                        <p:cond delay="indefinite"/>
+                      </p:stCondLst>
+                      <p:childTnLst>
+                        <p:par>
+                          <p:cTn id="35" fill="hold">
+                            <p:stCondLst>
+                              <p:cond delay="0"/>
+                            </p:stCondLst>
+                            <p:childTnLst>
+                              <p:par>
+                                <p:cTn id="36" presetID="9" presetClass="entr" presetSubtype="0" fill="hold" nodeType="clickEffect">
+                                  <p:stCondLst>
+                                    <p:cond delay="0"/>
+                                  </p:stCondLst>
+                                  <p:childTnLst>
+                                    <p:set>
+                                      <p:cBhvr>
+                                        <p:cTn id="37" dur="1" fill="hold">
+                                          <p:stCondLst>
+                                            <p:cond delay="0"/>
+                                          </p:stCondLst>
+                                        </p:cTn>
+                                        <p:tgtEl>
+                                          <p:spTgt spid="3">
+                                            <p:txEl>
+                                              <p:pRg st="6" end="6"/>
+                                            </p:txEl>
+                                          </p:spTgt>
+                                        </p:tgtEl>
+                                        <p:attrNameLst>
+                                          <p:attrName>style.visibility</p:attrName>
+                                        </p:attrNameLst>
+                                      </p:cBhvr>
+                                      <p:to>
+                                        <p:strVal val="visible"/>
+                                      </p:to>
+                                    </p:set>
+                                    <p:animEffect transition="in" filter="dissolve">
+                                      <p:cBhvr>
+                                        <p:cTn id="38" dur="500"/>
+                                        <p:tgtEl>
+                                          <p:spTgt spid="3">
+                                            <p:txEl>
+                                              <p:pRg st="6" end="6"/>
+                                            </p:txEl>
+                                          </p:spTgt>
+                                        </p:tgtEl>
+                                      </p:cBhvr>
+                                    </p:animEffect>
+                                  </p:childTnLst>
+                                </p:cTn>
+                              </p:par>
+                            </p:childTnLst>
+                          </p:cTn>
+                        </p:par>
+                      </p:childTnLst>
+                    </p:cTn>
+                  </p:par>
+                  <p:par>
+                    <p:cTn id="39" fill="hold">
+                      <p:stCondLst>
+                        <p:cond delay="indefinite"/>
+                      </p:stCondLst>
+                      <p:childTnLst>
+                        <p:par>
+                          <p:cTn id="40" fill="hold">
+                            <p:stCondLst>
+                              <p:cond delay="0"/>
+                            </p:stCondLst>
+                            <p:childTnLst>
+                              <p:par>
+                                <p:cTn id="41" presetID="2" presetClass="entr" presetSubtype="4" fill="hold" nodeType="clickEffect">
+                                  <p:stCondLst>
+                                    <p:cond delay="0"/>
+                                  </p:stCondLst>
+                                  <p:childTnLst>
+                                    <p:set>
+                                      <p:cBhvr>
+                                        <p:cTn id="42" dur="1" fill="hold">
+                                          <p:stCondLst>
+                                            <p:cond delay="0"/>
+                                          </p:stCondLst>
+                                        </p:cTn>
+                                        <p:tgtEl>
+                                          <p:spTgt spid="3">
+                                            <p:txEl>
+                                              <p:pRg st="7" end="7"/>
+                                            </p:txEl>
+                                          </p:spTgt>
+                                        </p:tgtEl>
+                                        <p:attrNameLst>
+                                          <p:attrName>style.visibility</p:attrName>
+                                        </p:attrNameLst>
+                                      </p:cBhvr>
+                                      <p:to>
+                                        <p:strVal val="visible"/>
+                                      </p:to>
+                                    </p:set>
+                                    <p:anim calcmode="lin" valueType="num">
+                                      <p:cBhvr additive="base">
+                                        <p:cTn id="43" dur="500" fill="hold"/>
+                                        <p:tgtEl>
+                                          <p:spTgt spid="3">
+                                            <p:txEl>
+                                              <p:pRg st="7" end="7"/>
+                                            </p:txEl>
+                                          </p:spTgt>
+                                        </p:tgtEl>
+                                        <p:attrNameLst>
+                                          <p:attrName>ppt_x</p:attrName>
+                                        </p:attrNameLst>
+                                      </p:cBhvr>
+                                      <p:tavLst>
+                                        <p:tav tm="0">
+                                          <p:val>
+                                            <p:strVal val="#ppt_x"/>
+                                          </p:val>
+                                        </p:tav>
+                                        <p:tav tm="100000">
+                                          <p:val>
+                                            <p:strVal val="#ppt_x"/>
+                                          </p:val>
+                                        </p:tav>
+                                      </p:tavLst>
+                                    </p:anim>
+                                    <p:anim calcmode="lin" valueType="num">
+                                      <p:cBhvr additive="base">
+                                        <p:cTn id="44" dur="500" fill="hold"/>
+                                        <p:tgtEl>
+                                          <p:spTgt spid="3">
+                                            <p:txEl>
+                                              <p:pRg st="7" end="7"/>
+                                            </p:txEl>
+                                          </p:spTgt>
+                                        </p:tgtEl>
+                                        <p:attrNameLst>
+                                          <p:attrName>ppt_y</p:attrName>
+                                        </p:attrNameLst>
+                                      </p:cBhvr>
+                                      <p:tavLst>
+                                        <p:tav tm="0">
+                                          <p:val>
+                                            <p:strVal val="1+#ppt_h/2"/>
+                                          </p:val>
+                                        </p:tav>
+                                        <p:tav tm="100000">
+                                          <p:val>
+                                            <p:strVal val="#ppt_y"/>
+                                          </p:val>
+                                        </p:tav>
+                                      </p:tavLst>
+                                    </p:anim>
+                                  </p:childTnLst>
+                                </p:cTn>
+                              </p:par>
+                            </p:childTnLst>
+                          </p:cTn>
+                        </p:par>
+                      </p:childTnLst>
+                    </p:cTn>
+                  </p:par>
+                  <p:par>
+                    <p:cTn id="45" fill="hold">
+                      <p:stCondLst>
+                        <p:cond delay="indefinite"/>
+                      </p:stCondLst>
+                      <p:childTnLst>
+                        <p:par>
+                          <p:cTn id="46" fill="hold">
+                            <p:stCondLst>
+                              <p:cond delay="0"/>
+                            </p:stCondLst>
+                            <p:childTnLst>
+                              <p:par>
+                                <p:cTn id="47" presetID="16" presetClass="entr" presetSubtype="21" fill="hold" nodeType="clickEffect">
+                                  <p:stCondLst>
+                                    <p:cond delay="0"/>
+                                  </p:stCondLst>
+                                  <p:childTnLst>
+                                    <p:set>
+                                      <p:cBhvr>
+                                        <p:cTn id="48" dur="1" fill="hold">
+                                          <p:stCondLst>
+                                            <p:cond delay="0"/>
+                                          </p:stCondLst>
+                                        </p:cTn>
+                                        <p:tgtEl>
+                                          <p:spTgt spid="3">
+                                            <p:txEl>
+                                              <p:pRg st="8" end="8"/>
+                                            </p:txEl>
+                                          </p:spTgt>
+                                        </p:tgtEl>
+                                        <p:attrNameLst>
+                                          <p:attrName>style.visibility</p:attrName>
+                                        </p:attrNameLst>
+                                      </p:cBhvr>
+                                      <p:to>
+                                        <p:strVal val="visible"/>
+                                      </p:to>
+                                    </p:set>
+                                    <p:animEffect transition="in" filter="barn(inVertical)">
+                                      <p:cBhvr>
+                                        <p:cTn id="49" dur="500"/>
+                                        <p:tgtEl>
+                                          <p:spTgt spid="3">
+                                            <p:txEl>
+                                              <p:pRg st="8" end="8"/>
+                                            </p:txEl>
+                                          </p:spTgt>
+                                        </p:tgtEl>
+                                      </p:cBhvr>
+                                    </p:animEffect>
+                                  </p:childTnLst>
+                                </p:cTn>
+                              </p:par>
+                            </p:childTnLst>
+                          </p:cTn>
+                        </p:par>
+                      </p:childTnLst>
+                    </p:cTn>
+                  </p:par>
+                  <p:par>
+                    <p:cTn id="50" fill="hold">
+                      <p:stCondLst>
+                        <p:cond delay="indefinite"/>
+                      </p:stCondLst>
+                      <p:childTnLst>
+                        <p:par>
+                          <p:cTn id="51" fill="hold">
+                            <p:stCondLst>
+                              <p:cond delay="0"/>
+                            </p:stCondLst>
+                            <p:childTnLst>
+                              <p:par>
+                                <p:cTn id="52" presetID="12" presetClass="entr" presetSubtype="4" fill="hold" nodeType="clickEffect">
+                                  <p:stCondLst>
+                                    <p:cond delay="0"/>
+                                  </p:stCondLst>
+                                  <p:childTnLst>
+                                    <p:set>
+                                      <p:cBhvr>
+                                        <p:cTn id="53" dur="1" fill="hold">
+                                          <p:stCondLst>
+                                            <p:cond delay="0"/>
+                                          </p:stCondLst>
+                                        </p:cTn>
+                                        <p:tgtEl>
+                                          <p:spTgt spid="3">
+                                            <p:txEl>
+                                              <p:pRg st="9" end="9"/>
+                                            </p:txEl>
+                                          </p:spTgt>
+                                        </p:tgtEl>
+                                        <p:attrNameLst>
+                                          <p:attrName>style.visibility</p:attrName>
+                                        </p:attrNameLst>
+                                      </p:cBhvr>
+                                      <p:to>
+                                        <p:strVal val="visible"/>
+                                      </p:to>
+                                    </p:set>
+                                    <p:anim calcmode="lin" valueType="num">
+                                      <p:cBhvr additive="base">
+                                        <p:cTn id="54" dur="500"/>
+                                        <p:tgtEl>
+                                          <p:spTgt spid="3">
+                                            <p:txEl>
+                                              <p:pRg st="9" end="9"/>
+                                            </p:txEl>
+                                          </p:spTgt>
+                                        </p:tgtEl>
+                                        <p:attrNameLst>
+                                          <p:attrName>ppt_y</p:attrName>
+                                        </p:attrNameLst>
+                                      </p:cBhvr>
+                                      <p:tavLst>
+                                        <p:tav tm="0">
+                                          <p:val>
+                                            <p:strVal val="#ppt_y+#ppt_h*1.125000"/>
+                                          </p:val>
+                                        </p:tav>
+                                        <p:tav tm="100000">
+                                          <p:val>
+                                            <p:strVal val="#ppt_y"/>
+                                          </p:val>
+                                        </p:tav>
+                                      </p:tavLst>
+                                    </p:anim>
+                                    <p:animEffect transition="in" filter="wipe(up)">
+                                      <p:cBhvr>
+                                        <p:cTn id="55" dur="500"/>
+                                        <p:tgtEl>
+                                          <p:spTgt spid="3">
+                                            <p:txEl>
+                                              <p:pRg st="9" end="9"/>
+                                            </p:txEl>
+                                          </p:spTgt>
+                                        </p:tgtEl>
+                                      </p:cBhvr>
+                                    </p:animEffect>
+                                  </p:childTnLst>
+                                </p:cTn>
+                              </p:par>
+                            </p:childTnLst>
+                          </p:cTn>
+                        </p:par>
+                      </p:childTnLst>
+                    </p:cTn>
+                  </p:par>
+                  <p:par>
+                    <p:cTn id="56" fill="hold">
+                      <p:stCondLst>
+                        <p:cond delay="indefinite"/>
+                      </p:stCondLst>
+                      <p:childTnLst>
+                        <p:par>
+                          <p:cTn id="57" fill="hold">
+                            <p:stCondLst>
+                              <p:cond delay="0"/>
+                            </p:stCondLst>
+                            <p:childTnLst>
+                              <p:par>
+                                <p:cTn id="58" presetID="9" presetClass="entr" presetSubtype="0" fill="hold" nodeType="clickEffect">
+                                  <p:stCondLst>
+                                    <p:cond delay="0"/>
+                                  </p:stCondLst>
+                                  <p:childTnLst>
+                                    <p:set>
+                                      <p:cBhvr>
+                                        <p:cTn id="59" dur="1" fill="hold">
+                                          <p:stCondLst>
+                                            <p:cond delay="0"/>
+                                          </p:stCondLst>
+                                        </p:cTn>
+                                        <p:tgtEl>
+                                          <p:spTgt spid="3">
+                                            <p:txEl>
+                                              <p:pRg st="10" end="10"/>
+                                            </p:txEl>
+                                          </p:spTgt>
+                                        </p:tgtEl>
+                                        <p:attrNameLst>
+                                          <p:attrName>style.visibility</p:attrName>
+                                        </p:attrNameLst>
+                                      </p:cBhvr>
+                                      <p:to>
+                                        <p:strVal val="visible"/>
+                                      </p:to>
+                                    </p:set>
+                                    <p:animEffect transition="in" filter="dissolve">
+                                      <p:cBhvr>
+                                        <p:cTn id="60" dur="500"/>
+                                        <p:tgtEl>
+                                          <p:spTgt spid="3">
+                                            <p:txEl>
+                                              <p:pRg st="10" end="10"/>
+                                            </p:txEl>
+                                          </p:spTgt>
+                                        </p:tgtEl>
+                                      </p:cBhvr>
+                                    </p:animEffect>
+                                  </p:childTnLst>
+                                </p:cTn>
+                              </p:par>
+                            </p:childTnLst>
+                          </p:cTn>
+                        </p:par>
+                      </p:childTnLst>
+                    </p:cTn>
+                  </p:par>
+                  <p:par>
+                    <p:cTn id="61" fill="hold">
+                      <p:stCondLst>
+                        <p:cond delay="indefinite"/>
+                      </p:stCondLst>
+                      <p:childTnLst>
+                        <p:par>
+                          <p:cTn id="62" fill="hold">
+                            <p:stCondLst>
+                              <p:cond delay="0"/>
+                            </p:stCondLst>
+                            <p:childTnLst>
+                              <p:par>
+                                <p:cTn id="63" presetID="5" presetClass="entr" presetSubtype="10" fill="hold" nodeType="clickEffect">
+                                  <p:stCondLst>
+                                    <p:cond delay="0"/>
+                                  </p:stCondLst>
+                                  <p:childTnLst>
+                                    <p:set>
+                                      <p:cBhvr>
+                                        <p:cTn id="64" dur="1" fill="hold">
+                                          <p:stCondLst>
+                                            <p:cond delay="0"/>
+                                          </p:stCondLst>
+                                        </p:cTn>
+                                        <p:tgtEl>
+                                          <p:spTgt spid="3">
+                                            <p:txEl>
+                                              <p:pRg st="11" end="11"/>
+                                            </p:txEl>
+                                          </p:spTgt>
+                                        </p:tgtEl>
+                                        <p:attrNameLst>
+                                          <p:attrName>style.visibility</p:attrName>
+                                        </p:attrNameLst>
+                                      </p:cBhvr>
+                                      <p:to>
+                                        <p:strVal val="visible"/>
+                                      </p:to>
+                                    </p:set>
+                                    <p:animEffect transition="in" filter="checkerboard(across)">
+                                      <p:cBhvr>
+                                        <p:cTn id="65" dur="500"/>
+                                        <p:tgtEl>
+                                          <p:spTgt spid="3">
+                                            <p:txEl>
+                                              <p:pRg st="11" end="11"/>
+                                            </p:txEl>
+                                          </p:spTgt>
+                                        </p:tgtEl>
+                                      </p:cBhvr>
+                                    </p:animEffect>
+                                  </p:childTnLst>
+                                </p:cTn>
+                              </p:par>
+                            </p:childTnLst>
+                          </p:cTn>
+                        </p:par>
+                      </p:childTnLst>
+                    </p:cTn>
+                  </p:par>
+                </p:childTnLst>
+              </p:cTn>
+              <p:prevCondLst>
+                <p:cond evt="onPrev" delay="0">
+                  <p:tgtEl>
+                    <p:sldTgt/>
+                  </p:tgtEl>
+                </p:cond>
+              </p:prevCondLst>
+              <p:nextCondLst>
+                <p:cond evt="onNext" delay="0">
+                  <p:tgtEl>
+                    <p:sldTgt/>
+                  </p:tgtEl>
+                </p:cond>
+              </p:nextCondLst>
+            </p:seq>
+          </p:childTnLst>
+        </p:cTn>
       </p:par>
     </p:tnLst>
   </p:timing>
@@ -9489,7 +13281,7 @@
         <p:spPr>
           <a:xfrm>
             <a:off x="2592925" y="624110"/>
-            <a:ext cx="8911687" cy="761778"/>
+            <a:ext cx="8911687" cy="804640"/>
           </a:xfrm>
         </p:spPr>
         <p:txBody>
@@ -9498,7 +13290,7 @@
           <a:p>
             <a:r>
               <a:rPr lang="en-US" dirty="0" smtClean="0"/>
-              <a:t>Code</a:t>
+              <a:t>Variables:</a:t>
             </a:r>
             <a:endParaRPr lang="en-US" dirty="0"/>
           </a:p>
@@ -9516,168 +13308,204 @@
         </p:nvSpPr>
         <p:spPr>
           <a:xfrm>
-            <a:off x="2589212" y="1771650"/>
-            <a:ext cx="8915400" cy="4139572"/>
+            <a:off x="2217737" y="1662112"/>
+            <a:ext cx="8915400" cy="4681538"/>
           </a:xfrm>
         </p:spPr>
         <p:txBody>
-          <a:bodyPr/>
+          <a:bodyPr>
+            <a:normAutofit lnSpcReduction="10000"/>
+          </a:bodyPr>
           <a:lstStyle/>
           <a:p>
             <a:r>
               <a:rPr lang="en-US" dirty="0" smtClean="0"/>
-              <a:t>+, -, *, /, </a:t>
+              <a:t>Stores memory address</a:t>
+            </a:r>
+          </a:p>
+          <a:p>
+            <a:pPr lvl="1"/>
+            <a:r>
+              <a:rPr lang="en-US" dirty="0" err="1" smtClean="0"/>
+              <a:t>Var_int</a:t>
             </a:r>
             <a:r>
               <a:rPr lang="en-US" dirty="0" smtClean="0"/>
-              <a:t>//,**       5+6*10-3**2 = 56</a:t>
+              <a:t> = 100; </a:t>
+            </a:r>
+            <a:endParaRPr lang="en-US" dirty="0"/>
+          </a:p>
+          <a:p>
+            <a:pPr lvl="1"/>
+            <a:r>
+              <a:rPr lang="en-US" dirty="0" err="1" smtClean="0"/>
+              <a:t>Var_str</a:t>
+            </a:r>
+            <a:r>
+              <a:rPr lang="en-US" dirty="0" smtClean="0"/>
+              <a:t> = ‘</a:t>
+            </a:r>
+            <a:r>
+              <a:rPr lang="en-US" dirty="0" err="1" smtClean="0"/>
+              <a:t>percy</a:t>
+            </a:r>
+            <a:r>
+              <a:rPr lang="en-US" dirty="0" smtClean="0"/>
+              <a:t>’</a:t>
+            </a:r>
+          </a:p>
+          <a:p>
+            <a:pPr lvl="1"/>
+            <a:r>
+              <a:rPr lang="en-US" dirty="0" err="1" smtClean="0"/>
+              <a:t>Var</a:t>
+            </a:r>
+            <a:r>
+              <a:rPr lang="en-US" dirty="0" err="1"/>
+              <a:t>_</a:t>
+            </a:r>
+            <a:r>
+              <a:rPr lang="en-US" dirty="0" err="1" smtClean="0"/>
+              <a:t>float</a:t>
+            </a:r>
+            <a:r>
+              <a:rPr lang="en-US" dirty="0" smtClean="0"/>
+              <a:t> = ‘3.1415’</a:t>
+            </a:r>
+          </a:p>
+          <a:p>
+            <a:pPr lvl="1"/>
+            <a:r>
+              <a:rPr lang="en-US" dirty="0" err="1" smtClean="0"/>
+              <a:t>Var_bool</a:t>
+            </a:r>
+            <a:r>
+              <a:rPr lang="en-US" dirty="0" smtClean="0"/>
+              <a:t> = True        extend</a:t>
+            </a:r>
+            <a:r>
+              <a:rPr lang="is-IS" dirty="0" smtClean="0"/>
+              <a:t>…. </a:t>
             </a:r>
             <a:endParaRPr lang="en-US" dirty="0" smtClean="0"/>
           </a:p>
           <a:p>
             <a:r>
               <a:rPr lang="en-US" dirty="0" smtClean="0"/>
-              <a:t>Built-in Function</a:t>
-            </a:r>
-          </a:p>
-          <a:p>
-            <a:pPr marL="742950" lvl="2" indent="-342900"/>
+              <a:t>L</a:t>
+            </a:r>
+            <a:r>
+              <a:rPr lang="is-IS" dirty="0" smtClean="0"/>
+              <a:t>ist in python: container/wrapper for a group of elements (different types of elements)</a:t>
+            </a:r>
+          </a:p>
+          <a:p>
+            <a:pPr lvl="1"/>
+            <a:r>
+              <a:rPr lang="en-US" dirty="0" smtClean="0"/>
+              <a:t>C</a:t>
+            </a:r>
+            <a:r>
+              <a:rPr lang="is-IS" dirty="0" smtClean="0"/>
+              <a:t>reate, access, update, delete, get length, concatenation</a:t>
+            </a:r>
+          </a:p>
+          <a:p>
             <a:r>
               <a:rPr lang="en-US" dirty="0"/>
-              <a:t>p</a:t>
+              <a:t>L</a:t>
+            </a:r>
+            <a:r>
+              <a:rPr lang="is-IS" dirty="0"/>
+              <a:t>ist mutable but strings </a:t>
             </a:r>
             <a:r>
               <a:rPr lang="is-IS" dirty="0" smtClean="0"/>
-              <a:t>rint(...)  </a:t>
-            </a:r>
-            <a:endParaRPr lang="en-US" dirty="0" smtClean="0"/>
-          </a:p>
-          <a:p>
-            <a:pPr lvl="1"/>
-            <a:r>
-              <a:rPr lang="en-US" dirty="0"/>
-              <a:t>m</a:t>
-            </a:r>
+              <a:t>aren’t</a:t>
+            </a:r>
+          </a:p>
+          <a:p>
             <a:r>
               <a:rPr lang="en-US" dirty="0" smtClean="0"/>
-              <a:t>ax</a:t>
-            </a:r>
+              <a:t>t</a:t>
+            </a:r>
+            <a:r>
+              <a:rPr lang="is-IS" dirty="0" smtClean="0"/>
+              <a:t>ype(variable)</a:t>
+            </a:r>
+          </a:p>
+          <a:p>
+            <a:r>
+              <a:rPr lang="en-US" dirty="0" smtClean="0">
+                <a:ln w="0"/>
+                <a:solidFill>
+                  <a:schemeClr val="accent1"/>
+                </a:solidFill>
+                <a:effectLst>
+                  <a:outerShdw blurRad="38100" dist="25400" dir="5400000" algn="ctr" rotWithShape="0">
+                    <a:srgbClr val="6E747A">
+                      <a:alpha val="43000"/>
+                    </a:srgbClr>
+                  </a:outerShdw>
+                </a:effectLst>
+              </a:rPr>
+              <a:t>L</a:t>
+            </a:r>
+            <a:r>
+              <a:rPr lang="is-IS" dirty="0" smtClean="0">
+                <a:ln w="0"/>
+                <a:solidFill>
+                  <a:schemeClr val="accent1"/>
+                </a:solidFill>
+                <a:effectLst>
+                  <a:outerShdw blurRad="38100" dist="25400" dir="5400000" algn="ctr" rotWithShape="0">
+                    <a:srgbClr val="6E747A">
+                      <a:alpha val="43000"/>
+                    </a:srgbClr>
+                  </a:outerShdw>
+                </a:effectLst>
+              </a:rPr>
+              <a:t>ist array diff (interview question)</a:t>
+            </a:r>
+          </a:p>
+          <a:p>
             <a:r>
               <a:rPr lang="en-US" dirty="0" smtClean="0"/>
-              <a:t>(</a:t>
-            </a:r>
-            <a:r>
-              <a:rPr lang="is-IS" dirty="0" smtClean="0"/>
-              <a:t>…)</a:t>
-            </a:r>
-          </a:p>
-          <a:p>
-            <a:pPr lvl="1"/>
-            <a:r>
-              <a:rPr lang="is-IS" dirty="0"/>
-              <a:t>m</a:t>
-            </a:r>
-            <a:r>
-              <a:rPr lang="is-IS" dirty="0" smtClean="0"/>
-              <a:t>in</a:t>
-            </a:r>
-            <a:r>
-              <a:rPr lang="is-IS" dirty="0" smtClean="0"/>
-              <a:t>(....)</a:t>
-            </a:r>
-          </a:p>
-          <a:p>
-            <a:pPr lvl="1"/>
-            <a:r>
-              <a:rPr lang="en-US" dirty="0" smtClean="0"/>
-              <a:t>p</a:t>
-            </a:r>
-            <a:r>
-              <a:rPr lang="is-IS" dirty="0" smtClean="0"/>
-              <a:t>ow</a:t>
-            </a:r>
-            <a:r>
-              <a:rPr lang="is-IS" dirty="0" smtClean="0"/>
-              <a:t>(...)</a:t>
-            </a:r>
-          </a:p>
-          <a:p>
-            <a:pPr lvl="1"/>
-            <a:r>
-              <a:rPr lang="en-US" dirty="0"/>
-              <a:t>a</a:t>
-            </a:r>
-            <a:r>
-              <a:rPr lang="is-IS" dirty="0" smtClean="0"/>
-              <a:t>bs</a:t>
-            </a:r>
-            <a:r>
-              <a:rPr lang="is-IS" dirty="0" smtClean="0"/>
-              <a:t>(...)</a:t>
-            </a:r>
-            <a:endParaRPr lang="en-US" dirty="0" smtClean="0"/>
-          </a:p>
-          <a:p>
-            <a:pPr lvl="1"/>
-            <a:r>
-              <a:rPr lang="en-US" dirty="0"/>
-              <a:t>r</a:t>
-            </a:r>
-            <a:r>
-              <a:rPr lang="en-US" dirty="0" smtClean="0"/>
-              <a:t>ound</a:t>
-            </a:r>
-            <a:r>
-              <a:rPr lang="en-US" dirty="0" smtClean="0"/>
-              <a:t>(..)</a:t>
-            </a:r>
-          </a:p>
-          <a:p>
-            <a:pPr lvl="1"/>
-            <a:r>
-              <a:rPr lang="en-US" dirty="0"/>
-              <a:t>s</a:t>
-            </a:r>
-            <a:r>
-              <a:rPr lang="is-IS" dirty="0" smtClean="0"/>
-              <a:t>tr</a:t>
-            </a:r>
-            <a:r>
-              <a:rPr lang="is-IS" dirty="0" smtClean="0"/>
-              <a:t>(...)</a:t>
-            </a:r>
-          </a:p>
-          <a:p>
-            <a:pPr lvl="1"/>
-            <a:r>
-              <a:rPr lang="is-IS" dirty="0"/>
-              <a:t>s</a:t>
-            </a:r>
-            <a:r>
-              <a:rPr lang="is-IS" dirty="0" smtClean="0"/>
-              <a:t>um(list</a:t>
-            </a:r>
-            <a:r>
-              <a:rPr lang="is-IS" dirty="0" smtClean="0"/>
-              <a:t>)</a:t>
-            </a:r>
+              <a:t>Practice: </a:t>
+            </a:r>
+            <a:r>
+              <a:rPr lang="en-US" dirty="0" smtClean="0">
+                <a:hlinkClick r:id="rId2"/>
+              </a:rPr>
+              <a:t>http</a:t>
+            </a:r>
+            <a:r>
+              <a:rPr lang="en-US" dirty="0">
+                <a:hlinkClick r:id="rId2"/>
+              </a:rPr>
+              <a:t>://www.cdf.toronto.edu/~csc108h/winter/lectures/L0201/w3/mon/boolean_QnA.py</a:t>
+            </a:r>
+            <a:endParaRPr lang="is-IS" dirty="0"/>
+          </a:p>
+          <a:p>
+            <a:endParaRPr lang="is-IS" dirty="0" smtClean="0"/>
           </a:p>
         </p:txBody>
       </p:sp>
     </p:spTree>
     <p:extLst>
       <p:ext uri="{BB962C8B-B14F-4D97-AF65-F5344CB8AC3E}">
-        <p14:creationId xmlns:p14="http://schemas.microsoft.com/office/powerpoint/2010/main" val="1914154687"/>
+        <p14:creationId xmlns:p14="http://schemas.microsoft.com/office/powerpoint/2010/main" val="383976584"/>
       </p:ext>
     </p:extLst>
   </p:cSld>
   <p:clrMapOvr>
     <a:masterClrMapping/>
   </p:clrMapOvr>
-  <mc:AlternateContent xmlns:mc="http://schemas.openxmlformats.org/markup-compatibility/2006" xmlns:p15="http://schemas.microsoft.com/office/powerpoint/2012/main">
-    <mc:Choice Requires="p15">
-      <p:transition xmlns:p14="http://schemas.microsoft.com/office/powerpoint/2010/main" spd="slow" p14:dur="2000">
-        <p15:prstTrans prst="fallOver"/>
+  <mc:AlternateContent xmlns:mc="http://schemas.openxmlformats.org/markup-compatibility/2006" xmlns:p14="http://schemas.microsoft.com/office/powerpoint/2010/main">
+    <mc:Choice Requires="p14">
+      <p:transition spd="slow" p14:dur="3400">
+        <p14:reveal/>
       </p:transition>
     </mc:Choice>
     <mc:Fallback xmlns="">
@@ -9689,7 +13517,698 @@
   <p:timing>
     <p:tnLst>
       <p:par>
-        <p:cTn id="1" dur="indefinite" restart="never" nodeType="tmRoot"/>
+        <p:cTn id="1" dur="indefinite" restart="never" nodeType="tmRoot">
+          <p:childTnLst>
+            <p:seq concurrent="1" nextAc="seek">
+              <p:cTn id="2" dur="indefinite" nodeType="mainSeq">
+                <p:childTnLst>
+                  <p:par>
+                    <p:cTn id="3" fill="hold">
+                      <p:stCondLst>
+                        <p:cond delay="indefinite"/>
+                      </p:stCondLst>
+                      <p:childTnLst>
+                        <p:par>
+                          <p:cTn id="4" fill="hold">
+                            <p:stCondLst>
+                              <p:cond delay="0"/>
+                            </p:stCondLst>
+                            <p:childTnLst>
+                              <p:par>
+                                <p:cTn id="5" presetID="9" presetClass="entr" presetSubtype="0" fill="hold" nodeType="clickEffect">
+                                  <p:stCondLst>
+                                    <p:cond delay="0"/>
+                                  </p:stCondLst>
+                                  <p:childTnLst>
+                                    <p:set>
+                                      <p:cBhvr>
+                                        <p:cTn id="6" dur="1" fill="hold">
+                                          <p:stCondLst>
+                                            <p:cond delay="0"/>
+                                          </p:stCondLst>
+                                        </p:cTn>
+                                        <p:tgtEl>
+                                          <p:spTgt spid="3">
+                                            <p:txEl>
+                                              <p:pRg st="0" end="0"/>
+                                            </p:txEl>
+                                          </p:spTgt>
+                                        </p:tgtEl>
+                                        <p:attrNameLst>
+                                          <p:attrName>style.visibility</p:attrName>
+                                        </p:attrNameLst>
+                                      </p:cBhvr>
+                                      <p:to>
+                                        <p:strVal val="visible"/>
+                                      </p:to>
+                                    </p:set>
+                                    <p:animEffect transition="in" filter="dissolve">
+                                      <p:cBhvr>
+                                        <p:cTn id="7" dur="500"/>
+                                        <p:tgtEl>
+                                          <p:spTgt spid="3">
+                                            <p:txEl>
+                                              <p:pRg st="0" end="0"/>
+                                            </p:txEl>
+                                          </p:spTgt>
+                                        </p:tgtEl>
+                                      </p:cBhvr>
+                                    </p:animEffect>
+                                  </p:childTnLst>
+                                </p:cTn>
+                              </p:par>
+                              <p:par>
+                                <p:cTn id="8" presetID="9" presetClass="entr" presetSubtype="0" fill="hold" nodeType="withEffect">
+                                  <p:stCondLst>
+                                    <p:cond delay="0"/>
+                                  </p:stCondLst>
+                                  <p:childTnLst>
+                                    <p:set>
+                                      <p:cBhvr>
+                                        <p:cTn id="9" dur="1" fill="hold">
+                                          <p:stCondLst>
+                                            <p:cond delay="0"/>
+                                          </p:stCondLst>
+                                        </p:cTn>
+                                        <p:tgtEl>
+                                          <p:spTgt spid="3">
+                                            <p:txEl>
+                                              <p:pRg st="1" end="1"/>
+                                            </p:txEl>
+                                          </p:spTgt>
+                                        </p:tgtEl>
+                                        <p:attrNameLst>
+                                          <p:attrName>style.visibility</p:attrName>
+                                        </p:attrNameLst>
+                                      </p:cBhvr>
+                                      <p:to>
+                                        <p:strVal val="visible"/>
+                                      </p:to>
+                                    </p:set>
+                                    <p:animEffect transition="in" filter="dissolve">
+                                      <p:cBhvr>
+                                        <p:cTn id="10" dur="500"/>
+                                        <p:tgtEl>
+                                          <p:spTgt spid="3">
+                                            <p:txEl>
+                                              <p:pRg st="1" end="1"/>
+                                            </p:txEl>
+                                          </p:spTgt>
+                                        </p:tgtEl>
+                                      </p:cBhvr>
+                                    </p:animEffect>
+                                  </p:childTnLst>
+                                </p:cTn>
+                              </p:par>
+                              <p:par>
+                                <p:cTn id="11" presetID="9" presetClass="entr" presetSubtype="0" fill="hold" nodeType="withEffect">
+                                  <p:stCondLst>
+                                    <p:cond delay="0"/>
+                                  </p:stCondLst>
+                                  <p:childTnLst>
+                                    <p:set>
+                                      <p:cBhvr>
+                                        <p:cTn id="12" dur="1" fill="hold">
+                                          <p:stCondLst>
+                                            <p:cond delay="0"/>
+                                          </p:stCondLst>
+                                        </p:cTn>
+                                        <p:tgtEl>
+                                          <p:spTgt spid="3">
+                                            <p:txEl>
+                                              <p:pRg st="2" end="2"/>
+                                            </p:txEl>
+                                          </p:spTgt>
+                                        </p:tgtEl>
+                                        <p:attrNameLst>
+                                          <p:attrName>style.visibility</p:attrName>
+                                        </p:attrNameLst>
+                                      </p:cBhvr>
+                                      <p:to>
+                                        <p:strVal val="visible"/>
+                                      </p:to>
+                                    </p:set>
+                                    <p:animEffect transition="in" filter="dissolve">
+                                      <p:cBhvr>
+                                        <p:cTn id="13" dur="500"/>
+                                        <p:tgtEl>
+                                          <p:spTgt spid="3">
+                                            <p:txEl>
+                                              <p:pRg st="2" end="2"/>
+                                            </p:txEl>
+                                          </p:spTgt>
+                                        </p:tgtEl>
+                                      </p:cBhvr>
+                                    </p:animEffect>
+                                  </p:childTnLst>
+                                </p:cTn>
+                              </p:par>
+                              <p:par>
+                                <p:cTn id="14" presetID="9" presetClass="entr" presetSubtype="0" fill="hold" nodeType="withEffect">
+                                  <p:stCondLst>
+                                    <p:cond delay="0"/>
+                                  </p:stCondLst>
+                                  <p:childTnLst>
+                                    <p:set>
+                                      <p:cBhvr>
+                                        <p:cTn id="15" dur="1" fill="hold">
+                                          <p:stCondLst>
+                                            <p:cond delay="0"/>
+                                          </p:stCondLst>
+                                        </p:cTn>
+                                        <p:tgtEl>
+                                          <p:spTgt spid="3">
+                                            <p:txEl>
+                                              <p:pRg st="3" end="3"/>
+                                            </p:txEl>
+                                          </p:spTgt>
+                                        </p:tgtEl>
+                                        <p:attrNameLst>
+                                          <p:attrName>style.visibility</p:attrName>
+                                        </p:attrNameLst>
+                                      </p:cBhvr>
+                                      <p:to>
+                                        <p:strVal val="visible"/>
+                                      </p:to>
+                                    </p:set>
+                                    <p:animEffect transition="in" filter="dissolve">
+                                      <p:cBhvr>
+                                        <p:cTn id="16" dur="500"/>
+                                        <p:tgtEl>
+                                          <p:spTgt spid="3">
+                                            <p:txEl>
+                                              <p:pRg st="3" end="3"/>
+                                            </p:txEl>
+                                          </p:spTgt>
+                                        </p:tgtEl>
+                                      </p:cBhvr>
+                                    </p:animEffect>
+                                  </p:childTnLst>
+                                </p:cTn>
+                              </p:par>
+                              <p:par>
+                                <p:cTn id="17" presetID="9" presetClass="entr" presetSubtype="0" fill="hold" nodeType="withEffect">
+                                  <p:stCondLst>
+                                    <p:cond delay="0"/>
+                                  </p:stCondLst>
+                                  <p:childTnLst>
+                                    <p:set>
+                                      <p:cBhvr>
+                                        <p:cTn id="18" dur="1" fill="hold">
+                                          <p:stCondLst>
+                                            <p:cond delay="0"/>
+                                          </p:stCondLst>
+                                        </p:cTn>
+                                        <p:tgtEl>
+                                          <p:spTgt spid="3">
+                                            <p:txEl>
+                                              <p:pRg st="4" end="4"/>
+                                            </p:txEl>
+                                          </p:spTgt>
+                                        </p:tgtEl>
+                                        <p:attrNameLst>
+                                          <p:attrName>style.visibility</p:attrName>
+                                        </p:attrNameLst>
+                                      </p:cBhvr>
+                                      <p:to>
+                                        <p:strVal val="visible"/>
+                                      </p:to>
+                                    </p:set>
+                                    <p:animEffect transition="in" filter="dissolve">
+                                      <p:cBhvr>
+                                        <p:cTn id="19" dur="500"/>
+                                        <p:tgtEl>
+                                          <p:spTgt spid="3">
+                                            <p:txEl>
+                                              <p:pRg st="4" end="4"/>
+                                            </p:txEl>
+                                          </p:spTgt>
+                                        </p:tgtEl>
+                                      </p:cBhvr>
+                                    </p:animEffect>
+                                  </p:childTnLst>
+                                </p:cTn>
+                              </p:par>
+                            </p:childTnLst>
+                          </p:cTn>
+                        </p:par>
+                      </p:childTnLst>
+                    </p:cTn>
+                  </p:par>
+                  <p:par>
+                    <p:cTn id="20" fill="hold">
+                      <p:stCondLst>
+                        <p:cond delay="indefinite"/>
+                      </p:stCondLst>
+                      <p:childTnLst>
+                        <p:par>
+                          <p:cTn id="21" fill="hold">
+                            <p:stCondLst>
+                              <p:cond delay="0"/>
+                            </p:stCondLst>
+                            <p:childTnLst>
+                              <p:par>
+                                <p:cTn id="22" presetID="9" presetClass="entr" presetSubtype="0" fill="hold" nodeType="clickEffect">
+                                  <p:stCondLst>
+                                    <p:cond delay="0"/>
+                                  </p:stCondLst>
+                                  <p:childTnLst>
+                                    <p:set>
+                                      <p:cBhvr>
+                                        <p:cTn id="23" dur="1" fill="hold">
+                                          <p:stCondLst>
+                                            <p:cond delay="0"/>
+                                          </p:stCondLst>
+                                        </p:cTn>
+                                        <p:tgtEl>
+                                          <p:spTgt spid="3">
+                                            <p:txEl>
+                                              <p:pRg st="5" end="5"/>
+                                            </p:txEl>
+                                          </p:spTgt>
+                                        </p:tgtEl>
+                                        <p:attrNameLst>
+                                          <p:attrName>style.visibility</p:attrName>
+                                        </p:attrNameLst>
+                                      </p:cBhvr>
+                                      <p:to>
+                                        <p:strVal val="visible"/>
+                                      </p:to>
+                                    </p:set>
+                                    <p:animEffect transition="in" filter="dissolve">
+                                      <p:cBhvr>
+                                        <p:cTn id="24" dur="500"/>
+                                        <p:tgtEl>
+                                          <p:spTgt spid="3">
+                                            <p:txEl>
+                                              <p:pRg st="5" end="5"/>
+                                            </p:txEl>
+                                          </p:spTgt>
+                                        </p:tgtEl>
+                                      </p:cBhvr>
+                                    </p:animEffect>
+                                  </p:childTnLst>
+                                </p:cTn>
+                              </p:par>
+                            </p:childTnLst>
+                          </p:cTn>
+                        </p:par>
+                      </p:childTnLst>
+                    </p:cTn>
+                  </p:par>
+                  <p:par>
+                    <p:cTn id="25" fill="hold">
+                      <p:stCondLst>
+                        <p:cond delay="indefinite"/>
+                      </p:stCondLst>
+                      <p:childTnLst>
+                        <p:par>
+                          <p:cTn id="26" fill="hold">
+                            <p:stCondLst>
+                              <p:cond delay="0"/>
+                            </p:stCondLst>
+                            <p:childTnLst>
+                              <p:par>
+                                <p:cTn id="27" presetID="9" presetClass="entr" presetSubtype="0" fill="hold" nodeType="clickEffect">
+                                  <p:stCondLst>
+                                    <p:cond delay="0"/>
+                                  </p:stCondLst>
+                                  <p:childTnLst>
+                                    <p:set>
+                                      <p:cBhvr>
+                                        <p:cTn id="28" dur="1" fill="hold">
+                                          <p:stCondLst>
+                                            <p:cond delay="0"/>
+                                          </p:stCondLst>
+                                        </p:cTn>
+                                        <p:tgtEl>
+                                          <p:spTgt spid="3">
+                                            <p:txEl>
+                                              <p:pRg st="6" end="6"/>
+                                            </p:txEl>
+                                          </p:spTgt>
+                                        </p:tgtEl>
+                                        <p:attrNameLst>
+                                          <p:attrName>style.visibility</p:attrName>
+                                        </p:attrNameLst>
+                                      </p:cBhvr>
+                                      <p:to>
+                                        <p:strVal val="visible"/>
+                                      </p:to>
+                                    </p:set>
+                                    <p:animEffect transition="in" filter="dissolve">
+                                      <p:cBhvr>
+                                        <p:cTn id="29" dur="500"/>
+                                        <p:tgtEl>
+                                          <p:spTgt spid="3">
+                                            <p:txEl>
+                                              <p:pRg st="6" end="6"/>
+                                            </p:txEl>
+                                          </p:spTgt>
+                                        </p:tgtEl>
+                                      </p:cBhvr>
+                                    </p:animEffect>
+                                  </p:childTnLst>
+                                </p:cTn>
+                              </p:par>
+                            </p:childTnLst>
+                          </p:cTn>
+                        </p:par>
+                      </p:childTnLst>
+                    </p:cTn>
+                  </p:par>
+                  <p:par>
+                    <p:cTn id="30" fill="hold">
+                      <p:stCondLst>
+                        <p:cond delay="indefinite"/>
+                      </p:stCondLst>
+                      <p:childTnLst>
+                        <p:par>
+                          <p:cTn id="31" fill="hold">
+                            <p:stCondLst>
+                              <p:cond delay="0"/>
+                            </p:stCondLst>
+                            <p:childTnLst>
+                              <p:par>
+                                <p:cTn id="32" presetID="9" presetClass="entr" presetSubtype="0" fill="hold" nodeType="clickEffect">
+                                  <p:stCondLst>
+                                    <p:cond delay="0"/>
+                                  </p:stCondLst>
+                                  <p:childTnLst>
+                                    <p:set>
+                                      <p:cBhvr>
+                                        <p:cTn id="33" dur="1" fill="hold">
+                                          <p:stCondLst>
+                                            <p:cond delay="0"/>
+                                          </p:stCondLst>
+                                        </p:cTn>
+                                        <p:tgtEl>
+                                          <p:spTgt spid="3">
+                                            <p:txEl>
+                                              <p:pRg st="7" end="7"/>
+                                            </p:txEl>
+                                          </p:spTgt>
+                                        </p:tgtEl>
+                                        <p:attrNameLst>
+                                          <p:attrName>style.visibility</p:attrName>
+                                        </p:attrNameLst>
+                                      </p:cBhvr>
+                                      <p:to>
+                                        <p:strVal val="visible"/>
+                                      </p:to>
+                                    </p:set>
+                                    <p:animEffect transition="in" filter="dissolve">
+                                      <p:cBhvr>
+                                        <p:cTn id="34" dur="500"/>
+                                        <p:tgtEl>
+                                          <p:spTgt spid="3">
+                                            <p:txEl>
+                                              <p:pRg st="7" end="7"/>
+                                            </p:txEl>
+                                          </p:spTgt>
+                                        </p:tgtEl>
+                                      </p:cBhvr>
+                                    </p:animEffect>
+                                  </p:childTnLst>
+                                </p:cTn>
+                              </p:par>
+                            </p:childTnLst>
+                          </p:cTn>
+                        </p:par>
+                      </p:childTnLst>
+                    </p:cTn>
+                  </p:par>
+                  <p:par>
+                    <p:cTn id="35" fill="hold">
+                      <p:stCondLst>
+                        <p:cond delay="indefinite"/>
+                      </p:stCondLst>
+                      <p:childTnLst>
+                        <p:par>
+                          <p:cTn id="36" fill="hold">
+                            <p:stCondLst>
+                              <p:cond delay="0"/>
+                            </p:stCondLst>
+                            <p:childTnLst>
+                              <p:par>
+                                <p:cTn id="37" presetID="9" presetClass="entr" presetSubtype="0" fill="hold" nodeType="clickEffect">
+                                  <p:stCondLst>
+                                    <p:cond delay="0"/>
+                                  </p:stCondLst>
+                                  <p:childTnLst>
+                                    <p:set>
+                                      <p:cBhvr>
+                                        <p:cTn id="38" dur="1" fill="hold">
+                                          <p:stCondLst>
+                                            <p:cond delay="0"/>
+                                          </p:stCondLst>
+                                        </p:cTn>
+                                        <p:tgtEl>
+                                          <p:spTgt spid="3">
+                                            <p:txEl>
+                                              <p:pRg st="8" end="8"/>
+                                            </p:txEl>
+                                          </p:spTgt>
+                                        </p:tgtEl>
+                                        <p:attrNameLst>
+                                          <p:attrName>style.visibility</p:attrName>
+                                        </p:attrNameLst>
+                                      </p:cBhvr>
+                                      <p:to>
+                                        <p:strVal val="visible"/>
+                                      </p:to>
+                                    </p:set>
+                                    <p:animEffect transition="in" filter="dissolve">
+                                      <p:cBhvr>
+                                        <p:cTn id="39" dur="500"/>
+                                        <p:tgtEl>
+                                          <p:spTgt spid="3">
+                                            <p:txEl>
+                                              <p:pRg st="8" end="8"/>
+                                            </p:txEl>
+                                          </p:spTgt>
+                                        </p:tgtEl>
+                                      </p:cBhvr>
+                                    </p:animEffect>
+                                  </p:childTnLst>
+                                </p:cTn>
+                              </p:par>
+                            </p:childTnLst>
+                          </p:cTn>
+                        </p:par>
+                      </p:childTnLst>
+                    </p:cTn>
+                  </p:par>
+                  <p:par>
+                    <p:cTn id="40" fill="hold">
+                      <p:stCondLst>
+                        <p:cond delay="indefinite"/>
+                      </p:stCondLst>
+                      <p:childTnLst>
+                        <p:par>
+                          <p:cTn id="41" fill="hold">
+                            <p:stCondLst>
+                              <p:cond delay="0"/>
+                            </p:stCondLst>
+                            <p:childTnLst>
+                              <p:par>
+                                <p:cTn id="42" presetID="2" presetClass="entr" presetSubtype="4" fill="hold" nodeType="clickEffect">
+                                  <p:stCondLst>
+                                    <p:cond delay="0"/>
+                                  </p:stCondLst>
+                                  <p:childTnLst>
+                                    <p:set>
+                                      <p:cBhvr>
+                                        <p:cTn id="43" dur="1" fill="hold">
+                                          <p:stCondLst>
+                                            <p:cond delay="0"/>
+                                          </p:stCondLst>
+                                        </p:cTn>
+                                        <p:tgtEl>
+                                          <p:spTgt spid="3">
+                                            <p:txEl>
+                                              <p:pRg st="9" end="9"/>
+                                            </p:txEl>
+                                          </p:spTgt>
+                                        </p:tgtEl>
+                                        <p:attrNameLst>
+                                          <p:attrName>style.visibility</p:attrName>
+                                        </p:attrNameLst>
+                                      </p:cBhvr>
+                                      <p:to>
+                                        <p:strVal val="visible"/>
+                                      </p:to>
+                                    </p:set>
+                                    <p:anim calcmode="lin" valueType="num">
+                                      <p:cBhvr additive="base">
+                                        <p:cTn id="44" dur="500" fill="hold"/>
+                                        <p:tgtEl>
+                                          <p:spTgt spid="3">
+                                            <p:txEl>
+                                              <p:pRg st="9" end="9"/>
+                                            </p:txEl>
+                                          </p:spTgt>
+                                        </p:tgtEl>
+                                        <p:attrNameLst>
+                                          <p:attrName>ppt_x</p:attrName>
+                                        </p:attrNameLst>
+                                      </p:cBhvr>
+                                      <p:tavLst>
+                                        <p:tav tm="0">
+                                          <p:val>
+                                            <p:strVal val="#ppt_x"/>
+                                          </p:val>
+                                        </p:tav>
+                                        <p:tav tm="100000">
+                                          <p:val>
+                                            <p:strVal val="#ppt_x"/>
+                                          </p:val>
+                                        </p:tav>
+                                      </p:tavLst>
+                                    </p:anim>
+                                    <p:anim calcmode="lin" valueType="num">
+                                      <p:cBhvr additive="base">
+                                        <p:cTn id="45" dur="500" fill="hold"/>
+                                        <p:tgtEl>
+                                          <p:spTgt spid="3">
+                                            <p:txEl>
+                                              <p:pRg st="9" end="9"/>
+                                            </p:txEl>
+                                          </p:spTgt>
+                                        </p:tgtEl>
+                                        <p:attrNameLst>
+                                          <p:attrName>ppt_y</p:attrName>
+                                        </p:attrNameLst>
+                                      </p:cBhvr>
+                                      <p:tavLst>
+                                        <p:tav tm="0">
+                                          <p:val>
+                                            <p:strVal val="1+#ppt_h/2"/>
+                                          </p:val>
+                                        </p:tav>
+                                        <p:tav tm="100000">
+                                          <p:val>
+                                            <p:strVal val="#ppt_y"/>
+                                          </p:val>
+                                        </p:tav>
+                                      </p:tavLst>
+                                    </p:anim>
+                                  </p:childTnLst>
+                                </p:cTn>
+                              </p:par>
+                            </p:childTnLst>
+                          </p:cTn>
+                        </p:par>
+                      </p:childTnLst>
+                    </p:cTn>
+                  </p:par>
+                  <p:par>
+                    <p:cTn id="46" fill="hold">
+                      <p:stCondLst>
+                        <p:cond delay="indefinite"/>
+                      </p:stCondLst>
+                      <p:childTnLst>
+                        <p:par>
+                          <p:cTn id="47" fill="hold">
+                            <p:stCondLst>
+                              <p:cond delay="0"/>
+                            </p:stCondLst>
+                            <p:childTnLst>
+                              <p:par>
+                                <p:cTn id="48" presetID="12" presetClass="entr" presetSubtype="4" fill="hold" nodeType="clickEffect">
+                                  <p:stCondLst>
+                                    <p:cond delay="0"/>
+                                  </p:stCondLst>
+                                  <p:childTnLst>
+                                    <p:set>
+                                      <p:cBhvr>
+                                        <p:cTn id="49" dur="1" fill="hold">
+                                          <p:stCondLst>
+                                            <p:cond delay="0"/>
+                                          </p:stCondLst>
+                                        </p:cTn>
+                                        <p:tgtEl>
+                                          <p:spTgt spid="3">
+                                            <p:txEl>
+                                              <p:pRg st="10" end="10"/>
+                                            </p:txEl>
+                                          </p:spTgt>
+                                        </p:tgtEl>
+                                        <p:attrNameLst>
+                                          <p:attrName>style.visibility</p:attrName>
+                                        </p:attrNameLst>
+                                      </p:cBhvr>
+                                      <p:to>
+                                        <p:strVal val="visible"/>
+                                      </p:to>
+                                    </p:set>
+                                    <p:anim calcmode="lin" valueType="num">
+                                      <p:cBhvr additive="base">
+                                        <p:cTn id="50" dur="500"/>
+                                        <p:tgtEl>
+                                          <p:spTgt spid="3">
+                                            <p:txEl>
+                                              <p:pRg st="10" end="10"/>
+                                            </p:txEl>
+                                          </p:spTgt>
+                                        </p:tgtEl>
+                                        <p:attrNameLst>
+                                          <p:attrName>ppt_y</p:attrName>
+                                        </p:attrNameLst>
+                                      </p:cBhvr>
+                                      <p:tavLst>
+                                        <p:tav tm="0">
+                                          <p:val>
+                                            <p:strVal val="#ppt_y+#ppt_h*1.125000"/>
+                                          </p:val>
+                                        </p:tav>
+                                        <p:tav tm="100000">
+                                          <p:val>
+                                            <p:strVal val="#ppt_y"/>
+                                          </p:val>
+                                        </p:tav>
+                                      </p:tavLst>
+                                    </p:anim>
+                                    <p:animEffect transition="in" filter="wipe(up)">
+                                      <p:cBhvr>
+                                        <p:cTn id="51" dur="500"/>
+                                        <p:tgtEl>
+                                          <p:spTgt spid="3">
+                                            <p:txEl>
+                                              <p:pRg st="10" end="10"/>
+                                            </p:txEl>
+                                          </p:spTgt>
+                                        </p:tgtEl>
+                                      </p:cBhvr>
+                                    </p:animEffect>
+                                  </p:childTnLst>
+                                </p:cTn>
+                              </p:par>
+                            </p:childTnLst>
+                          </p:cTn>
+                        </p:par>
+                      </p:childTnLst>
+                    </p:cTn>
+                  </p:par>
+                </p:childTnLst>
+              </p:cTn>
+              <p:prevCondLst>
+                <p:cond evt="onPrev" delay="0">
+                  <p:tgtEl>
+                    <p:sldTgt/>
+                  </p:tgtEl>
+                </p:cond>
+              </p:prevCondLst>
+              <p:nextCondLst>
+                <p:cond evt="onNext" delay="0">
+                  <p:tgtEl>
+                    <p:sldTgt/>
+                  </p:tgtEl>
+                </p:cond>
+              </p:nextCondLst>
+            </p:seq>
+          </p:childTnLst>
+        </p:cTn>
       </p:par>
     </p:tnLst>
   </p:timing>
@@ -9726,7 +14245,7 @@
         <p:spPr>
           <a:xfrm>
             <a:off x="2592925" y="624110"/>
-            <a:ext cx="8911687" cy="818928"/>
+            <a:ext cx="8911687" cy="761778"/>
           </a:xfrm>
         </p:spPr>
         <p:txBody>
@@ -9735,7 +14254,7 @@
           <a:p>
             <a:r>
               <a:rPr lang="en-US" dirty="0" smtClean="0"/>
-              <a:t>Function:</a:t>
+              <a:t>Code</a:t>
             </a:r>
             <a:endParaRPr lang="en-US" dirty="0"/>
           </a:p>
@@ -9753,192 +14272,212 @@
         </p:nvSpPr>
         <p:spPr>
           <a:xfrm>
-            <a:off x="2463088" y="1443038"/>
-            <a:ext cx="8915400" cy="5054326"/>
+            <a:off x="2589212" y="1385888"/>
+            <a:ext cx="8915400" cy="4739509"/>
           </a:xfrm>
         </p:spPr>
         <p:txBody>
           <a:bodyPr>
-            <a:normAutofit/>
+            <a:normAutofit lnSpcReduction="10000"/>
           </a:bodyPr>
           <a:lstStyle/>
           <a:p>
             <a:r>
               <a:rPr lang="en-US" dirty="0" smtClean="0"/>
-              <a:t>d</a:t>
+              <a:t>Built-in Function</a:t>
+            </a:r>
+          </a:p>
+          <a:p>
+            <a:pPr marL="742950" lvl="2" indent="-342900"/>
+            <a:r>
+              <a:rPr lang="en-US" dirty="0"/>
+              <a:t>p</a:t>
             </a:r>
             <a:r>
               <a:rPr lang="is-IS" dirty="0" smtClean="0"/>
-              <a:t>ef </a:t>
+              <a:t>rint(...)  </a:t>
+            </a:r>
+            <a:endParaRPr lang="en-US" dirty="0" smtClean="0"/>
+          </a:p>
+          <a:p>
+            <a:pPr lvl="1"/>
+            <a:r>
+              <a:rPr lang="en-US" dirty="0"/>
+              <a:t>m</a:t>
+            </a:r>
+            <a:r>
+              <a:rPr lang="en-US" dirty="0" smtClean="0"/>
+              <a:t>ax(</a:t>
             </a:r>
             <a:r>
               <a:rPr lang="is-IS" dirty="0"/>
-              <a:t>function_name (parameters):</a:t>
-            </a:r>
-            <a:endParaRPr lang="en-US" dirty="0"/>
+              <a:t>…), min</a:t>
+            </a:r>
+            <a:r>
+              <a:rPr lang="is-IS" dirty="0" smtClean="0"/>
+              <a:t>(....), </a:t>
+            </a:r>
+            <a:r>
+              <a:rPr lang="en-US" dirty="0"/>
+              <a:t>p</a:t>
+            </a:r>
+            <a:r>
+              <a:rPr lang="is-IS" dirty="0"/>
+              <a:t>ow</a:t>
+            </a:r>
+            <a:r>
+              <a:rPr lang="is-IS" dirty="0" smtClean="0"/>
+              <a:t>(...), </a:t>
+            </a:r>
+            <a:r>
+              <a:rPr lang="en-US" dirty="0"/>
+              <a:t>a</a:t>
+            </a:r>
+            <a:r>
+              <a:rPr lang="is-IS" dirty="0"/>
+              <a:t>bs</a:t>
+            </a:r>
+            <a:r>
+              <a:rPr lang="is-IS" dirty="0" smtClean="0"/>
+              <a:t>(...)</a:t>
+            </a:r>
           </a:p>
           <a:p>
             <a:pPr lvl="1"/>
             <a:r>
+              <a:rPr lang="en-US" dirty="0" smtClean="0"/>
+              <a:t>round(..)</a:t>
+            </a:r>
+          </a:p>
+          <a:p>
+            <a:pPr lvl="2"/>
+            <a:r>
               <a:rPr lang="en-US" dirty="0"/>
-              <a:t>Function body</a:t>
-            </a:r>
-            <a:endParaRPr lang="is-IS" dirty="0"/>
-          </a:p>
-          <a:p>
+              <a:t>r</a:t>
+            </a:r>
             <a:r>
               <a:rPr lang="en-US" dirty="0" smtClean="0"/>
-              <a:t>Parameters: </a:t>
+              <a:t>ound( 2.6) = 3</a:t>
+            </a:r>
+          </a:p>
+          <a:p>
+            <a:pPr lvl="2"/>
+            <a:r>
+              <a:rPr lang="en-US" dirty="0"/>
+              <a:t>r</a:t>
             </a:r>
             <a:r>
               <a:rPr lang="en-US" dirty="0" smtClean="0"/>
-              <a:t>conditional factor, </a:t>
+              <a:t>ound (3.5) = 4</a:t>
+            </a:r>
+          </a:p>
+          <a:p>
+            <a:pPr lvl="2"/>
+            <a:r>
+              <a:rPr lang="en-US" dirty="0"/>
+              <a:t>r</a:t>
             </a:r>
             <a:r>
               <a:rPr lang="en-US" dirty="0" smtClean="0"/>
-              <a:t>data</a:t>
-            </a:r>
-          </a:p>
-          <a:p>
+              <a:t>ound(2.5) = ?</a:t>
+            </a:r>
+          </a:p>
+          <a:p>
+            <a:pPr lvl="2"/>
+            <a:r>
+              <a:rPr lang="en-US" dirty="0"/>
+              <a:t>r</a:t>
+            </a:r>
             <a:r>
               <a:rPr lang="en-US" dirty="0" smtClean="0"/>
-              <a:t>Indentation</a:t>
-            </a:r>
-            <a:endParaRPr lang="is-IS" dirty="0" smtClean="0"/>
-          </a:p>
-          <a:p>
+              <a:t>ound(2.5) = 2  </a:t>
+            </a:r>
+          </a:p>
+          <a:p>
+            <a:pPr lvl="2"/>
+            <a:r>
+              <a:rPr lang="en-US" dirty="0" smtClean="0"/>
+              <a:t>Only round up when single digit (the digit before dot) is  an odd number</a:t>
+            </a:r>
+          </a:p>
+          <a:p>
+            <a:pPr lvl="2"/>
+            <a:r>
+              <a:rPr lang="en-US" dirty="0" smtClean="0"/>
+              <a:t>round(233.333333, 2) = 233.33</a:t>
+            </a:r>
+          </a:p>
+          <a:p>
+            <a:pPr lvl="2"/>
+            <a:r>
+              <a:rPr lang="en-US" dirty="0"/>
+              <a:t>r</a:t>
+            </a:r>
+            <a:r>
+              <a:rPr lang="en-US" dirty="0" smtClean="0"/>
+              <a:t>ound(233.3333, -2 ) </a:t>
+            </a:r>
+            <a:r>
+              <a:rPr lang="en-US" dirty="0"/>
+              <a:t>= ? round(255.33333, -2) = </a:t>
+            </a:r>
+            <a:r>
+              <a:rPr lang="en-US" dirty="0" smtClean="0"/>
+              <a:t>?</a:t>
+            </a:r>
+          </a:p>
+          <a:p>
+            <a:pPr lvl="2"/>
+            <a:r>
+              <a:rPr lang="en-US" dirty="0"/>
+              <a:t>round(233.3333, -2 ) = </a:t>
+            </a:r>
+            <a:r>
+              <a:rPr lang="en-US" dirty="0" smtClean="0"/>
+              <a:t>200; </a:t>
+            </a:r>
+            <a:r>
+              <a:rPr lang="en-US" dirty="0"/>
+              <a:t>round(255.33333, -2</a:t>
+            </a:r>
+            <a:r>
+              <a:rPr lang="en-US" dirty="0" smtClean="0"/>
+              <a:t>) = 300</a:t>
+            </a:r>
+          </a:p>
+          <a:p>
+            <a:pPr lvl="1"/>
+            <a:r>
+              <a:rPr lang="en-US" dirty="0" err="1" smtClean="0"/>
+              <a:t>str</a:t>
+            </a:r>
+            <a:r>
+              <a:rPr lang="en-US" dirty="0" smtClean="0"/>
+              <a:t>(</a:t>
+            </a:r>
             <a:r>
               <a:rPr lang="is-IS" dirty="0" smtClean="0"/>
-              <a:t>Question:  </a:t>
-            </a:r>
-            <a:endParaRPr lang="is-IS" dirty="0" smtClean="0"/>
-          </a:p>
-          <a:p>
-            <a:pPr marL="400050" lvl="1" indent="0">
-              <a:buNone/>
-            </a:pPr>
-            <a:r>
-              <a:rPr lang="en-US" dirty="0" err="1" smtClean="0"/>
-              <a:t>def</a:t>
-            </a:r>
-            <a:r>
-              <a:rPr lang="en-US" dirty="0" smtClean="0"/>
-              <a:t> </a:t>
-            </a:r>
-            <a:r>
-              <a:rPr lang="en-US" dirty="0" err="1" smtClean="0"/>
-              <a:t>avg</a:t>
-            </a:r>
-            <a:r>
-              <a:rPr lang="en-US" dirty="0" smtClean="0"/>
-              <a:t>(num1, </a:t>
-            </a:r>
-            <a:r>
-              <a:rPr lang="en-US" smtClean="0"/>
-              <a:t>num2):</a:t>
-            </a:r>
-          </a:p>
-          <a:p>
-            <a:pPr marL="400050" lvl="1" indent="0">
-              <a:buNone/>
-            </a:pPr>
-            <a:r>
-              <a:rPr lang="en-US" smtClean="0"/>
-              <a:t>“””(</a:t>
-            </a:r>
-            <a:r>
-              <a:rPr lang="en-US" dirty="0" err="1" smtClean="0"/>
-              <a:t>int</a:t>
-            </a:r>
-            <a:r>
-              <a:rPr lang="en-US" dirty="0" smtClean="0"/>
-              <a:t>, </a:t>
-            </a:r>
-            <a:r>
-              <a:rPr lang="en-US" dirty="0" err="1" smtClean="0"/>
-              <a:t>int</a:t>
-            </a:r>
-            <a:r>
-              <a:rPr lang="en-US" dirty="0" smtClean="0"/>
-              <a:t>) -&gt; </a:t>
-            </a:r>
-            <a:r>
-              <a:rPr lang="en-US" dirty="0" err="1" smtClean="0"/>
-              <a:t>int</a:t>
+              <a:t>…)</a:t>
+            </a:r>
+          </a:p>
+          <a:p>
+            <a:pPr lvl="1"/>
+            <a:r>
+              <a:rPr lang="en-US" dirty="0"/>
+              <a:t>s</a:t>
+            </a:r>
+            <a:r>
+              <a:rPr lang="is-IS" dirty="0" smtClean="0"/>
+              <a:t>um([list of int/ float])</a:t>
             </a:r>
             <a:endParaRPr lang="en-US" dirty="0" smtClean="0"/>
-          </a:p>
-          <a:p>
-            <a:pPr marL="800100" lvl="2" indent="0">
-              <a:buNone/>
-            </a:pPr>
-            <a:r>
-              <a:rPr lang="en-US" dirty="0" smtClean="0"/>
-              <a:t>Return the average value of num1 and num2</a:t>
-            </a:r>
-          </a:p>
-          <a:p>
-            <a:pPr marL="800100" lvl="2" indent="0">
-              <a:buNone/>
-            </a:pPr>
-            <a:r>
-              <a:rPr lang="en-US" dirty="0" smtClean="0"/>
-              <a:t>&gt;&gt;&gt;</a:t>
-            </a:r>
-            <a:r>
-              <a:rPr lang="en-US" dirty="0" err="1" smtClean="0"/>
-              <a:t>avg</a:t>
-            </a:r>
-            <a:r>
-              <a:rPr lang="en-US" dirty="0" smtClean="0"/>
-              <a:t>(3,5)</a:t>
-            </a:r>
-          </a:p>
-          <a:p>
-            <a:pPr marL="800100" lvl="2" indent="0">
-              <a:buNone/>
-            </a:pPr>
-            <a:r>
-              <a:rPr lang="en-US" dirty="0" smtClean="0"/>
-              <a:t>4</a:t>
-            </a:r>
-          </a:p>
-          <a:p>
-            <a:pPr marL="400050" lvl="1" indent="0">
-              <a:buNone/>
-            </a:pPr>
-            <a:r>
-              <a:rPr lang="en-US" dirty="0" smtClean="0"/>
-              <a:t>	“””</a:t>
-            </a:r>
-          </a:p>
-          <a:p>
-            <a:r>
-              <a:rPr lang="is-IS" dirty="0" smtClean="0"/>
-              <a:t> </a:t>
-            </a:r>
-            <a:r>
-              <a:rPr lang="is-IS" dirty="0" smtClean="0"/>
-              <a:t>Bool function </a:t>
-            </a:r>
-            <a:r>
-              <a:rPr lang="en-US" dirty="0" smtClean="0"/>
-              <a:t>(no-if required)</a:t>
-            </a:r>
-            <a:endParaRPr lang="is-IS" dirty="0" smtClean="0"/>
-          </a:p>
-          <a:p>
-            <a:r>
-              <a:rPr lang="is-IS" dirty="0" smtClean="0"/>
-              <a:t>Function-reuse</a:t>
-            </a:r>
           </a:p>
         </p:txBody>
       </p:sp>
     </p:spTree>
     <p:extLst>
       <p:ext uri="{BB962C8B-B14F-4D97-AF65-F5344CB8AC3E}">
-        <p14:creationId xmlns:p14="http://schemas.microsoft.com/office/powerpoint/2010/main" val="1533983001"/>
+        <p14:creationId xmlns:p14="http://schemas.microsoft.com/office/powerpoint/2010/main" val="1914154687"/>
       </p:ext>
     </p:extLst>
   </p:cSld>
@@ -9948,7 +14487,7 @@
   <mc:AlternateContent xmlns:mc="http://schemas.openxmlformats.org/markup-compatibility/2006" xmlns:p15="http://schemas.microsoft.com/office/powerpoint/2012/main">
     <mc:Choice Requires="p15">
       <p:transition xmlns:p14="http://schemas.microsoft.com/office/powerpoint/2010/main" spd="slow" p14:dur="2000">
-        <p15:prstTrans prst="drape"/>
+        <p15:prstTrans prst="fallOver"/>
       </p:transition>
     </mc:Choice>
     <mc:Fallback xmlns="">
@@ -9960,7 +14499,875 @@
   <p:timing>
     <p:tnLst>
       <p:par>
-        <p:cTn id="1" dur="indefinite" restart="never" nodeType="tmRoot"/>
+        <p:cTn id="1" dur="indefinite" restart="never" nodeType="tmRoot">
+          <p:childTnLst>
+            <p:seq concurrent="1" nextAc="seek">
+              <p:cTn id="2" dur="indefinite" nodeType="mainSeq">
+                <p:childTnLst>
+                  <p:par>
+                    <p:cTn id="3" fill="hold">
+                      <p:stCondLst>
+                        <p:cond delay="indefinite"/>
+                      </p:stCondLst>
+                      <p:childTnLst>
+                        <p:par>
+                          <p:cTn id="4" fill="hold">
+                            <p:stCondLst>
+                              <p:cond delay="0"/>
+                            </p:stCondLst>
+                            <p:childTnLst>
+                              <p:par>
+                                <p:cTn id="5" presetID="12" presetClass="entr" presetSubtype="4" fill="hold" nodeType="clickEffect">
+                                  <p:stCondLst>
+                                    <p:cond delay="0"/>
+                                  </p:stCondLst>
+                                  <p:childTnLst>
+                                    <p:set>
+                                      <p:cBhvr>
+                                        <p:cTn id="6" dur="1" fill="hold">
+                                          <p:stCondLst>
+                                            <p:cond delay="0"/>
+                                          </p:stCondLst>
+                                        </p:cTn>
+                                        <p:tgtEl>
+                                          <p:spTgt spid="3">
+                                            <p:txEl>
+                                              <p:pRg st="0" end="0"/>
+                                            </p:txEl>
+                                          </p:spTgt>
+                                        </p:tgtEl>
+                                        <p:attrNameLst>
+                                          <p:attrName>style.visibility</p:attrName>
+                                        </p:attrNameLst>
+                                      </p:cBhvr>
+                                      <p:to>
+                                        <p:strVal val="visible"/>
+                                      </p:to>
+                                    </p:set>
+                                    <p:anim calcmode="lin" valueType="num">
+                                      <p:cBhvr additive="base">
+                                        <p:cTn id="7" dur="500"/>
+                                        <p:tgtEl>
+                                          <p:spTgt spid="3">
+                                            <p:txEl>
+                                              <p:pRg st="0" end="0"/>
+                                            </p:txEl>
+                                          </p:spTgt>
+                                        </p:tgtEl>
+                                        <p:attrNameLst>
+                                          <p:attrName>ppt_y</p:attrName>
+                                        </p:attrNameLst>
+                                      </p:cBhvr>
+                                      <p:tavLst>
+                                        <p:tav tm="0">
+                                          <p:val>
+                                            <p:strVal val="#ppt_y+#ppt_h*1.125000"/>
+                                          </p:val>
+                                        </p:tav>
+                                        <p:tav tm="100000">
+                                          <p:val>
+                                            <p:strVal val="#ppt_y"/>
+                                          </p:val>
+                                        </p:tav>
+                                      </p:tavLst>
+                                    </p:anim>
+                                    <p:animEffect transition="in" filter="wipe(up)">
+                                      <p:cBhvr>
+                                        <p:cTn id="8" dur="500"/>
+                                        <p:tgtEl>
+                                          <p:spTgt spid="3">
+                                            <p:txEl>
+                                              <p:pRg st="0" end="0"/>
+                                            </p:txEl>
+                                          </p:spTgt>
+                                        </p:tgtEl>
+                                      </p:cBhvr>
+                                    </p:animEffect>
+                                  </p:childTnLst>
+                                </p:cTn>
+                              </p:par>
+                              <p:par>
+                                <p:cTn id="9" presetID="12" presetClass="entr" presetSubtype="4" fill="hold" nodeType="withEffect">
+                                  <p:stCondLst>
+                                    <p:cond delay="0"/>
+                                  </p:stCondLst>
+                                  <p:childTnLst>
+                                    <p:set>
+                                      <p:cBhvr>
+                                        <p:cTn id="10" dur="1" fill="hold">
+                                          <p:stCondLst>
+                                            <p:cond delay="0"/>
+                                          </p:stCondLst>
+                                        </p:cTn>
+                                        <p:tgtEl>
+                                          <p:spTgt spid="3">
+                                            <p:txEl>
+                                              <p:pRg st="1" end="1"/>
+                                            </p:txEl>
+                                          </p:spTgt>
+                                        </p:tgtEl>
+                                        <p:attrNameLst>
+                                          <p:attrName>style.visibility</p:attrName>
+                                        </p:attrNameLst>
+                                      </p:cBhvr>
+                                      <p:to>
+                                        <p:strVal val="visible"/>
+                                      </p:to>
+                                    </p:set>
+                                    <p:anim calcmode="lin" valueType="num">
+                                      <p:cBhvr additive="base">
+                                        <p:cTn id="11" dur="500"/>
+                                        <p:tgtEl>
+                                          <p:spTgt spid="3">
+                                            <p:txEl>
+                                              <p:pRg st="1" end="1"/>
+                                            </p:txEl>
+                                          </p:spTgt>
+                                        </p:tgtEl>
+                                        <p:attrNameLst>
+                                          <p:attrName>ppt_y</p:attrName>
+                                        </p:attrNameLst>
+                                      </p:cBhvr>
+                                      <p:tavLst>
+                                        <p:tav tm="0">
+                                          <p:val>
+                                            <p:strVal val="#ppt_y+#ppt_h*1.125000"/>
+                                          </p:val>
+                                        </p:tav>
+                                        <p:tav tm="100000">
+                                          <p:val>
+                                            <p:strVal val="#ppt_y"/>
+                                          </p:val>
+                                        </p:tav>
+                                      </p:tavLst>
+                                    </p:anim>
+                                    <p:animEffect transition="in" filter="wipe(up)">
+                                      <p:cBhvr>
+                                        <p:cTn id="12" dur="500"/>
+                                        <p:tgtEl>
+                                          <p:spTgt spid="3">
+                                            <p:txEl>
+                                              <p:pRg st="1" end="1"/>
+                                            </p:txEl>
+                                          </p:spTgt>
+                                        </p:tgtEl>
+                                      </p:cBhvr>
+                                    </p:animEffect>
+                                  </p:childTnLst>
+                                </p:cTn>
+                              </p:par>
+                              <p:par>
+                                <p:cTn id="13" presetID="12" presetClass="entr" presetSubtype="4" fill="hold" nodeType="withEffect">
+                                  <p:stCondLst>
+                                    <p:cond delay="0"/>
+                                  </p:stCondLst>
+                                  <p:childTnLst>
+                                    <p:set>
+                                      <p:cBhvr>
+                                        <p:cTn id="14" dur="1" fill="hold">
+                                          <p:stCondLst>
+                                            <p:cond delay="0"/>
+                                          </p:stCondLst>
+                                        </p:cTn>
+                                        <p:tgtEl>
+                                          <p:spTgt spid="3">
+                                            <p:txEl>
+                                              <p:pRg st="2" end="2"/>
+                                            </p:txEl>
+                                          </p:spTgt>
+                                        </p:tgtEl>
+                                        <p:attrNameLst>
+                                          <p:attrName>style.visibility</p:attrName>
+                                        </p:attrNameLst>
+                                      </p:cBhvr>
+                                      <p:to>
+                                        <p:strVal val="visible"/>
+                                      </p:to>
+                                    </p:set>
+                                    <p:anim calcmode="lin" valueType="num">
+                                      <p:cBhvr additive="base">
+                                        <p:cTn id="15" dur="500"/>
+                                        <p:tgtEl>
+                                          <p:spTgt spid="3">
+                                            <p:txEl>
+                                              <p:pRg st="2" end="2"/>
+                                            </p:txEl>
+                                          </p:spTgt>
+                                        </p:tgtEl>
+                                        <p:attrNameLst>
+                                          <p:attrName>ppt_y</p:attrName>
+                                        </p:attrNameLst>
+                                      </p:cBhvr>
+                                      <p:tavLst>
+                                        <p:tav tm="0">
+                                          <p:val>
+                                            <p:strVal val="#ppt_y+#ppt_h*1.125000"/>
+                                          </p:val>
+                                        </p:tav>
+                                        <p:tav tm="100000">
+                                          <p:val>
+                                            <p:strVal val="#ppt_y"/>
+                                          </p:val>
+                                        </p:tav>
+                                      </p:tavLst>
+                                    </p:anim>
+                                    <p:animEffect transition="in" filter="wipe(up)">
+                                      <p:cBhvr>
+                                        <p:cTn id="16" dur="500"/>
+                                        <p:tgtEl>
+                                          <p:spTgt spid="3">
+                                            <p:txEl>
+                                              <p:pRg st="2" end="2"/>
+                                            </p:txEl>
+                                          </p:spTgt>
+                                        </p:tgtEl>
+                                      </p:cBhvr>
+                                    </p:animEffect>
+                                  </p:childTnLst>
+                                </p:cTn>
+                              </p:par>
+                            </p:childTnLst>
+                          </p:cTn>
+                        </p:par>
+                      </p:childTnLst>
+                    </p:cTn>
+                  </p:par>
+                  <p:par>
+                    <p:cTn id="17" fill="hold">
+                      <p:stCondLst>
+                        <p:cond delay="indefinite"/>
+                      </p:stCondLst>
+                      <p:childTnLst>
+                        <p:par>
+                          <p:cTn id="18" fill="hold">
+                            <p:stCondLst>
+                              <p:cond delay="0"/>
+                            </p:stCondLst>
+                            <p:childTnLst>
+                              <p:par>
+                                <p:cTn id="19" presetID="14" presetClass="entr" presetSubtype="10" fill="hold" nodeType="clickEffect">
+                                  <p:stCondLst>
+                                    <p:cond delay="0"/>
+                                  </p:stCondLst>
+                                  <p:childTnLst>
+                                    <p:set>
+                                      <p:cBhvr>
+                                        <p:cTn id="20" dur="1" fill="hold">
+                                          <p:stCondLst>
+                                            <p:cond delay="0"/>
+                                          </p:stCondLst>
+                                        </p:cTn>
+                                        <p:tgtEl>
+                                          <p:spTgt spid="3">
+                                            <p:txEl>
+                                              <p:pRg st="3" end="3"/>
+                                            </p:txEl>
+                                          </p:spTgt>
+                                        </p:tgtEl>
+                                        <p:attrNameLst>
+                                          <p:attrName>style.visibility</p:attrName>
+                                        </p:attrNameLst>
+                                      </p:cBhvr>
+                                      <p:to>
+                                        <p:strVal val="visible"/>
+                                      </p:to>
+                                    </p:set>
+                                    <p:animEffect transition="in" filter="randombar(horizontal)">
+                                      <p:cBhvr>
+                                        <p:cTn id="21" dur="500"/>
+                                        <p:tgtEl>
+                                          <p:spTgt spid="3">
+                                            <p:txEl>
+                                              <p:pRg st="3" end="3"/>
+                                            </p:txEl>
+                                          </p:spTgt>
+                                        </p:tgtEl>
+                                      </p:cBhvr>
+                                    </p:animEffect>
+                                  </p:childTnLst>
+                                </p:cTn>
+                              </p:par>
+                              <p:par>
+                                <p:cTn id="22" presetID="14" presetClass="entr" presetSubtype="10" fill="hold" nodeType="withEffect">
+                                  <p:stCondLst>
+                                    <p:cond delay="0"/>
+                                  </p:stCondLst>
+                                  <p:childTnLst>
+                                    <p:set>
+                                      <p:cBhvr>
+                                        <p:cTn id="23" dur="1" fill="hold">
+                                          <p:stCondLst>
+                                            <p:cond delay="0"/>
+                                          </p:stCondLst>
+                                        </p:cTn>
+                                        <p:tgtEl>
+                                          <p:spTgt spid="3">
+                                            <p:txEl>
+                                              <p:pRg st="4" end="4"/>
+                                            </p:txEl>
+                                          </p:spTgt>
+                                        </p:tgtEl>
+                                        <p:attrNameLst>
+                                          <p:attrName>style.visibility</p:attrName>
+                                        </p:attrNameLst>
+                                      </p:cBhvr>
+                                      <p:to>
+                                        <p:strVal val="visible"/>
+                                      </p:to>
+                                    </p:set>
+                                    <p:animEffect transition="in" filter="randombar(horizontal)">
+                                      <p:cBhvr>
+                                        <p:cTn id="24" dur="500"/>
+                                        <p:tgtEl>
+                                          <p:spTgt spid="3">
+                                            <p:txEl>
+                                              <p:pRg st="4" end="4"/>
+                                            </p:txEl>
+                                          </p:spTgt>
+                                        </p:tgtEl>
+                                      </p:cBhvr>
+                                    </p:animEffect>
+                                  </p:childTnLst>
+                                </p:cTn>
+                              </p:par>
+                            </p:childTnLst>
+                          </p:cTn>
+                        </p:par>
+                      </p:childTnLst>
+                    </p:cTn>
+                  </p:par>
+                  <p:par>
+                    <p:cTn id="25" fill="hold">
+                      <p:stCondLst>
+                        <p:cond delay="indefinite"/>
+                      </p:stCondLst>
+                      <p:childTnLst>
+                        <p:par>
+                          <p:cTn id="26" fill="hold">
+                            <p:stCondLst>
+                              <p:cond delay="0"/>
+                            </p:stCondLst>
+                            <p:childTnLst>
+                              <p:par>
+                                <p:cTn id="27" presetID="6" presetClass="entr" presetSubtype="16" fill="hold" nodeType="clickEffect">
+                                  <p:stCondLst>
+                                    <p:cond delay="0"/>
+                                  </p:stCondLst>
+                                  <p:childTnLst>
+                                    <p:set>
+                                      <p:cBhvr>
+                                        <p:cTn id="28" dur="1" fill="hold">
+                                          <p:stCondLst>
+                                            <p:cond delay="0"/>
+                                          </p:stCondLst>
+                                        </p:cTn>
+                                        <p:tgtEl>
+                                          <p:spTgt spid="3">
+                                            <p:txEl>
+                                              <p:pRg st="5" end="5"/>
+                                            </p:txEl>
+                                          </p:spTgt>
+                                        </p:tgtEl>
+                                        <p:attrNameLst>
+                                          <p:attrName>style.visibility</p:attrName>
+                                        </p:attrNameLst>
+                                      </p:cBhvr>
+                                      <p:to>
+                                        <p:strVal val="visible"/>
+                                      </p:to>
+                                    </p:set>
+                                    <p:animEffect transition="in" filter="circle(in)">
+                                      <p:cBhvr>
+                                        <p:cTn id="29" dur="2000"/>
+                                        <p:tgtEl>
+                                          <p:spTgt spid="3">
+                                            <p:txEl>
+                                              <p:pRg st="5" end="5"/>
+                                            </p:txEl>
+                                          </p:spTgt>
+                                        </p:tgtEl>
+                                      </p:cBhvr>
+                                    </p:animEffect>
+                                  </p:childTnLst>
+                                </p:cTn>
+                              </p:par>
+                            </p:childTnLst>
+                          </p:cTn>
+                        </p:par>
+                      </p:childTnLst>
+                    </p:cTn>
+                  </p:par>
+                  <p:par>
+                    <p:cTn id="30" fill="hold">
+                      <p:stCondLst>
+                        <p:cond delay="indefinite"/>
+                      </p:stCondLst>
+                      <p:childTnLst>
+                        <p:par>
+                          <p:cTn id="31" fill="hold">
+                            <p:stCondLst>
+                              <p:cond delay="0"/>
+                            </p:stCondLst>
+                            <p:childTnLst>
+                              <p:par>
+                                <p:cTn id="32" presetID="14" presetClass="entr" presetSubtype="10" fill="hold" nodeType="clickEffect">
+                                  <p:stCondLst>
+                                    <p:cond delay="0"/>
+                                  </p:stCondLst>
+                                  <p:childTnLst>
+                                    <p:set>
+                                      <p:cBhvr>
+                                        <p:cTn id="33" dur="1" fill="hold">
+                                          <p:stCondLst>
+                                            <p:cond delay="0"/>
+                                          </p:stCondLst>
+                                        </p:cTn>
+                                        <p:tgtEl>
+                                          <p:spTgt spid="3">
+                                            <p:txEl>
+                                              <p:pRg st="6" end="6"/>
+                                            </p:txEl>
+                                          </p:spTgt>
+                                        </p:tgtEl>
+                                        <p:attrNameLst>
+                                          <p:attrName>style.visibility</p:attrName>
+                                        </p:attrNameLst>
+                                      </p:cBhvr>
+                                      <p:to>
+                                        <p:strVal val="visible"/>
+                                      </p:to>
+                                    </p:set>
+                                    <p:animEffect transition="in" filter="randombar(horizontal)">
+                                      <p:cBhvr>
+                                        <p:cTn id="34" dur="500"/>
+                                        <p:tgtEl>
+                                          <p:spTgt spid="3">
+                                            <p:txEl>
+                                              <p:pRg st="6" end="6"/>
+                                            </p:txEl>
+                                          </p:spTgt>
+                                        </p:tgtEl>
+                                      </p:cBhvr>
+                                    </p:animEffect>
+                                  </p:childTnLst>
+                                </p:cTn>
+                              </p:par>
+                            </p:childTnLst>
+                          </p:cTn>
+                        </p:par>
+                      </p:childTnLst>
+                    </p:cTn>
+                  </p:par>
+                  <p:par>
+                    <p:cTn id="35" fill="hold">
+                      <p:stCondLst>
+                        <p:cond delay="indefinite"/>
+                      </p:stCondLst>
+                      <p:childTnLst>
+                        <p:par>
+                          <p:cTn id="36" fill="hold">
+                            <p:stCondLst>
+                              <p:cond delay="0"/>
+                            </p:stCondLst>
+                            <p:childTnLst>
+                              <p:par>
+                                <p:cTn id="37" presetID="14" presetClass="entr" presetSubtype="10" fill="hold" nodeType="clickEffect">
+                                  <p:stCondLst>
+                                    <p:cond delay="0"/>
+                                  </p:stCondLst>
+                                  <p:childTnLst>
+                                    <p:set>
+                                      <p:cBhvr>
+                                        <p:cTn id="38" dur="1" fill="hold">
+                                          <p:stCondLst>
+                                            <p:cond delay="0"/>
+                                          </p:stCondLst>
+                                        </p:cTn>
+                                        <p:tgtEl>
+                                          <p:spTgt spid="3">
+                                            <p:txEl>
+                                              <p:pRg st="7" end="7"/>
+                                            </p:txEl>
+                                          </p:spTgt>
+                                        </p:tgtEl>
+                                        <p:attrNameLst>
+                                          <p:attrName>style.visibility</p:attrName>
+                                        </p:attrNameLst>
+                                      </p:cBhvr>
+                                      <p:to>
+                                        <p:strVal val="visible"/>
+                                      </p:to>
+                                    </p:set>
+                                    <p:animEffect transition="in" filter="randombar(horizontal)">
+                                      <p:cBhvr>
+                                        <p:cTn id="39" dur="500"/>
+                                        <p:tgtEl>
+                                          <p:spTgt spid="3">
+                                            <p:txEl>
+                                              <p:pRg st="7" end="7"/>
+                                            </p:txEl>
+                                          </p:spTgt>
+                                        </p:tgtEl>
+                                      </p:cBhvr>
+                                    </p:animEffect>
+                                  </p:childTnLst>
+                                </p:cTn>
+                              </p:par>
+                              <p:par>
+                                <p:cTn id="40" presetID="14" presetClass="entr" presetSubtype="10" fill="hold" nodeType="withEffect">
+                                  <p:stCondLst>
+                                    <p:cond delay="0"/>
+                                  </p:stCondLst>
+                                  <p:childTnLst>
+                                    <p:set>
+                                      <p:cBhvr>
+                                        <p:cTn id="41" dur="1" fill="hold">
+                                          <p:stCondLst>
+                                            <p:cond delay="0"/>
+                                          </p:stCondLst>
+                                        </p:cTn>
+                                        <p:tgtEl>
+                                          <p:spTgt spid="3">
+                                            <p:txEl>
+                                              <p:pRg st="8" end="8"/>
+                                            </p:txEl>
+                                          </p:spTgt>
+                                        </p:tgtEl>
+                                        <p:attrNameLst>
+                                          <p:attrName>style.visibility</p:attrName>
+                                        </p:attrNameLst>
+                                      </p:cBhvr>
+                                      <p:to>
+                                        <p:strVal val="visible"/>
+                                      </p:to>
+                                    </p:set>
+                                    <p:animEffect transition="in" filter="randombar(horizontal)">
+                                      <p:cBhvr>
+                                        <p:cTn id="42" dur="500"/>
+                                        <p:tgtEl>
+                                          <p:spTgt spid="3">
+                                            <p:txEl>
+                                              <p:pRg st="8" end="8"/>
+                                            </p:txEl>
+                                          </p:spTgt>
+                                        </p:tgtEl>
+                                      </p:cBhvr>
+                                    </p:animEffect>
+                                  </p:childTnLst>
+                                </p:cTn>
+                              </p:par>
+                            </p:childTnLst>
+                          </p:cTn>
+                        </p:par>
+                      </p:childTnLst>
+                    </p:cTn>
+                  </p:par>
+                  <p:par>
+                    <p:cTn id="43" fill="hold">
+                      <p:stCondLst>
+                        <p:cond delay="indefinite"/>
+                      </p:stCondLst>
+                      <p:childTnLst>
+                        <p:par>
+                          <p:cTn id="44" fill="hold">
+                            <p:stCondLst>
+                              <p:cond delay="0"/>
+                            </p:stCondLst>
+                            <p:childTnLst>
+                              <p:par>
+                                <p:cTn id="45" presetID="14" presetClass="entr" presetSubtype="10" fill="hold" nodeType="clickEffect">
+                                  <p:stCondLst>
+                                    <p:cond delay="0"/>
+                                  </p:stCondLst>
+                                  <p:childTnLst>
+                                    <p:set>
+                                      <p:cBhvr>
+                                        <p:cTn id="46" dur="1" fill="hold">
+                                          <p:stCondLst>
+                                            <p:cond delay="0"/>
+                                          </p:stCondLst>
+                                        </p:cTn>
+                                        <p:tgtEl>
+                                          <p:spTgt spid="3">
+                                            <p:txEl>
+                                              <p:pRg st="9" end="9"/>
+                                            </p:txEl>
+                                          </p:spTgt>
+                                        </p:tgtEl>
+                                        <p:attrNameLst>
+                                          <p:attrName>style.visibility</p:attrName>
+                                        </p:attrNameLst>
+                                      </p:cBhvr>
+                                      <p:to>
+                                        <p:strVal val="visible"/>
+                                      </p:to>
+                                    </p:set>
+                                    <p:animEffect transition="in" filter="randombar(horizontal)">
+                                      <p:cBhvr>
+                                        <p:cTn id="47" dur="500"/>
+                                        <p:tgtEl>
+                                          <p:spTgt spid="3">
+                                            <p:txEl>
+                                              <p:pRg st="9" end="9"/>
+                                            </p:txEl>
+                                          </p:spTgt>
+                                        </p:tgtEl>
+                                      </p:cBhvr>
+                                    </p:animEffect>
+                                  </p:childTnLst>
+                                </p:cTn>
+                              </p:par>
+                            </p:childTnLst>
+                          </p:cTn>
+                        </p:par>
+                      </p:childTnLst>
+                    </p:cTn>
+                  </p:par>
+                  <p:par>
+                    <p:cTn id="48" fill="hold">
+                      <p:stCondLst>
+                        <p:cond delay="indefinite"/>
+                      </p:stCondLst>
+                      <p:childTnLst>
+                        <p:par>
+                          <p:cTn id="49" fill="hold">
+                            <p:stCondLst>
+                              <p:cond delay="0"/>
+                            </p:stCondLst>
+                            <p:childTnLst>
+                              <p:par>
+                                <p:cTn id="50" presetID="14" presetClass="entr" presetSubtype="10" fill="hold" nodeType="clickEffect">
+                                  <p:stCondLst>
+                                    <p:cond delay="0"/>
+                                  </p:stCondLst>
+                                  <p:childTnLst>
+                                    <p:set>
+                                      <p:cBhvr>
+                                        <p:cTn id="51" dur="1" fill="hold">
+                                          <p:stCondLst>
+                                            <p:cond delay="0"/>
+                                          </p:stCondLst>
+                                        </p:cTn>
+                                        <p:tgtEl>
+                                          <p:spTgt spid="3">
+                                            <p:txEl>
+                                              <p:pRg st="10" end="10"/>
+                                            </p:txEl>
+                                          </p:spTgt>
+                                        </p:tgtEl>
+                                        <p:attrNameLst>
+                                          <p:attrName>style.visibility</p:attrName>
+                                        </p:attrNameLst>
+                                      </p:cBhvr>
+                                      <p:to>
+                                        <p:strVal val="visible"/>
+                                      </p:to>
+                                    </p:set>
+                                    <p:animEffect transition="in" filter="randombar(horizontal)">
+                                      <p:cBhvr>
+                                        <p:cTn id="52" dur="500"/>
+                                        <p:tgtEl>
+                                          <p:spTgt spid="3">
+                                            <p:txEl>
+                                              <p:pRg st="10" end="10"/>
+                                            </p:txEl>
+                                          </p:spTgt>
+                                        </p:tgtEl>
+                                      </p:cBhvr>
+                                    </p:animEffect>
+                                  </p:childTnLst>
+                                </p:cTn>
+                              </p:par>
+                            </p:childTnLst>
+                          </p:cTn>
+                        </p:par>
+                      </p:childTnLst>
+                    </p:cTn>
+                  </p:par>
+                  <p:par>
+                    <p:cTn id="53" fill="hold">
+                      <p:stCondLst>
+                        <p:cond delay="indefinite"/>
+                      </p:stCondLst>
+                      <p:childTnLst>
+                        <p:par>
+                          <p:cTn id="54" fill="hold">
+                            <p:stCondLst>
+                              <p:cond delay="0"/>
+                            </p:stCondLst>
+                            <p:childTnLst>
+                              <p:par>
+                                <p:cTn id="55" presetID="14" presetClass="entr" presetSubtype="10" fill="hold" nodeType="clickEffect">
+                                  <p:stCondLst>
+                                    <p:cond delay="0"/>
+                                  </p:stCondLst>
+                                  <p:childTnLst>
+                                    <p:set>
+                                      <p:cBhvr>
+                                        <p:cTn id="56" dur="1" fill="hold">
+                                          <p:stCondLst>
+                                            <p:cond delay="0"/>
+                                          </p:stCondLst>
+                                        </p:cTn>
+                                        <p:tgtEl>
+                                          <p:spTgt spid="3">
+                                            <p:txEl>
+                                              <p:pRg st="11" end="11"/>
+                                            </p:txEl>
+                                          </p:spTgt>
+                                        </p:tgtEl>
+                                        <p:attrNameLst>
+                                          <p:attrName>style.visibility</p:attrName>
+                                        </p:attrNameLst>
+                                      </p:cBhvr>
+                                      <p:to>
+                                        <p:strVal val="visible"/>
+                                      </p:to>
+                                    </p:set>
+                                    <p:animEffect transition="in" filter="randombar(horizontal)">
+                                      <p:cBhvr>
+                                        <p:cTn id="57" dur="500"/>
+                                        <p:tgtEl>
+                                          <p:spTgt spid="3">
+                                            <p:txEl>
+                                              <p:pRg st="11" end="11"/>
+                                            </p:txEl>
+                                          </p:spTgt>
+                                        </p:tgtEl>
+                                      </p:cBhvr>
+                                    </p:animEffect>
+                                  </p:childTnLst>
+                                </p:cTn>
+                              </p:par>
+                            </p:childTnLst>
+                          </p:cTn>
+                        </p:par>
+                      </p:childTnLst>
+                    </p:cTn>
+                  </p:par>
+                  <p:par>
+                    <p:cTn id="58" fill="hold">
+                      <p:stCondLst>
+                        <p:cond delay="indefinite"/>
+                      </p:stCondLst>
+                      <p:childTnLst>
+                        <p:par>
+                          <p:cTn id="59" fill="hold">
+                            <p:stCondLst>
+                              <p:cond delay="0"/>
+                            </p:stCondLst>
+                            <p:childTnLst>
+                              <p:par>
+                                <p:cTn id="60" presetID="14" presetClass="entr" presetSubtype="10" fill="hold" nodeType="clickEffect">
+                                  <p:stCondLst>
+                                    <p:cond delay="0"/>
+                                  </p:stCondLst>
+                                  <p:childTnLst>
+                                    <p:set>
+                                      <p:cBhvr>
+                                        <p:cTn id="61" dur="1" fill="hold">
+                                          <p:stCondLst>
+                                            <p:cond delay="0"/>
+                                          </p:stCondLst>
+                                        </p:cTn>
+                                        <p:tgtEl>
+                                          <p:spTgt spid="3">
+                                            <p:txEl>
+                                              <p:pRg st="12" end="12"/>
+                                            </p:txEl>
+                                          </p:spTgt>
+                                        </p:tgtEl>
+                                        <p:attrNameLst>
+                                          <p:attrName>style.visibility</p:attrName>
+                                        </p:attrNameLst>
+                                      </p:cBhvr>
+                                      <p:to>
+                                        <p:strVal val="visible"/>
+                                      </p:to>
+                                    </p:set>
+                                    <p:animEffect transition="in" filter="randombar(horizontal)">
+                                      <p:cBhvr>
+                                        <p:cTn id="62" dur="500"/>
+                                        <p:tgtEl>
+                                          <p:spTgt spid="3">
+                                            <p:txEl>
+                                              <p:pRg st="12" end="12"/>
+                                            </p:txEl>
+                                          </p:spTgt>
+                                        </p:tgtEl>
+                                      </p:cBhvr>
+                                    </p:animEffect>
+                                  </p:childTnLst>
+                                </p:cTn>
+                              </p:par>
+                              <p:par>
+                                <p:cTn id="63" presetID="14" presetClass="entr" presetSubtype="10" fill="hold" nodeType="withEffect">
+                                  <p:stCondLst>
+                                    <p:cond delay="0"/>
+                                  </p:stCondLst>
+                                  <p:childTnLst>
+                                    <p:set>
+                                      <p:cBhvr>
+                                        <p:cTn id="64" dur="1" fill="hold">
+                                          <p:stCondLst>
+                                            <p:cond delay="0"/>
+                                          </p:stCondLst>
+                                        </p:cTn>
+                                        <p:tgtEl>
+                                          <p:spTgt spid="3">
+                                            <p:txEl>
+                                              <p:pRg st="13" end="13"/>
+                                            </p:txEl>
+                                          </p:spTgt>
+                                        </p:tgtEl>
+                                        <p:attrNameLst>
+                                          <p:attrName>style.visibility</p:attrName>
+                                        </p:attrNameLst>
+                                      </p:cBhvr>
+                                      <p:to>
+                                        <p:strVal val="visible"/>
+                                      </p:to>
+                                    </p:set>
+                                    <p:animEffect transition="in" filter="randombar(horizontal)">
+                                      <p:cBhvr>
+                                        <p:cTn id="65" dur="500"/>
+                                        <p:tgtEl>
+                                          <p:spTgt spid="3">
+                                            <p:txEl>
+                                              <p:pRg st="13" end="13"/>
+                                            </p:txEl>
+                                          </p:spTgt>
+                                        </p:tgtEl>
+                                      </p:cBhvr>
+                                    </p:animEffect>
+                                  </p:childTnLst>
+                                </p:cTn>
+                              </p:par>
+                            </p:childTnLst>
+                          </p:cTn>
+                        </p:par>
+                      </p:childTnLst>
+                    </p:cTn>
+                  </p:par>
+                </p:childTnLst>
+              </p:cTn>
+              <p:prevCondLst>
+                <p:cond evt="onPrev" delay="0">
+                  <p:tgtEl>
+                    <p:sldTgt/>
+                  </p:tgtEl>
+                </p:cond>
+              </p:prevCondLst>
+              <p:nextCondLst>
+                <p:cond evt="onNext" delay="0">
+                  <p:tgtEl>
+                    <p:sldTgt/>
+                  </p:tgtEl>
+                </p:cond>
+              </p:nextCondLst>
+            </p:seq>
+          </p:childTnLst>
+        </p:cTn>
       </p:par>
     </p:tnLst>
   </p:timing>
@@ -9996,8 +15403,8 @@
         </p:nvSpPr>
         <p:spPr>
           <a:xfrm>
-            <a:off x="2592925" y="652685"/>
-            <a:ext cx="8911687" cy="718915"/>
+            <a:off x="2592925" y="624110"/>
+            <a:ext cx="8911687" cy="818928"/>
           </a:xfrm>
         </p:spPr>
         <p:txBody>
@@ -10006,7 +15413,7 @@
           <a:p>
             <a:r>
               <a:rPr lang="en-US" dirty="0" smtClean="0"/>
-              <a:t>Loops: </a:t>
+              <a:t>Function:</a:t>
             </a:r>
             <a:endParaRPr lang="en-US" dirty="0"/>
           </a:p>
@@ -10024,155 +15431,167 @@
         </p:nvSpPr>
         <p:spPr>
           <a:xfrm>
-            <a:off x="2589212" y="1604962"/>
-            <a:ext cx="8915400" cy="3777622"/>
+            <a:off x="2463088" y="1443038"/>
+            <a:ext cx="8915400" cy="5054326"/>
           </a:xfrm>
         </p:spPr>
         <p:txBody>
-          <a:bodyPr/>
+          <a:bodyPr>
+            <a:normAutofit/>
+          </a:bodyPr>
           <a:lstStyle/>
           <a:p>
             <a:r>
               <a:rPr lang="en-US" dirty="0" smtClean="0"/>
-              <a:t>For loop</a:t>
-            </a:r>
-          </a:p>
-          <a:p>
-            <a:pPr marL="457200" lvl="1" indent="0">
+              <a:t>d</a:t>
+            </a:r>
+            <a:r>
+              <a:rPr lang="is-IS" dirty="0" smtClean="0"/>
+              <a:t>ef </a:t>
+            </a:r>
+            <a:r>
+              <a:rPr lang="is-IS" dirty="0"/>
+              <a:t>function_name (parameters):</a:t>
+            </a:r>
+            <a:endParaRPr lang="en-US" dirty="0"/>
+          </a:p>
+          <a:p>
+            <a:pPr lvl="1"/>
+            <a:r>
+              <a:rPr lang="en-US" dirty="0"/>
+              <a:t>Function body</a:t>
+            </a:r>
+            <a:endParaRPr lang="is-IS" dirty="0"/>
+          </a:p>
+          <a:p>
+            <a:r>
+              <a:rPr lang="en-US" dirty="0" smtClean="0"/>
+              <a:t>Parameters: conditional factor, data</a:t>
+            </a:r>
+          </a:p>
+          <a:p>
+            <a:r>
+              <a:rPr lang="en-US" dirty="0" smtClean="0"/>
+              <a:t>Indentation</a:t>
+            </a:r>
+            <a:endParaRPr lang="is-IS" dirty="0" smtClean="0"/>
+          </a:p>
+          <a:p>
+            <a:r>
+              <a:rPr lang="is-IS" dirty="0" smtClean="0"/>
+              <a:t>Question:  </a:t>
+            </a:r>
+          </a:p>
+          <a:p>
+            <a:pPr marL="400050" lvl="1" indent="0">
               <a:buNone/>
             </a:pPr>
             <a:r>
+              <a:rPr lang="en-US" dirty="0" err="1" smtClean="0"/>
+              <a:t>def</a:t>
+            </a:r>
+            <a:r>
               <a:rPr lang="en-US" dirty="0" smtClean="0"/>
-              <a:t>for char in string:</a:t>
-            </a:r>
-          </a:p>
-          <a:p>
-            <a:pPr marL="914400" lvl="2" indent="0">
+              <a:t> </a:t>
+            </a:r>
+            <a:r>
+              <a:rPr lang="en-US" dirty="0" err="1" smtClean="0"/>
+              <a:t>avg</a:t>
+            </a:r>
+            <a:r>
+              <a:rPr lang="en-US" dirty="0" smtClean="0"/>
+              <a:t>(num1, num2):</a:t>
+            </a:r>
+          </a:p>
+          <a:p>
+            <a:pPr marL="400050" lvl="1" indent="0">
               <a:buNone/>
             </a:pPr>
             <a:r>
               <a:rPr lang="en-US" dirty="0" smtClean="0"/>
-              <a:t>print(char)</a:t>
-            </a:r>
-          </a:p>
-          <a:p>
-            <a:pPr marL="457200" lvl="1" indent="0">
+              <a:t>“””(</a:t>
+            </a:r>
+            <a:r>
+              <a:rPr lang="en-US" dirty="0" err="1" smtClean="0"/>
+              <a:t>int</a:t>
+            </a:r>
+            <a:r>
+              <a:rPr lang="en-US" dirty="0" smtClean="0"/>
+              <a:t>, </a:t>
+            </a:r>
+            <a:r>
+              <a:rPr lang="en-US" dirty="0" err="1" smtClean="0"/>
+              <a:t>int</a:t>
+            </a:r>
+            <a:r>
+              <a:rPr lang="en-US" dirty="0" smtClean="0"/>
+              <a:t>) -&gt; </a:t>
+            </a:r>
+            <a:r>
+              <a:rPr lang="en-US" dirty="0" err="1" smtClean="0"/>
+              <a:t>int</a:t>
+            </a:r>
+            <a:endParaRPr lang="en-US" dirty="0" smtClean="0"/>
+          </a:p>
+          <a:p>
+            <a:pPr marL="800100" lvl="2" indent="0">
               <a:buNone/>
             </a:pPr>
             <a:r>
               <a:rPr lang="en-US" dirty="0" smtClean="0"/>
-              <a:t>for </a:t>
-            </a:r>
-            <a:r>
-              <a:rPr lang="en-US" dirty="0" err="1" smtClean="0"/>
-              <a:t>i</a:t>
-            </a:r>
-            <a:r>
-              <a:rPr lang="en-US" dirty="0" smtClean="0"/>
-              <a:t> in range(</a:t>
-            </a:r>
-            <a:r>
-              <a:rPr lang="en-US" dirty="0" err="1" smtClean="0"/>
-              <a:t>len</a:t>
-            </a:r>
-            <a:r>
-              <a:rPr lang="en-US" dirty="0" smtClean="0"/>
-              <a:t>(string)):</a:t>
-            </a:r>
-          </a:p>
-          <a:p>
-            <a:pPr marL="914400" lvl="2" indent="0">
+              <a:t>Return the average value of num1 and num2</a:t>
+            </a:r>
+          </a:p>
+          <a:p>
+            <a:pPr marL="800100" lvl="2" indent="0">
               <a:buNone/>
             </a:pPr>
             <a:r>
-              <a:rPr lang="en-US" dirty="0"/>
-              <a:t>p</a:t>
-            </a:r>
-            <a:r>
               <a:rPr lang="en-US" dirty="0" smtClean="0"/>
-              <a:t>rint(string[</a:t>
+              <a:t>&gt;&gt;&gt;</a:t>
             </a:r>
             <a:r>
               <a:rPr lang="en-US" dirty="0" err="1" smtClean="0"/>
-              <a:t>i</a:t>
+              <a:t>avg</a:t>
             </a:r>
             <a:r>
               <a:rPr lang="en-US" dirty="0" smtClean="0"/>
-              <a:t>])</a:t>
-            </a:r>
-          </a:p>
-          <a:p>
+              <a:t>(3,5)</a:t>
+            </a:r>
+          </a:p>
+          <a:p>
+            <a:pPr marL="800100" lvl="2" indent="0">
+              <a:buNone/>
+            </a:pPr>
             <a:r>
               <a:rPr lang="en-US" dirty="0" smtClean="0"/>
-              <a:t>While loop</a:t>
-            </a:r>
-          </a:p>
-          <a:p>
-            <a:pPr lvl="1"/>
-            <a:r>
-              <a:rPr lang="en-US" dirty="0" err="1" smtClean="0"/>
-              <a:t>int</a:t>
-            </a:r>
+              <a:t>4</a:t>
+            </a:r>
+          </a:p>
+          <a:p>
+            <a:pPr marL="400050" lvl="1" indent="0">
+              <a:buNone/>
+            </a:pPr>
             <a:r>
               <a:rPr lang="en-US" dirty="0" smtClean="0"/>
-              <a:t> </a:t>
-            </a:r>
-            <a:r>
-              <a:rPr lang="en-US" dirty="0" err="1" smtClean="0"/>
-              <a:t>i</a:t>
+              <a:t>	“””</a:t>
+            </a:r>
+          </a:p>
+          <a:p>
+            <a:r>
+              <a:rPr lang="is-IS" dirty="0" smtClean="0"/>
+              <a:t> Bool function </a:t>
             </a:r>
             <a:r>
               <a:rPr lang="en-US" dirty="0" smtClean="0"/>
-              <a:t> = 0</a:t>
-            </a:r>
-          </a:p>
-          <a:p>
-            <a:pPr lvl="1"/>
-            <a:r>
-              <a:rPr lang="en-US" dirty="0" smtClean="0"/>
-              <a:t>while </a:t>
-            </a:r>
-            <a:r>
-              <a:rPr lang="en-US" dirty="0" err="1" smtClean="0"/>
-              <a:t>i</a:t>
-            </a:r>
-            <a:r>
-              <a:rPr lang="en-US" dirty="0" smtClean="0"/>
-              <a:t> &lt; </a:t>
-            </a:r>
-            <a:r>
-              <a:rPr lang="en-US" dirty="0" err="1" smtClean="0"/>
-              <a:t>len</a:t>
-            </a:r>
-            <a:r>
-              <a:rPr lang="en-US" dirty="0" smtClean="0"/>
-              <a:t>(string):</a:t>
-            </a:r>
-          </a:p>
-          <a:p>
-            <a:pPr lvl="2"/>
-            <a:r>
-              <a:rPr lang="en-US" dirty="0" smtClean="0"/>
-              <a:t>print string[</a:t>
-            </a:r>
-            <a:r>
-              <a:rPr lang="en-US" dirty="0" err="1" smtClean="0"/>
-              <a:t>i</a:t>
-            </a:r>
-            <a:r>
-              <a:rPr lang="en-US" dirty="0" smtClean="0"/>
-              <a:t>]</a:t>
-            </a:r>
-          </a:p>
-          <a:p>
-            <a:pPr lvl="2"/>
-            <a:r>
-              <a:rPr lang="en-US" dirty="0" err="1" smtClean="0"/>
-              <a:t>i</a:t>
-            </a:r>
-            <a:r>
-              <a:rPr lang="en-US" dirty="0" smtClean="0"/>
-              <a:t>++</a:t>
+              <a:t>(no-if required)</a:t>
+            </a:r>
+            <a:endParaRPr lang="is-IS" dirty="0" smtClean="0"/>
+          </a:p>
+          <a:p>
+            <a:r>
+              <a:rPr lang="is-IS" dirty="0" smtClean="0"/>
+              <a:t>Function-reuse</a:t>
             </a:r>
           </a:p>
         </p:txBody>
@@ -10180,20 +15599,20 @@
     </p:spTree>
     <p:extLst>
       <p:ext uri="{BB962C8B-B14F-4D97-AF65-F5344CB8AC3E}">
-        <p14:creationId xmlns:p14="http://schemas.microsoft.com/office/powerpoint/2010/main" val="301197161"/>
+        <p14:creationId xmlns:p14="http://schemas.microsoft.com/office/powerpoint/2010/main" val="1533983001"/>
       </p:ext>
     </p:extLst>
   </p:cSld>
   <p:clrMapOvr>
     <a:masterClrMapping/>
   </p:clrMapOvr>
-  <mc:AlternateContent xmlns:mc="http://schemas.openxmlformats.org/markup-compatibility/2006">
-    <mc:Choice xmlns:p15="http://schemas.microsoft.com/office/powerpoint/2012/main" Requires="p15">
-      <p:transition xmlns:p14="http://schemas.microsoft.com/office/powerpoint/2010/main" spd="slow" p14:dur="1250">
-        <p15:prstTrans prst="airplane"/>
+  <mc:AlternateContent xmlns:mc="http://schemas.openxmlformats.org/markup-compatibility/2006" xmlns:p15="http://schemas.microsoft.com/office/powerpoint/2012/main">
+    <mc:Choice Requires="p15">
+      <p:transition xmlns:p14="http://schemas.microsoft.com/office/powerpoint/2010/main" spd="slow" p14:dur="2000">
+        <p15:prstTrans prst="drape"/>
       </p:transition>
     </mc:Choice>
-    <mc:Fallback>
+    <mc:Fallback xmlns="">
       <p:transition spd="slow">
         <p:fade/>
       </p:transition>
@@ -10202,7 +15621,794 @@
   <p:timing>
     <p:tnLst>
       <p:par>
-        <p:cTn id="1" dur="indefinite" restart="never" nodeType="tmRoot"/>
+        <p:cTn id="1" dur="indefinite" restart="never" nodeType="tmRoot">
+          <p:childTnLst>
+            <p:seq concurrent="1" nextAc="seek">
+              <p:cTn id="2" dur="indefinite" nodeType="mainSeq">
+                <p:childTnLst>
+                  <p:par>
+                    <p:cTn id="3" fill="hold">
+                      <p:stCondLst>
+                        <p:cond delay="indefinite"/>
+                      </p:stCondLst>
+                      <p:childTnLst>
+                        <p:par>
+                          <p:cTn id="4" fill="hold">
+                            <p:stCondLst>
+                              <p:cond delay="0"/>
+                            </p:stCondLst>
+                            <p:childTnLst>
+                              <p:par>
+                                <p:cTn id="5" presetID="12" presetClass="entr" presetSubtype="4" fill="hold" nodeType="clickEffect">
+                                  <p:stCondLst>
+                                    <p:cond delay="0"/>
+                                  </p:stCondLst>
+                                  <p:childTnLst>
+                                    <p:set>
+                                      <p:cBhvr>
+                                        <p:cTn id="6" dur="1" fill="hold">
+                                          <p:stCondLst>
+                                            <p:cond delay="0"/>
+                                          </p:stCondLst>
+                                        </p:cTn>
+                                        <p:tgtEl>
+                                          <p:spTgt spid="3">
+                                            <p:txEl>
+                                              <p:pRg st="0" end="0"/>
+                                            </p:txEl>
+                                          </p:spTgt>
+                                        </p:tgtEl>
+                                        <p:attrNameLst>
+                                          <p:attrName>style.visibility</p:attrName>
+                                        </p:attrNameLst>
+                                      </p:cBhvr>
+                                      <p:to>
+                                        <p:strVal val="visible"/>
+                                      </p:to>
+                                    </p:set>
+                                    <p:anim calcmode="lin" valueType="num">
+                                      <p:cBhvr additive="base">
+                                        <p:cTn id="7" dur="500"/>
+                                        <p:tgtEl>
+                                          <p:spTgt spid="3">
+                                            <p:txEl>
+                                              <p:pRg st="0" end="0"/>
+                                            </p:txEl>
+                                          </p:spTgt>
+                                        </p:tgtEl>
+                                        <p:attrNameLst>
+                                          <p:attrName>ppt_y</p:attrName>
+                                        </p:attrNameLst>
+                                      </p:cBhvr>
+                                      <p:tavLst>
+                                        <p:tav tm="0">
+                                          <p:val>
+                                            <p:strVal val="#ppt_y+#ppt_h*1.125000"/>
+                                          </p:val>
+                                        </p:tav>
+                                        <p:tav tm="100000">
+                                          <p:val>
+                                            <p:strVal val="#ppt_y"/>
+                                          </p:val>
+                                        </p:tav>
+                                      </p:tavLst>
+                                    </p:anim>
+                                    <p:animEffect transition="in" filter="wipe(up)">
+                                      <p:cBhvr>
+                                        <p:cTn id="8" dur="500"/>
+                                        <p:tgtEl>
+                                          <p:spTgt spid="3">
+                                            <p:txEl>
+                                              <p:pRg st="0" end="0"/>
+                                            </p:txEl>
+                                          </p:spTgt>
+                                        </p:tgtEl>
+                                      </p:cBhvr>
+                                    </p:animEffect>
+                                  </p:childTnLst>
+                                </p:cTn>
+                              </p:par>
+                              <p:par>
+                                <p:cTn id="9" presetID="12" presetClass="entr" presetSubtype="4" fill="hold" nodeType="withEffect">
+                                  <p:stCondLst>
+                                    <p:cond delay="0"/>
+                                  </p:stCondLst>
+                                  <p:childTnLst>
+                                    <p:set>
+                                      <p:cBhvr>
+                                        <p:cTn id="10" dur="1" fill="hold">
+                                          <p:stCondLst>
+                                            <p:cond delay="0"/>
+                                          </p:stCondLst>
+                                        </p:cTn>
+                                        <p:tgtEl>
+                                          <p:spTgt spid="3">
+                                            <p:txEl>
+                                              <p:pRg st="1" end="1"/>
+                                            </p:txEl>
+                                          </p:spTgt>
+                                        </p:tgtEl>
+                                        <p:attrNameLst>
+                                          <p:attrName>style.visibility</p:attrName>
+                                        </p:attrNameLst>
+                                      </p:cBhvr>
+                                      <p:to>
+                                        <p:strVal val="visible"/>
+                                      </p:to>
+                                    </p:set>
+                                    <p:anim calcmode="lin" valueType="num">
+                                      <p:cBhvr additive="base">
+                                        <p:cTn id="11" dur="500"/>
+                                        <p:tgtEl>
+                                          <p:spTgt spid="3">
+                                            <p:txEl>
+                                              <p:pRg st="1" end="1"/>
+                                            </p:txEl>
+                                          </p:spTgt>
+                                        </p:tgtEl>
+                                        <p:attrNameLst>
+                                          <p:attrName>ppt_y</p:attrName>
+                                        </p:attrNameLst>
+                                      </p:cBhvr>
+                                      <p:tavLst>
+                                        <p:tav tm="0">
+                                          <p:val>
+                                            <p:strVal val="#ppt_y+#ppt_h*1.125000"/>
+                                          </p:val>
+                                        </p:tav>
+                                        <p:tav tm="100000">
+                                          <p:val>
+                                            <p:strVal val="#ppt_y"/>
+                                          </p:val>
+                                        </p:tav>
+                                      </p:tavLst>
+                                    </p:anim>
+                                    <p:animEffect transition="in" filter="wipe(up)">
+                                      <p:cBhvr>
+                                        <p:cTn id="12" dur="500"/>
+                                        <p:tgtEl>
+                                          <p:spTgt spid="3">
+                                            <p:txEl>
+                                              <p:pRg st="1" end="1"/>
+                                            </p:txEl>
+                                          </p:spTgt>
+                                        </p:tgtEl>
+                                      </p:cBhvr>
+                                    </p:animEffect>
+                                  </p:childTnLst>
+                                </p:cTn>
+                              </p:par>
+                            </p:childTnLst>
+                          </p:cTn>
+                        </p:par>
+                      </p:childTnLst>
+                    </p:cTn>
+                  </p:par>
+                  <p:par>
+                    <p:cTn id="13" fill="hold">
+                      <p:stCondLst>
+                        <p:cond delay="indefinite"/>
+                      </p:stCondLst>
+                      <p:childTnLst>
+                        <p:par>
+                          <p:cTn id="14" fill="hold">
+                            <p:stCondLst>
+                              <p:cond delay="0"/>
+                            </p:stCondLst>
+                            <p:childTnLst>
+                              <p:par>
+                                <p:cTn id="15" presetID="14" presetClass="entr" presetSubtype="10" fill="hold" nodeType="clickEffect">
+                                  <p:stCondLst>
+                                    <p:cond delay="0"/>
+                                  </p:stCondLst>
+                                  <p:childTnLst>
+                                    <p:set>
+                                      <p:cBhvr>
+                                        <p:cTn id="16" dur="1" fill="hold">
+                                          <p:stCondLst>
+                                            <p:cond delay="0"/>
+                                          </p:stCondLst>
+                                        </p:cTn>
+                                        <p:tgtEl>
+                                          <p:spTgt spid="3">
+                                            <p:txEl>
+                                              <p:pRg st="2" end="2"/>
+                                            </p:txEl>
+                                          </p:spTgt>
+                                        </p:tgtEl>
+                                        <p:attrNameLst>
+                                          <p:attrName>style.visibility</p:attrName>
+                                        </p:attrNameLst>
+                                      </p:cBhvr>
+                                      <p:to>
+                                        <p:strVal val="visible"/>
+                                      </p:to>
+                                    </p:set>
+                                    <p:animEffect transition="in" filter="randombar(horizontal)">
+                                      <p:cBhvr>
+                                        <p:cTn id="17" dur="500"/>
+                                        <p:tgtEl>
+                                          <p:spTgt spid="3">
+                                            <p:txEl>
+                                              <p:pRg st="2" end="2"/>
+                                            </p:txEl>
+                                          </p:spTgt>
+                                        </p:tgtEl>
+                                      </p:cBhvr>
+                                    </p:animEffect>
+                                  </p:childTnLst>
+                                </p:cTn>
+                              </p:par>
+                            </p:childTnLst>
+                          </p:cTn>
+                        </p:par>
+                      </p:childTnLst>
+                    </p:cTn>
+                  </p:par>
+                  <p:par>
+                    <p:cTn id="18" fill="hold">
+                      <p:stCondLst>
+                        <p:cond delay="indefinite"/>
+                      </p:stCondLst>
+                      <p:childTnLst>
+                        <p:par>
+                          <p:cTn id="19" fill="hold">
+                            <p:stCondLst>
+                              <p:cond delay="0"/>
+                            </p:stCondLst>
+                            <p:childTnLst>
+                              <p:par>
+                                <p:cTn id="20" presetID="6" presetClass="entr" presetSubtype="16" fill="hold" nodeType="clickEffect">
+                                  <p:stCondLst>
+                                    <p:cond delay="0"/>
+                                  </p:stCondLst>
+                                  <p:childTnLst>
+                                    <p:set>
+                                      <p:cBhvr>
+                                        <p:cTn id="21" dur="1" fill="hold">
+                                          <p:stCondLst>
+                                            <p:cond delay="0"/>
+                                          </p:stCondLst>
+                                        </p:cTn>
+                                        <p:tgtEl>
+                                          <p:spTgt spid="3">
+                                            <p:txEl>
+                                              <p:pRg st="3" end="3"/>
+                                            </p:txEl>
+                                          </p:spTgt>
+                                        </p:tgtEl>
+                                        <p:attrNameLst>
+                                          <p:attrName>style.visibility</p:attrName>
+                                        </p:attrNameLst>
+                                      </p:cBhvr>
+                                      <p:to>
+                                        <p:strVal val="visible"/>
+                                      </p:to>
+                                    </p:set>
+                                    <p:animEffect transition="in" filter="circle(in)">
+                                      <p:cBhvr>
+                                        <p:cTn id="22" dur="2000"/>
+                                        <p:tgtEl>
+                                          <p:spTgt spid="3">
+                                            <p:txEl>
+                                              <p:pRg st="3" end="3"/>
+                                            </p:txEl>
+                                          </p:spTgt>
+                                        </p:tgtEl>
+                                      </p:cBhvr>
+                                    </p:animEffect>
+                                  </p:childTnLst>
+                                </p:cTn>
+                              </p:par>
+                            </p:childTnLst>
+                          </p:cTn>
+                        </p:par>
+                      </p:childTnLst>
+                    </p:cTn>
+                  </p:par>
+                  <p:par>
+                    <p:cTn id="23" fill="hold">
+                      <p:stCondLst>
+                        <p:cond delay="indefinite"/>
+                      </p:stCondLst>
+                      <p:childTnLst>
+                        <p:par>
+                          <p:cTn id="24" fill="hold">
+                            <p:stCondLst>
+                              <p:cond delay="0"/>
+                            </p:stCondLst>
+                            <p:childTnLst>
+                              <p:par>
+                                <p:cTn id="25" presetID="14" presetClass="entr" presetSubtype="10" fill="hold" nodeType="clickEffect">
+                                  <p:stCondLst>
+                                    <p:cond delay="0"/>
+                                  </p:stCondLst>
+                                  <p:childTnLst>
+                                    <p:set>
+                                      <p:cBhvr>
+                                        <p:cTn id="26" dur="1" fill="hold">
+                                          <p:stCondLst>
+                                            <p:cond delay="0"/>
+                                          </p:stCondLst>
+                                        </p:cTn>
+                                        <p:tgtEl>
+                                          <p:spTgt spid="3">
+                                            <p:txEl>
+                                              <p:pRg st="3" end="3"/>
+                                            </p:txEl>
+                                          </p:spTgt>
+                                        </p:tgtEl>
+                                        <p:attrNameLst>
+                                          <p:attrName>style.visibility</p:attrName>
+                                        </p:attrNameLst>
+                                      </p:cBhvr>
+                                      <p:to>
+                                        <p:strVal val="visible"/>
+                                      </p:to>
+                                    </p:set>
+                                    <p:animEffect transition="in" filter="randombar(horizontal)">
+                                      <p:cBhvr>
+                                        <p:cTn id="27" dur="500"/>
+                                        <p:tgtEl>
+                                          <p:spTgt spid="3">
+                                            <p:txEl>
+                                              <p:pRg st="3" end="3"/>
+                                            </p:txEl>
+                                          </p:spTgt>
+                                        </p:tgtEl>
+                                      </p:cBhvr>
+                                    </p:animEffect>
+                                  </p:childTnLst>
+                                </p:cTn>
+                              </p:par>
+                            </p:childTnLst>
+                          </p:cTn>
+                        </p:par>
+                      </p:childTnLst>
+                    </p:cTn>
+                  </p:par>
+                  <p:par>
+                    <p:cTn id="28" fill="hold">
+                      <p:stCondLst>
+                        <p:cond delay="indefinite"/>
+                      </p:stCondLst>
+                      <p:childTnLst>
+                        <p:par>
+                          <p:cTn id="29" fill="hold">
+                            <p:stCondLst>
+                              <p:cond delay="0"/>
+                            </p:stCondLst>
+                            <p:childTnLst>
+                              <p:par>
+                                <p:cTn id="30" presetID="14" presetClass="entr" presetSubtype="10" fill="hold" nodeType="clickEffect">
+                                  <p:stCondLst>
+                                    <p:cond delay="0"/>
+                                  </p:stCondLst>
+                                  <p:childTnLst>
+                                    <p:set>
+                                      <p:cBhvr>
+                                        <p:cTn id="31" dur="1" fill="hold">
+                                          <p:stCondLst>
+                                            <p:cond delay="0"/>
+                                          </p:stCondLst>
+                                        </p:cTn>
+                                        <p:tgtEl>
+                                          <p:spTgt spid="3">
+                                            <p:txEl>
+                                              <p:pRg st="4" end="4"/>
+                                            </p:txEl>
+                                          </p:spTgt>
+                                        </p:tgtEl>
+                                        <p:attrNameLst>
+                                          <p:attrName>style.visibility</p:attrName>
+                                        </p:attrNameLst>
+                                      </p:cBhvr>
+                                      <p:to>
+                                        <p:strVal val="visible"/>
+                                      </p:to>
+                                    </p:set>
+                                    <p:animEffect transition="in" filter="randombar(horizontal)">
+                                      <p:cBhvr>
+                                        <p:cTn id="32" dur="500"/>
+                                        <p:tgtEl>
+                                          <p:spTgt spid="3">
+                                            <p:txEl>
+                                              <p:pRg st="4" end="4"/>
+                                            </p:txEl>
+                                          </p:spTgt>
+                                        </p:tgtEl>
+                                      </p:cBhvr>
+                                    </p:animEffect>
+                                  </p:childTnLst>
+                                </p:cTn>
+                              </p:par>
+                              <p:par>
+                                <p:cTn id="33" presetID="14" presetClass="entr" presetSubtype="10" fill="hold" nodeType="withEffect">
+                                  <p:stCondLst>
+                                    <p:cond delay="0"/>
+                                  </p:stCondLst>
+                                  <p:childTnLst>
+                                    <p:set>
+                                      <p:cBhvr>
+                                        <p:cTn id="34" dur="1" fill="hold">
+                                          <p:stCondLst>
+                                            <p:cond delay="0"/>
+                                          </p:stCondLst>
+                                        </p:cTn>
+                                        <p:tgtEl>
+                                          <p:spTgt spid="3">
+                                            <p:txEl>
+                                              <p:pRg st="5" end="5"/>
+                                            </p:txEl>
+                                          </p:spTgt>
+                                        </p:tgtEl>
+                                        <p:attrNameLst>
+                                          <p:attrName>style.visibility</p:attrName>
+                                        </p:attrNameLst>
+                                      </p:cBhvr>
+                                      <p:to>
+                                        <p:strVal val="visible"/>
+                                      </p:to>
+                                    </p:set>
+                                    <p:animEffect transition="in" filter="randombar(horizontal)">
+                                      <p:cBhvr>
+                                        <p:cTn id="35" dur="500"/>
+                                        <p:tgtEl>
+                                          <p:spTgt spid="3">
+                                            <p:txEl>
+                                              <p:pRg st="5" end="5"/>
+                                            </p:txEl>
+                                          </p:spTgt>
+                                        </p:tgtEl>
+                                      </p:cBhvr>
+                                    </p:animEffect>
+                                  </p:childTnLst>
+                                </p:cTn>
+                              </p:par>
+                              <p:par>
+                                <p:cTn id="36" presetID="14" presetClass="entr" presetSubtype="10" fill="hold" nodeType="withEffect">
+                                  <p:stCondLst>
+                                    <p:cond delay="0"/>
+                                  </p:stCondLst>
+                                  <p:childTnLst>
+                                    <p:set>
+                                      <p:cBhvr>
+                                        <p:cTn id="37" dur="1" fill="hold">
+                                          <p:stCondLst>
+                                            <p:cond delay="0"/>
+                                          </p:stCondLst>
+                                        </p:cTn>
+                                        <p:tgtEl>
+                                          <p:spTgt spid="3">
+                                            <p:txEl>
+                                              <p:pRg st="6" end="6"/>
+                                            </p:txEl>
+                                          </p:spTgt>
+                                        </p:tgtEl>
+                                        <p:attrNameLst>
+                                          <p:attrName>style.visibility</p:attrName>
+                                        </p:attrNameLst>
+                                      </p:cBhvr>
+                                      <p:to>
+                                        <p:strVal val="visible"/>
+                                      </p:to>
+                                    </p:set>
+                                    <p:animEffect transition="in" filter="randombar(horizontal)">
+                                      <p:cBhvr>
+                                        <p:cTn id="38" dur="500"/>
+                                        <p:tgtEl>
+                                          <p:spTgt spid="3">
+                                            <p:txEl>
+                                              <p:pRg st="6" end="6"/>
+                                            </p:txEl>
+                                          </p:spTgt>
+                                        </p:tgtEl>
+                                      </p:cBhvr>
+                                    </p:animEffect>
+                                  </p:childTnLst>
+                                </p:cTn>
+                              </p:par>
+                              <p:par>
+                                <p:cTn id="39" presetID="14" presetClass="entr" presetSubtype="10" fill="hold" nodeType="withEffect">
+                                  <p:stCondLst>
+                                    <p:cond delay="0"/>
+                                  </p:stCondLst>
+                                  <p:childTnLst>
+                                    <p:set>
+                                      <p:cBhvr>
+                                        <p:cTn id="40" dur="1" fill="hold">
+                                          <p:stCondLst>
+                                            <p:cond delay="0"/>
+                                          </p:stCondLst>
+                                        </p:cTn>
+                                        <p:tgtEl>
+                                          <p:spTgt spid="3">
+                                            <p:txEl>
+                                              <p:pRg st="7" end="7"/>
+                                            </p:txEl>
+                                          </p:spTgt>
+                                        </p:tgtEl>
+                                        <p:attrNameLst>
+                                          <p:attrName>style.visibility</p:attrName>
+                                        </p:attrNameLst>
+                                      </p:cBhvr>
+                                      <p:to>
+                                        <p:strVal val="visible"/>
+                                      </p:to>
+                                    </p:set>
+                                    <p:animEffect transition="in" filter="randombar(horizontal)">
+                                      <p:cBhvr>
+                                        <p:cTn id="41" dur="500"/>
+                                        <p:tgtEl>
+                                          <p:spTgt spid="3">
+                                            <p:txEl>
+                                              <p:pRg st="7" end="7"/>
+                                            </p:txEl>
+                                          </p:spTgt>
+                                        </p:tgtEl>
+                                      </p:cBhvr>
+                                    </p:animEffect>
+                                  </p:childTnLst>
+                                </p:cTn>
+                              </p:par>
+                              <p:par>
+                                <p:cTn id="42" presetID="14" presetClass="entr" presetSubtype="10" fill="hold" nodeType="withEffect">
+                                  <p:stCondLst>
+                                    <p:cond delay="0"/>
+                                  </p:stCondLst>
+                                  <p:childTnLst>
+                                    <p:set>
+                                      <p:cBhvr>
+                                        <p:cTn id="43" dur="1" fill="hold">
+                                          <p:stCondLst>
+                                            <p:cond delay="0"/>
+                                          </p:stCondLst>
+                                        </p:cTn>
+                                        <p:tgtEl>
+                                          <p:spTgt spid="3">
+                                            <p:txEl>
+                                              <p:pRg st="8" end="8"/>
+                                            </p:txEl>
+                                          </p:spTgt>
+                                        </p:tgtEl>
+                                        <p:attrNameLst>
+                                          <p:attrName>style.visibility</p:attrName>
+                                        </p:attrNameLst>
+                                      </p:cBhvr>
+                                      <p:to>
+                                        <p:strVal val="visible"/>
+                                      </p:to>
+                                    </p:set>
+                                    <p:animEffect transition="in" filter="randombar(horizontal)">
+                                      <p:cBhvr>
+                                        <p:cTn id="44" dur="500"/>
+                                        <p:tgtEl>
+                                          <p:spTgt spid="3">
+                                            <p:txEl>
+                                              <p:pRg st="8" end="8"/>
+                                            </p:txEl>
+                                          </p:spTgt>
+                                        </p:tgtEl>
+                                      </p:cBhvr>
+                                    </p:animEffect>
+                                  </p:childTnLst>
+                                </p:cTn>
+                              </p:par>
+                              <p:par>
+                                <p:cTn id="45" presetID="14" presetClass="entr" presetSubtype="10" fill="hold" nodeType="withEffect">
+                                  <p:stCondLst>
+                                    <p:cond delay="0"/>
+                                  </p:stCondLst>
+                                  <p:childTnLst>
+                                    <p:set>
+                                      <p:cBhvr>
+                                        <p:cTn id="46" dur="1" fill="hold">
+                                          <p:stCondLst>
+                                            <p:cond delay="0"/>
+                                          </p:stCondLst>
+                                        </p:cTn>
+                                        <p:tgtEl>
+                                          <p:spTgt spid="3">
+                                            <p:txEl>
+                                              <p:pRg st="9" end="9"/>
+                                            </p:txEl>
+                                          </p:spTgt>
+                                        </p:tgtEl>
+                                        <p:attrNameLst>
+                                          <p:attrName>style.visibility</p:attrName>
+                                        </p:attrNameLst>
+                                      </p:cBhvr>
+                                      <p:to>
+                                        <p:strVal val="visible"/>
+                                      </p:to>
+                                    </p:set>
+                                    <p:animEffect transition="in" filter="randombar(horizontal)">
+                                      <p:cBhvr>
+                                        <p:cTn id="47" dur="500"/>
+                                        <p:tgtEl>
+                                          <p:spTgt spid="3">
+                                            <p:txEl>
+                                              <p:pRg st="9" end="9"/>
+                                            </p:txEl>
+                                          </p:spTgt>
+                                        </p:tgtEl>
+                                      </p:cBhvr>
+                                    </p:animEffect>
+                                  </p:childTnLst>
+                                </p:cTn>
+                              </p:par>
+                              <p:par>
+                                <p:cTn id="48" presetID="14" presetClass="entr" presetSubtype="10" fill="hold" nodeType="withEffect">
+                                  <p:stCondLst>
+                                    <p:cond delay="0"/>
+                                  </p:stCondLst>
+                                  <p:childTnLst>
+                                    <p:set>
+                                      <p:cBhvr>
+                                        <p:cTn id="49" dur="1" fill="hold">
+                                          <p:stCondLst>
+                                            <p:cond delay="0"/>
+                                          </p:stCondLst>
+                                        </p:cTn>
+                                        <p:tgtEl>
+                                          <p:spTgt spid="3">
+                                            <p:txEl>
+                                              <p:pRg st="10" end="10"/>
+                                            </p:txEl>
+                                          </p:spTgt>
+                                        </p:tgtEl>
+                                        <p:attrNameLst>
+                                          <p:attrName>style.visibility</p:attrName>
+                                        </p:attrNameLst>
+                                      </p:cBhvr>
+                                      <p:to>
+                                        <p:strVal val="visible"/>
+                                      </p:to>
+                                    </p:set>
+                                    <p:animEffect transition="in" filter="randombar(horizontal)">
+                                      <p:cBhvr>
+                                        <p:cTn id="50" dur="500"/>
+                                        <p:tgtEl>
+                                          <p:spTgt spid="3">
+                                            <p:txEl>
+                                              <p:pRg st="10" end="10"/>
+                                            </p:txEl>
+                                          </p:spTgt>
+                                        </p:tgtEl>
+                                      </p:cBhvr>
+                                    </p:animEffect>
+                                  </p:childTnLst>
+                                </p:cTn>
+                              </p:par>
+                            </p:childTnLst>
+                          </p:cTn>
+                        </p:par>
+                      </p:childTnLst>
+                    </p:cTn>
+                  </p:par>
+                  <p:par>
+                    <p:cTn id="51" fill="hold">
+                      <p:stCondLst>
+                        <p:cond delay="indefinite"/>
+                      </p:stCondLst>
+                      <p:childTnLst>
+                        <p:par>
+                          <p:cTn id="52" fill="hold">
+                            <p:stCondLst>
+                              <p:cond delay="0"/>
+                            </p:stCondLst>
+                            <p:childTnLst>
+                              <p:par>
+                                <p:cTn id="53" presetID="14" presetClass="entr" presetSubtype="10" fill="hold" nodeType="clickEffect">
+                                  <p:stCondLst>
+                                    <p:cond delay="0"/>
+                                  </p:stCondLst>
+                                  <p:childTnLst>
+                                    <p:set>
+                                      <p:cBhvr>
+                                        <p:cTn id="54" dur="1" fill="hold">
+                                          <p:stCondLst>
+                                            <p:cond delay="0"/>
+                                          </p:stCondLst>
+                                        </p:cTn>
+                                        <p:tgtEl>
+                                          <p:spTgt spid="3">
+                                            <p:txEl>
+                                              <p:pRg st="11" end="11"/>
+                                            </p:txEl>
+                                          </p:spTgt>
+                                        </p:tgtEl>
+                                        <p:attrNameLst>
+                                          <p:attrName>style.visibility</p:attrName>
+                                        </p:attrNameLst>
+                                      </p:cBhvr>
+                                      <p:to>
+                                        <p:strVal val="visible"/>
+                                      </p:to>
+                                    </p:set>
+                                    <p:animEffect transition="in" filter="randombar(horizontal)">
+                                      <p:cBhvr>
+                                        <p:cTn id="55" dur="500"/>
+                                        <p:tgtEl>
+                                          <p:spTgt spid="3">
+                                            <p:txEl>
+                                              <p:pRg st="11" end="11"/>
+                                            </p:txEl>
+                                          </p:spTgt>
+                                        </p:tgtEl>
+                                      </p:cBhvr>
+                                    </p:animEffect>
+                                  </p:childTnLst>
+                                </p:cTn>
+                              </p:par>
+                              <p:par>
+                                <p:cTn id="56" presetID="14" presetClass="entr" presetSubtype="10" fill="hold" nodeType="withEffect">
+                                  <p:stCondLst>
+                                    <p:cond delay="0"/>
+                                  </p:stCondLst>
+                                  <p:childTnLst>
+                                    <p:set>
+                                      <p:cBhvr>
+                                        <p:cTn id="57" dur="1" fill="hold">
+                                          <p:stCondLst>
+                                            <p:cond delay="0"/>
+                                          </p:stCondLst>
+                                        </p:cTn>
+                                        <p:tgtEl>
+                                          <p:spTgt spid="3">
+                                            <p:txEl>
+                                              <p:pRg st="12" end="12"/>
+                                            </p:txEl>
+                                          </p:spTgt>
+                                        </p:tgtEl>
+                                        <p:attrNameLst>
+                                          <p:attrName>style.visibility</p:attrName>
+                                        </p:attrNameLst>
+                                      </p:cBhvr>
+                                      <p:to>
+                                        <p:strVal val="visible"/>
+                                      </p:to>
+                                    </p:set>
+                                    <p:animEffect transition="in" filter="randombar(horizontal)">
+                                      <p:cBhvr>
+                                        <p:cTn id="58" dur="500"/>
+                                        <p:tgtEl>
+                                          <p:spTgt spid="3">
+                                            <p:txEl>
+                                              <p:pRg st="12" end="12"/>
+                                            </p:txEl>
+                                          </p:spTgt>
+                                        </p:tgtEl>
+                                      </p:cBhvr>
+                                    </p:animEffect>
+                                  </p:childTnLst>
+                                </p:cTn>
+                              </p:par>
+                            </p:childTnLst>
+                          </p:cTn>
+                        </p:par>
+                      </p:childTnLst>
+                    </p:cTn>
+                  </p:par>
+                </p:childTnLst>
+              </p:cTn>
+              <p:prevCondLst>
+                <p:cond evt="onPrev" delay="0">
+                  <p:tgtEl>
+                    <p:sldTgt/>
+                  </p:tgtEl>
+                </p:cond>
+              </p:prevCondLst>
+              <p:nextCondLst>
+                <p:cond evt="onNext" delay="0">
+                  <p:tgtEl>
+                    <p:sldTgt/>
+                  </p:tgtEl>
+                </p:cond>
+              </p:nextCondLst>
+            </p:seq>
+          </p:childTnLst>
+        </p:cTn>
       </p:par>
     </p:tnLst>
   </p:timing>

--- a/Lecture.pptx
+++ b/Lecture.pptx
@@ -314,7 +314,7 @@
             <a:fld id="{87DE6118-2437-4B30-8E3C-4D2BE6020583}" type="datetimeFigureOut">
               <a:rPr lang="en-US" smtClean="0"/>
               <a:pPr/>
-              <a:t>9/22/16</a:t>
+              <a:t>9/24/16</a:t>
             </a:fld>
             <a:endParaRPr lang="en-US" dirty="0"/>
           </a:p>
@@ -659,7 +659,7 @@
             <a:fld id="{87DE6118-2437-4B30-8E3C-4D2BE6020583}" type="datetimeFigureOut">
               <a:rPr lang="en-US" smtClean="0"/>
               <a:pPr/>
-              <a:t>9/22/16</a:t>
+              <a:t>9/24/16</a:t>
             </a:fld>
             <a:endParaRPr lang="en-US" dirty="0"/>
           </a:p>
@@ -1062,7 +1062,7 @@
             <a:fld id="{87DE6118-2437-4B30-8E3C-4D2BE6020583}" type="datetimeFigureOut">
               <a:rPr lang="en-US" smtClean="0"/>
               <a:pPr/>
-              <a:t>9/22/16</a:t>
+              <a:t>9/24/16</a:t>
             </a:fld>
             <a:endParaRPr lang="en-US" dirty="0"/>
           </a:p>
@@ -1399,7 +1399,7 @@
             <a:fld id="{87DE6118-2437-4B30-8E3C-4D2BE6020583}" type="datetimeFigureOut">
               <a:rPr lang="en-US" smtClean="0"/>
               <a:pPr/>
-              <a:t>9/22/16</a:t>
+              <a:t>9/24/16</a:t>
             </a:fld>
             <a:endParaRPr lang="en-US" dirty="0"/>
           </a:p>
@@ -1721,7 +1721,7 @@
             <a:fld id="{87DE6118-2437-4B30-8E3C-4D2BE6020583}" type="datetimeFigureOut">
               <a:rPr lang="en-US" smtClean="0"/>
               <a:pPr/>
-              <a:t>9/22/16</a:t>
+              <a:t>9/24/16</a:t>
             </a:fld>
             <a:endParaRPr lang="en-US" dirty="0"/>
           </a:p>
@@ -2119,7 +2119,7 @@
             <a:fld id="{87DE6118-2437-4B30-8E3C-4D2BE6020583}" type="datetimeFigureOut">
               <a:rPr lang="en-US" smtClean="0"/>
               <a:pPr/>
-              <a:t>9/22/16</a:t>
+              <a:t>9/24/16</a:t>
             </a:fld>
             <a:endParaRPr lang="en-US" dirty="0"/>
           </a:p>
@@ -2377,7 +2377,7 @@
           <a:p>
             <a:fld id="{87DE6118-2437-4B30-8E3C-4D2BE6020583}" type="datetimeFigureOut">
               <a:rPr lang="en-US" smtClean="0"/>
-              <a:t>9/22/16</a:t>
+              <a:t>9/24/16</a:t>
             </a:fld>
             <a:endParaRPr lang="en-US" dirty="0"/>
           </a:p>
@@ -2639,7 +2639,7 @@
           <a:p>
             <a:fld id="{87DE6118-2437-4B30-8E3C-4D2BE6020583}" type="datetimeFigureOut">
               <a:rPr lang="en-US" smtClean="0"/>
-              <a:t>9/22/16</a:t>
+              <a:t>9/24/16</a:t>
             </a:fld>
             <a:endParaRPr lang="en-US" dirty="0"/>
           </a:p>
@@ -2901,7 +2901,7 @@
           <a:p>
             <a:fld id="{87DE6118-2437-4B30-8E3C-4D2BE6020583}" type="datetimeFigureOut">
               <a:rPr lang="en-US" smtClean="0"/>
-              <a:t>9/22/16</a:t>
+              <a:t>9/24/16</a:t>
             </a:fld>
             <a:endParaRPr lang="en-US" dirty="0"/>
           </a:p>
@@ -3231,7 +3231,7 @@
             <a:fld id="{87DE6118-2437-4B30-8E3C-4D2BE6020583}" type="datetimeFigureOut">
               <a:rPr lang="en-US" smtClean="0"/>
               <a:pPr/>
-              <a:t>9/22/16</a:t>
+              <a:t>9/24/16</a:t>
             </a:fld>
             <a:endParaRPr lang="en-US" dirty="0"/>
           </a:p>
@@ -3555,7 +3555,7 @@
           <a:p>
             <a:fld id="{87DE6118-2437-4B30-8E3C-4D2BE6020583}" type="datetimeFigureOut">
               <a:rPr lang="en-US" smtClean="0"/>
-              <a:t>9/22/16</a:t>
+              <a:t>9/24/16</a:t>
             </a:fld>
             <a:endParaRPr lang="en-US" dirty="0"/>
           </a:p>
@@ -4017,7 +4017,7 @@
           <a:p>
             <a:fld id="{87DE6118-2437-4B30-8E3C-4D2BE6020583}" type="datetimeFigureOut">
               <a:rPr lang="en-US" smtClean="0"/>
-              <a:t>9/22/16</a:t>
+              <a:t>9/24/16</a:t>
             </a:fld>
             <a:endParaRPr lang="en-US" dirty="0"/>
           </a:p>
@@ -4227,7 +4227,7 @@
           <a:p>
             <a:fld id="{87DE6118-2437-4B30-8E3C-4D2BE6020583}" type="datetimeFigureOut">
               <a:rPr lang="en-US" smtClean="0"/>
-              <a:t>9/22/16</a:t>
+              <a:t>9/24/16</a:t>
             </a:fld>
             <a:endParaRPr lang="en-US" dirty="0"/>
           </a:p>
@@ -4404,7 +4404,7 @@
           <a:p>
             <a:fld id="{87DE6118-2437-4B30-8E3C-4D2BE6020583}" type="datetimeFigureOut">
               <a:rPr lang="en-US" smtClean="0"/>
-              <a:t>9/22/16</a:t>
+              <a:t>9/24/16</a:t>
             </a:fld>
             <a:endParaRPr lang="en-US" dirty="0"/>
           </a:p>
@@ -4743,7 +4743,7 @@
             <a:fld id="{87DE6118-2437-4B30-8E3C-4D2BE6020583}" type="datetimeFigureOut">
               <a:rPr lang="en-US" smtClean="0"/>
               <a:pPr/>
-              <a:t>9/22/16</a:t>
+              <a:t>9/24/16</a:t>
             </a:fld>
             <a:endParaRPr lang="en-US" dirty="0"/>
           </a:p>
@@ -5095,7 +5095,7 @@
             <a:fld id="{87DE6118-2437-4B30-8E3C-4D2BE6020583}" type="datetimeFigureOut">
               <a:rPr lang="en-US" smtClean="0"/>
               <a:pPr/>
-              <a:t>9/22/16</a:t>
+              <a:t>9/24/16</a:t>
             </a:fld>
             <a:endParaRPr lang="en-US" dirty="0"/>
           </a:p>
@@ -7214,7 +7214,7 @@
             <a:fld id="{87DE6118-2437-4B30-8E3C-4D2BE6020583}" type="datetimeFigureOut">
               <a:rPr lang="en-US" smtClean="0"/>
               <a:pPr/>
-              <a:t>9/22/16</a:t>
+              <a:t>9/24/16</a:t>
             </a:fld>
             <a:endParaRPr lang="en-US" dirty="0"/>
           </a:p>
@@ -12360,7 +12360,15 @@
           <a:p>
             <a:r>
               <a:rPr lang="en-US" dirty="0" smtClean="0"/>
-              <a:t>% Modulus:  11 % 3 = 1  </a:t>
+              <a:t>% Modulus:  11 % 3 </a:t>
+            </a:r>
+            <a:r>
+              <a:rPr lang="en-US" smtClean="0"/>
+              <a:t>= </a:t>
+            </a:r>
+            <a:r>
+              <a:rPr lang="en-US" smtClean="0"/>
+              <a:t>2  </a:t>
             </a:r>
             <a:r>
               <a:rPr lang="en-US" dirty="0" smtClean="0">
@@ -14254,7 +14262,7 @@
           <a:p>
             <a:r>
               <a:rPr lang="en-US" dirty="0" smtClean="0"/>
-              <a:t>Code</a:t>
+              <a:t>Built-in Function</a:t>
             </a:r>
             <a:endParaRPr lang="en-US" dirty="0"/>
           </a:p>
@@ -14282,46 +14290,39 @@
           </a:bodyPr>
           <a:lstStyle/>
           <a:p>
+            <a:pPr marL="342900" lvl="1" indent="-342900"/>
             <a:r>
               <a:rPr lang="en-US" dirty="0" smtClean="0"/>
-              <a:t>Built-in Function</a:t>
-            </a:r>
-          </a:p>
-          <a:p>
-            <a:pPr marL="742950" lvl="2" indent="-342900"/>
+              <a:t>p</a:t>
+            </a:r>
+            <a:r>
+              <a:rPr lang="is-IS" dirty="0" smtClean="0"/>
+              <a:t>rint(...)  </a:t>
+            </a:r>
+            <a:endParaRPr lang="en-US" dirty="0" smtClean="0"/>
+          </a:p>
+          <a:p>
+            <a:r>
+              <a:rPr lang="en-US" dirty="0"/>
+              <a:t>m</a:t>
+            </a:r>
+            <a:r>
+              <a:rPr lang="en-US" dirty="0" smtClean="0"/>
+              <a:t>ax(</a:t>
+            </a:r>
+            <a:r>
+              <a:rPr lang="is-IS" dirty="0"/>
+              <a:t>…), min</a:t>
+            </a:r>
+            <a:r>
+              <a:rPr lang="is-IS" dirty="0" smtClean="0"/>
+              <a:t>(....), </a:t>
+            </a:r>
             <a:r>
               <a:rPr lang="en-US" dirty="0"/>
               <a:t>p</a:t>
             </a:r>
             <a:r>
-              <a:rPr lang="is-IS" dirty="0" smtClean="0"/>
-              <a:t>rint(...)  </a:t>
-            </a:r>
-            <a:endParaRPr lang="en-US" dirty="0" smtClean="0"/>
-          </a:p>
-          <a:p>
-            <a:pPr lvl="1"/>
-            <a:r>
-              <a:rPr lang="en-US" dirty="0"/>
-              <a:t>m</a:t>
-            </a:r>
-            <a:r>
-              <a:rPr lang="en-US" dirty="0" smtClean="0"/>
-              <a:t>ax(</a:t>
-            </a:r>
-            <a:r>
-              <a:rPr lang="is-IS" dirty="0"/>
-              <a:t>…), min</a:t>
-            </a:r>
-            <a:r>
-              <a:rPr lang="is-IS" dirty="0" smtClean="0"/>
-              <a:t>(....), </a:t>
-            </a:r>
-            <a:r>
-              <a:rPr lang="en-US" dirty="0"/>
-              <a:t>p</a:t>
-            </a:r>
-            <a:r>
               <a:rPr lang="is-IS" dirty="0"/>
               <a:t>ow</a:t>
             </a:r>
@@ -14343,14 +14344,13 @@
             </a:r>
           </a:p>
           <a:p>
-            <a:pPr lvl="1"/>
             <a:r>
               <a:rPr lang="en-US" dirty="0" smtClean="0"/>
               <a:t>round(..)</a:t>
             </a:r>
           </a:p>
           <a:p>
-            <a:pPr lvl="2"/>
+            <a:pPr lvl="1"/>
             <a:r>
               <a:rPr lang="en-US" dirty="0"/>
               <a:t>r</a:t>
@@ -14361,7 +14361,7 @@
             </a:r>
           </a:p>
           <a:p>
-            <a:pPr lvl="2"/>
+            <a:pPr lvl="1"/>
             <a:r>
               <a:rPr lang="en-US" dirty="0"/>
               <a:t>r</a:t>
@@ -14372,7 +14372,7 @@
             </a:r>
           </a:p>
           <a:p>
-            <a:pPr lvl="2"/>
+            <a:pPr lvl="1"/>
             <a:r>
               <a:rPr lang="en-US" dirty="0"/>
               <a:t>r</a:t>
@@ -14383,7 +14383,7 @@
             </a:r>
           </a:p>
           <a:p>
-            <a:pPr lvl="2"/>
+            <a:pPr lvl="1"/>
             <a:r>
               <a:rPr lang="en-US" dirty="0"/>
               <a:t>r</a:t>
@@ -14394,21 +14394,21 @@
             </a:r>
           </a:p>
           <a:p>
-            <a:pPr lvl="2"/>
+            <a:pPr lvl="1"/>
             <a:r>
               <a:rPr lang="en-US" dirty="0" smtClean="0"/>
               <a:t>Only round up when single digit (the digit before dot) is  an odd number</a:t>
             </a:r>
           </a:p>
           <a:p>
-            <a:pPr lvl="2"/>
+            <a:pPr lvl="1"/>
             <a:r>
               <a:rPr lang="en-US" dirty="0" smtClean="0"/>
               <a:t>round(233.333333, 2) = 233.33</a:t>
             </a:r>
           </a:p>
           <a:p>
-            <a:pPr lvl="2"/>
+            <a:pPr lvl="1"/>
             <a:r>
               <a:rPr lang="en-US" dirty="0"/>
               <a:t>r</a:t>
@@ -14427,7 +14427,7 @@
             </a:r>
           </a:p>
           <a:p>
-            <a:pPr lvl="2"/>
+            <a:pPr lvl="1"/>
             <a:r>
               <a:rPr lang="en-US" dirty="0"/>
               <a:t>round(233.3333, -2 ) = </a:t>
@@ -14446,7 +14446,6 @@
             </a:r>
           </a:p>
           <a:p>
-            <a:pPr lvl="1"/>
             <a:r>
               <a:rPr lang="en-US" dirty="0" err="1" smtClean="0"/>
               <a:t>str</a:t>
@@ -14461,7 +14460,6 @@
             </a:r>
           </a:p>
           <a:p>
-            <a:pPr lvl="1"/>
             <a:r>
               <a:rPr lang="en-US" dirty="0"/>
               <a:t>s</a:t>
@@ -14508,6 +14506,9 @@
                     <p:cTn id="3" fill="hold">
                       <p:stCondLst>
                         <p:cond delay="indefinite"/>
+                        <p:cond evt="onBegin" delay="0">
+                          <p:tn val="2"/>
+                        </p:cond>
                       </p:stCondLst>
                       <p:childTnLst>
                         <p:par>
@@ -14517,7 +14518,7 @@
                             </p:stCondLst>
                             <p:childTnLst>
                               <p:par>
-                                <p:cTn id="5" presetID="12" presetClass="entr" presetSubtype="4" fill="hold" nodeType="clickEffect">
+                                <p:cTn id="5" presetID="12" presetClass="entr" presetSubtype="4" fill="hold" nodeType="withEffect">
                                   <p:stCondLst>
                                     <p:cond delay="0"/>
                                   </p:stCondLst>
@@ -14656,15 +14657,33 @@
                                   </p:childTnLst>
                                 </p:cTn>
                               </p:par>
+                            </p:childTnLst>
+                          </p:cTn>
+                        </p:par>
+                      </p:childTnLst>
+                    </p:cTn>
+                  </p:par>
+                  <p:par>
+                    <p:cTn id="13" fill="hold">
+                      <p:stCondLst>
+                        <p:cond delay="indefinite"/>
+                      </p:stCondLst>
+                      <p:childTnLst>
+                        <p:par>
+                          <p:cTn id="14" fill="hold">
+                            <p:stCondLst>
+                              <p:cond delay="0"/>
+                            </p:stCondLst>
+                            <p:childTnLst>
                               <p:par>
-                                <p:cTn id="13" presetID="12" presetClass="entr" presetSubtype="4" fill="hold" nodeType="withEffect">
+                                <p:cTn id="15" presetID="14" presetClass="entr" presetSubtype="10" fill="hold" nodeType="clickEffect">
                                   <p:stCondLst>
                                     <p:cond delay="0"/>
                                   </p:stCondLst>
                                   <p:childTnLst>
                                     <p:set>
                                       <p:cBhvr>
-                                        <p:cTn id="14" dur="1" fill="hold">
+                                        <p:cTn id="16" dur="1" fill="hold">
                                           <p:stCondLst>
                                             <p:cond delay="0"/>
                                           </p:stCondLst>
@@ -14684,9 +14703,9 @@
                                         <p:strVal val="visible"/>
                                       </p:to>
                                     </p:set>
-                                    <p:anim calcmode="lin" valueType="num">
-                                      <p:cBhvr additive="base">
-                                        <p:cTn id="15" dur="500"/>
+                                    <p:animEffect transition="in" filter="randombar(horizontal)">
+                                      <p:cBhvr>
+                                        <p:cTn id="17" dur="500"/>
                                         <p:tgtEl>
                                           <p:spTgt spid="3">
                                             <p:txEl>
@@ -14694,30 +14713,46 @@
                                             </p:txEl>
                                           </p:spTgt>
                                         </p:tgtEl>
+                                      </p:cBhvr>
+                                    </p:animEffect>
+                                  </p:childTnLst>
+                                </p:cTn>
+                              </p:par>
+                              <p:par>
+                                <p:cTn id="18" presetID="14" presetClass="entr" presetSubtype="10" fill="hold" nodeType="withEffect">
+                                  <p:stCondLst>
+                                    <p:cond delay="0"/>
+                                  </p:stCondLst>
+                                  <p:childTnLst>
+                                    <p:set>
+                                      <p:cBhvr>
+                                        <p:cTn id="19" dur="1" fill="hold">
+                                          <p:stCondLst>
+                                            <p:cond delay="0"/>
+                                          </p:stCondLst>
+                                        </p:cTn>
+                                        <p:tgtEl>
+                                          <p:spTgt spid="3">
+                                            <p:txEl>
+                                              <p:pRg st="3" end="3"/>
+                                            </p:txEl>
+                                          </p:spTgt>
+                                        </p:tgtEl>
                                         <p:attrNameLst>
-                                          <p:attrName>ppt_y</p:attrName>
+                                          <p:attrName>style.visibility</p:attrName>
                                         </p:attrNameLst>
                                       </p:cBhvr>
-                                      <p:tavLst>
-                                        <p:tav tm="0">
-                                          <p:val>
-                                            <p:strVal val="#ppt_y+#ppt_h*1.125000"/>
-                                          </p:val>
-                                        </p:tav>
-                                        <p:tav tm="100000">
-                                          <p:val>
-                                            <p:strVal val="#ppt_y"/>
-                                          </p:val>
-                                        </p:tav>
-                                      </p:tavLst>
-                                    </p:anim>
-                                    <p:animEffect transition="in" filter="wipe(up)">
+                                      <p:to>
+                                        <p:strVal val="visible"/>
+                                      </p:to>
+                                    </p:set>
+                                    <p:animEffect transition="in" filter="randombar(horizontal)">
                                       <p:cBhvr>
-                                        <p:cTn id="16" dur="500"/>
-                                        <p:tgtEl>
-                                          <p:spTgt spid="3">
-                                            <p:txEl>
-                                              <p:pRg st="2" end="2"/>
+                                        <p:cTn id="20" dur="500"/>
+                                        <p:tgtEl>
+                                          <p:spTgt spid="3">
+                                            <p:txEl>
+                                              <p:pRg st="3" end="3"/>
                                             </p:txEl>
                                           </p:spTgt>
                                         </p:tgtEl>
@@ -14733,26 +14768,26 @@
                     </p:cTn>
                   </p:par>
                   <p:par>
-                    <p:cTn id="17" fill="hold">
+                    <p:cTn id="21" fill="hold">
                       <p:stCondLst>
                         <p:cond delay="indefinite"/>
                       </p:stCondLst>
                       <p:childTnLst>
                         <p:par>
-                          <p:cTn id="18" fill="hold">
+                          <p:cTn id="22" fill="hold">
                             <p:stCondLst>
                               <p:cond delay="0"/>
                             </p:stCondLst>
                             <p:childTnLst>
                               <p:par>
-                                <p:cTn id="19" presetID="14" presetClass="entr" presetSubtype="10" fill="hold" nodeType="clickEffect">
+                                <p:cTn id="23" presetID="6" presetClass="entr" presetSubtype="16" fill="hold" nodeType="clickEffect">
                                   <p:stCondLst>
                                     <p:cond delay="0"/>
                                   </p:stCondLst>
                                   <p:childTnLst>
                                     <p:set>
                                       <p:cBhvr>
-                                        <p:cTn id="20" dur="1" fill="hold">
+                                        <p:cTn id="24" dur="1" fill="hold">
                                           <p:stCondLst>
                                             <p:cond delay="0"/>
                                           </p:stCondLst>
@@ -14760,7 +14795,7 @@
                                         <p:tgtEl>
                                           <p:spTgt spid="3">
                                             <p:txEl>
-                                              <p:pRg st="3" end="3"/>
+                                              <p:pRg st="4" end="4"/>
                                             </p:txEl>
                                           </p:spTgt>
                                         </p:tgtEl>
@@ -14772,52 +14807,9 @@
                                         <p:strVal val="visible"/>
                                       </p:to>
                                     </p:set>
-                                    <p:animEffect transition="in" filter="randombar(horizontal)">
+                                    <p:animEffect transition="in" filter="circle(in)">
                                       <p:cBhvr>
-                                        <p:cTn id="21" dur="500"/>
-                                        <p:tgtEl>
-                                          <p:spTgt spid="3">
-                                            <p:txEl>
-                                              <p:pRg st="3" end="3"/>
-                                            </p:txEl>
-                                          </p:spTgt>
-                                        </p:tgtEl>
-                                      </p:cBhvr>
-                                    </p:animEffect>
-                                  </p:childTnLst>
-                                </p:cTn>
-                              </p:par>
-                              <p:par>
-                                <p:cTn id="22" presetID="14" presetClass="entr" presetSubtype="10" fill="hold" nodeType="withEffect">
-                                  <p:stCondLst>
-                                    <p:cond delay="0"/>
-                                  </p:stCondLst>
-                                  <p:childTnLst>
-                                    <p:set>
-                                      <p:cBhvr>
-                                        <p:cTn id="23" dur="1" fill="hold">
-                                          <p:stCondLst>
-                                            <p:cond delay="0"/>
-                                          </p:stCondLst>
-                                        </p:cTn>
-                                        <p:tgtEl>
-                                          <p:spTgt spid="3">
-                                            <p:txEl>
-                                              <p:pRg st="4" end="4"/>
-                                            </p:txEl>
-                                          </p:spTgt>
-                                        </p:tgtEl>
-                                        <p:attrNameLst>
-                                          <p:attrName>style.visibility</p:attrName>
-                                        </p:attrNameLst>
-                                      </p:cBhvr>
-                                      <p:to>
-                                        <p:strVal val="visible"/>
-                                      </p:to>
-                                    </p:set>
-                                    <p:animEffect transition="in" filter="randombar(horizontal)">
-                                      <p:cBhvr>
-                                        <p:cTn id="24" dur="500"/>
+                                        <p:cTn id="25" dur="2000"/>
                                         <p:tgtEl>
                                           <p:spTgt spid="3">
                                             <p:txEl>
@@ -14837,26 +14829,26 @@
                     </p:cTn>
                   </p:par>
                   <p:par>
-                    <p:cTn id="25" fill="hold">
+                    <p:cTn id="26" fill="hold">
                       <p:stCondLst>
                         <p:cond delay="indefinite"/>
                       </p:stCondLst>
                       <p:childTnLst>
                         <p:par>
-                          <p:cTn id="26" fill="hold">
+                          <p:cTn id="27" fill="hold">
                             <p:stCondLst>
                               <p:cond delay="0"/>
                             </p:stCondLst>
                             <p:childTnLst>
                               <p:par>
-                                <p:cTn id="27" presetID="6" presetClass="entr" presetSubtype="16" fill="hold" nodeType="clickEffect">
+                                <p:cTn id="28" presetID="14" presetClass="entr" presetSubtype="10" fill="hold" nodeType="clickEffect">
                                   <p:stCondLst>
                                     <p:cond delay="0"/>
                                   </p:stCondLst>
                                   <p:childTnLst>
                                     <p:set>
                                       <p:cBhvr>
-                                        <p:cTn id="28" dur="1" fill="hold">
+                                        <p:cTn id="29" dur="1" fill="hold">
                                           <p:stCondLst>
                                             <p:cond delay="0"/>
                                           </p:stCondLst>
@@ -14876,9 +14868,9 @@
                                         <p:strVal val="visible"/>
                                       </p:to>
                                     </p:set>
-                                    <p:animEffect transition="in" filter="circle(in)">
+                                    <p:animEffect transition="in" filter="randombar(horizontal)">
                                       <p:cBhvr>
-                                        <p:cTn id="29" dur="2000"/>
+                                        <p:cTn id="30" dur="500"/>
                                         <p:tgtEl>
                                           <p:spTgt spid="3">
                                             <p:txEl>
@@ -14898,26 +14890,26 @@
                     </p:cTn>
                   </p:par>
                   <p:par>
-                    <p:cTn id="30" fill="hold">
+                    <p:cTn id="31" fill="hold">
                       <p:stCondLst>
                         <p:cond delay="indefinite"/>
                       </p:stCondLst>
                       <p:childTnLst>
                         <p:par>
-                          <p:cTn id="31" fill="hold">
+                          <p:cTn id="32" fill="hold">
                             <p:stCondLst>
                               <p:cond delay="0"/>
                             </p:stCondLst>
                             <p:childTnLst>
                               <p:par>
-                                <p:cTn id="32" presetID="14" presetClass="entr" presetSubtype="10" fill="hold" nodeType="clickEffect">
+                                <p:cTn id="33" presetID="14" presetClass="entr" presetSubtype="10" fill="hold" nodeType="clickEffect">
                                   <p:stCondLst>
                                     <p:cond delay="0"/>
                                   </p:stCondLst>
                                   <p:childTnLst>
                                     <p:set>
                                       <p:cBhvr>
-                                        <p:cTn id="33" dur="1" fill="hold">
+                                        <p:cTn id="34" dur="1" fill="hold">
                                           <p:stCondLst>
                                             <p:cond delay="0"/>
                                           </p:stCondLst>
@@ -14939,11 +14931,54 @@
                                     </p:set>
                                     <p:animEffect transition="in" filter="randombar(horizontal)">
                                       <p:cBhvr>
-                                        <p:cTn id="34" dur="500"/>
+                                        <p:cTn id="35" dur="500"/>
                                         <p:tgtEl>
                                           <p:spTgt spid="3">
                                             <p:txEl>
                                               <p:pRg st="6" end="6"/>
+                                            </p:txEl>
+                                          </p:spTgt>
+                                        </p:tgtEl>
+                                      </p:cBhvr>
+                                    </p:animEffect>
+                                  </p:childTnLst>
+                                </p:cTn>
+                              </p:par>
+                              <p:par>
+                                <p:cTn id="36" presetID="14" presetClass="entr" presetSubtype="10" fill="hold" nodeType="withEffect">
+                                  <p:stCondLst>
+                                    <p:cond delay="0"/>
+                                  </p:stCondLst>
+                                  <p:childTnLst>
+                                    <p:set>
+                                      <p:cBhvr>
+                                        <p:cTn id="37" dur="1" fill="hold">
+                                          <p:stCondLst>
+                                            <p:cond delay="0"/>
+                                          </p:stCondLst>
+                                        </p:cTn>
+                                        <p:tgtEl>
+                                          <p:spTgt spid="3">
+                                            <p:txEl>
+                                              <p:pRg st="7" end="7"/>
+                                            </p:txEl>
+                                          </p:spTgt>
+                                        </p:tgtEl>
+                                        <p:attrNameLst>
+                                          <p:attrName>style.visibility</p:attrName>
+                                        </p:attrNameLst>
+                                      </p:cBhvr>
+                                      <p:to>
+                                        <p:strVal val="visible"/>
+                                      </p:to>
+                                    </p:set>
+                                    <p:animEffect transition="in" filter="randombar(horizontal)">
+                                      <p:cBhvr>
+                                        <p:cTn id="38" dur="500"/>
+                                        <p:tgtEl>
+                                          <p:spTgt spid="3">
+                                            <p:txEl>
+                                              <p:pRg st="7" end="7"/>
                                             </p:txEl>
                                           </p:spTgt>
                                         </p:tgtEl>
@@ -14959,26 +14994,26 @@
                     </p:cTn>
                   </p:par>
                   <p:par>
-                    <p:cTn id="35" fill="hold">
+                    <p:cTn id="39" fill="hold">
                       <p:stCondLst>
                         <p:cond delay="indefinite"/>
                       </p:stCondLst>
                       <p:childTnLst>
                         <p:par>
-                          <p:cTn id="36" fill="hold">
+                          <p:cTn id="40" fill="hold">
                             <p:stCondLst>
                               <p:cond delay="0"/>
                             </p:stCondLst>
                             <p:childTnLst>
                               <p:par>
-                                <p:cTn id="37" presetID="14" presetClass="entr" presetSubtype="10" fill="hold" nodeType="clickEffect">
+                                <p:cTn id="41" presetID="14" presetClass="entr" presetSubtype="10" fill="hold" nodeType="clickEffect">
                                   <p:stCondLst>
                                     <p:cond delay="0"/>
                                   </p:stCondLst>
                                   <p:childTnLst>
                                     <p:set>
                                       <p:cBhvr>
-                                        <p:cTn id="38" dur="1" fill="hold">
+                                        <p:cTn id="42" dur="1" fill="hold">
                                           <p:stCondLst>
                                             <p:cond delay="0"/>
                                           </p:stCondLst>
@@ -14986,7 +15021,7 @@
                                         <p:tgtEl>
                                           <p:spTgt spid="3">
                                             <p:txEl>
-                                              <p:pRg st="7" end="7"/>
+                                              <p:pRg st="8" end="8"/>
                                             </p:txEl>
                                           </p:spTgt>
                                         </p:tgtEl>
@@ -15000,50 +15035,7 @@
                                     </p:set>
                                     <p:animEffect transition="in" filter="randombar(horizontal)">
                                       <p:cBhvr>
-                                        <p:cTn id="39" dur="500"/>
-                                        <p:tgtEl>
-                                          <p:spTgt spid="3">
-                                            <p:txEl>
-                                              <p:pRg st="7" end="7"/>
-                                            </p:txEl>
-                                          </p:spTgt>
-                                        </p:tgtEl>
-                                      </p:cBhvr>
-                                    </p:animEffect>
-                                  </p:childTnLst>
-                                </p:cTn>
-                              </p:par>
-                              <p:par>
-                                <p:cTn id="40" presetID="14" presetClass="entr" presetSubtype="10" fill="hold" nodeType="withEffect">
-                                  <p:stCondLst>
-                                    <p:cond delay="0"/>
-                                  </p:stCondLst>
-                                  <p:childTnLst>
-                                    <p:set>
-                                      <p:cBhvr>
-                                        <p:cTn id="41" dur="1" fill="hold">
-                                          <p:stCondLst>
-                                            <p:cond delay="0"/>
-                                          </p:stCondLst>
-                                        </p:cTn>
-                                        <p:tgtEl>
-                                          <p:spTgt spid="3">
-                                            <p:txEl>
-                                              <p:pRg st="8" end="8"/>
-                                            </p:txEl>
-                                          </p:spTgt>
-                                        </p:tgtEl>
-                                        <p:attrNameLst>
-                                          <p:attrName>style.visibility</p:attrName>
-                                        </p:attrNameLst>
-                                      </p:cBhvr>
-                                      <p:to>
-                                        <p:strVal val="visible"/>
-                                      </p:to>
-                                    </p:set>
-                                    <p:animEffect transition="in" filter="randombar(horizontal)">
-                                      <p:cBhvr>
-                                        <p:cTn id="42" dur="500"/>
+                                        <p:cTn id="43" dur="500"/>
                                         <p:tgtEl>
                                           <p:spTgt spid="3">
                                             <p:txEl>
@@ -15063,26 +15055,26 @@
                     </p:cTn>
                   </p:par>
                   <p:par>
-                    <p:cTn id="43" fill="hold">
+                    <p:cTn id="44" fill="hold">
                       <p:stCondLst>
                         <p:cond delay="indefinite"/>
                       </p:stCondLst>
                       <p:childTnLst>
                         <p:par>
-                          <p:cTn id="44" fill="hold">
+                          <p:cTn id="45" fill="hold">
                             <p:stCondLst>
                               <p:cond delay="0"/>
                             </p:stCondLst>
                             <p:childTnLst>
                               <p:par>
-                                <p:cTn id="45" presetID="14" presetClass="entr" presetSubtype="10" fill="hold" nodeType="clickEffect">
+                                <p:cTn id="46" presetID="14" presetClass="entr" presetSubtype="10" fill="hold" nodeType="clickEffect">
                                   <p:stCondLst>
                                     <p:cond delay="0"/>
                                   </p:stCondLst>
                                   <p:childTnLst>
                                     <p:set>
                                       <p:cBhvr>
-                                        <p:cTn id="46" dur="1" fill="hold">
+                                        <p:cTn id="47" dur="1" fill="hold">
                                           <p:stCondLst>
                                             <p:cond delay="0"/>
                                           </p:stCondLst>
@@ -15104,7 +15096,7 @@
                                     </p:set>
                                     <p:animEffect transition="in" filter="randombar(horizontal)">
                                       <p:cBhvr>
-                                        <p:cTn id="47" dur="500"/>
+                                        <p:cTn id="48" dur="500"/>
                                         <p:tgtEl>
                                           <p:spTgt spid="3">
                                             <p:txEl>
@@ -15124,26 +15116,26 @@
                     </p:cTn>
                   </p:par>
                   <p:par>
-                    <p:cTn id="48" fill="hold">
+                    <p:cTn id="49" fill="hold">
                       <p:stCondLst>
                         <p:cond delay="indefinite"/>
                       </p:stCondLst>
                       <p:childTnLst>
                         <p:par>
-                          <p:cTn id="49" fill="hold">
+                          <p:cTn id="50" fill="hold">
                             <p:stCondLst>
                               <p:cond delay="0"/>
                             </p:stCondLst>
                             <p:childTnLst>
                               <p:par>
-                                <p:cTn id="50" presetID="14" presetClass="entr" presetSubtype="10" fill="hold" nodeType="clickEffect">
+                                <p:cTn id="51" presetID="14" presetClass="entr" presetSubtype="10" fill="hold" nodeType="clickEffect">
                                   <p:stCondLst>
                                     <p:cond delay="0"/>
                                   </p:stCondLst>
                                   <p:childTnLst>
                                     <p:set>
                                       <p:cBhvr>
-                                        <p:cTn id="51" dur="1" fill="hold">
+                                        <p:cTn id="52" dur="1" fill="hold">
                                           <p:stCondLst>
                                             <p:cond delay="0"/>
                                           </p:stCondLst>
@@ -15165,7 +15157,7 @@
                                     </p:set>
                                     <p:animEffect transition="in" filter="randombar(horizontal)">
                                       <p:cBhvr>
-                                        <p:cTn id="52" dur="500"/>
+                                        <p:cTn id="53" dur="500"/>
                                         <p:tgtEl>
                                           <p:spTgt spid="3">
                                             <p:txEl>
@@ -15185,26 +15177,26 @@
                     </p:cTn>
                   </p:par>
                   <p:par>
-                    <p:cTn id="53" fill="hold">
+                    <p:cTn id="54" fill="hold">
                       <p:stCondLst>
                         <p:cond delay="indefinite"/>
                       </p:stCondLst>
                       <p:childTnLst>
                         <p:par>
-                          <p:cTn id="54" fill="hold">
+                          <p:cTn id="55" fill="hold">
                             <p:stCondLst>
                               <p:cond delay="0"/>
                             </p:stCondLst>
                             <p:childTnLst>
                               <p:par>
-                                <p:cTn id="55" presetID="14" presetClass="entr" presetSubtype="10" fill="hold" nodeType="clickEffect">
+                                <p:cTn id="56" presetID="14" presetClass="entr" presetSubtype="10" fill="hold" nodeType="clickEffect">
                                   <p:stCondLst>
                                     <p:cond delay="0"/>
                                   </p:stCondLst>
                                   <p:childTnLst>
                                     <p:set>
                                       <p:cBhvr>
-                                        <p:cTn id="56" dur="1" fill="hold">
+                                        <p:cTn id="57" dur="1" fill="hold">
                                           <p:stCondLst>
                                             <p:cond delay="0"/>
                                           </p:stCondLst>
@@ -15226,7 +15218,7 @@
                                     </p:set>
                                     <p:animEffect transition="in" filter="randombar(horizontal)">
                                       <p:cBhvr>
-                                        <p:cTn id="57" dur="500"/>
+                                        <p:cTn id="58" dur="500"/>
                                         <p:tgtEl>
                                           <p:spTgt spid="3">
                                             <p:txEl>
@@ -15239,33 +15231,15 @@
                                   </p:childTnLst>
                                 </p:cTn>
                               </p:par>
-                            </p:childTnLst>
-                          </p:cTn>
-                        </p:par>
-                      </p:childTnLst>
-                    </p:cTn>
-                  </p:par>
-                  <p:par>
-                    <p:cTn id="58" fill="hold">
-                      <p:stCondLst>
-                        <p:cond delay="indefinite"/>
-                      </p:stCondLst>
-                      <p:childTnLst>
-                        <p:par>
-                          <p:cTn id="59" fill="hold">
-                            <p:stCondLst>
-                              <p:cond delay="0"/>
-                            </p:stCondLst>
-                            <p:childTnLst>
                               <p:par>
-                                <p:cTn id="60" presetID="14" presetClass="entr" presetSubtype="10" fill="hold" nodeType="clickEffect">
+                                <p:cTn id="59" presetID="14" presetClass="entr" presetSubtype="10" fill="hold" nodeType="withEffect">
                                   <p:stCondLst>
                                     <p:cond delay="0"/>
                                   </p:stCondLst>
                                   <p:childTnLst>
                                     <p:set>
                                       <p:cBhvr>
-                                        <p:cTn id="61" dur="1" fill="hold">
+                                        <p:cTn id="60" dur="1" fill="hold">
                                           <p:stCondLst>
                                             <p:cond delay="0"/>
                                           </p:stCondLst>
@@ -15287,54 +15261,11 @@
                                     </p:set>
                                     <p:animEffect transition="in" filter="randombar(horizontal)">
                                       <p:cBhvr>
-                                        <p:cTn id="62" dur="500"/>
+                                        <p:cTn id="61" dur="500"/>
                                         <p:tgtEl>
                                           <p:spTgt spid="3">
                                             <p:txEl>
                                               <p:pRg st="12" end="12"/>
-                                            </p:txEl>
-                                          </p:spTgt>
-                                        </p:tgtEl>
-                                      </p:cBhvr>
-                                    </p:animEffect>
-                                  </p:childTnLst>
-                                </p:cTn>
-                              </p:par>
-                              <p:par>
-                                <p:cTn id="63" presetID="14" presetClass="entr" presetSubtype="10" fill="hold" nodeType="withEffect">
-                                  <p:stCondLst>
-                                    <p:cond delay="0"/>
-                                  </p:stCondLst>
-                                  <p:childTnLst>
-                                    <p:set>
-                                      <p:cBhvr>
-                                        <p:cTn id="64" dur="1" fill="hold">
-                                          <p:stCondLst>
-                                            <p:cond delay="0"/>
-                                          </p:stCondLst>
-                                        </p:cTn>
-                                        <p:tgtEl>
-                                          <p:spTgt spid="3">
-                                            <p:txEl>
-                                              <p:pRg st="13" end="13"/>
-                                            </p:txEl>
-                                          </p:spTgt>
-                                        </p:tgtEl>
-                                        <p:attrNameLst>
-                                          <p:attrName>style.visibility</p:attrName>
-                                        </p:attrNameLst>
-                                      </p:cBhvr>
-                                      <p:to>
-                                        <p:strVal val="visible"/>
-                                      </p:to>
-                                    </p:set>
-                                    <p:animEffect transition="in" filter="randombar(horizontal)">
-                                      <p:cBhvr>
-                                        <p:cTn id="65" dur="500"/>
-                                        <p:tgtEl>
-                                          <p:spTgt spid="3">
-                                            <p:txEl>
-                                              <p:pRg st="13" end="13"/>
                                             </p:txEl>
                                           </p:spTgt>
                                         </p:tgtEl>
@@ -15431,13 +15362,13 @@
         </p:nvSpPr>
         <p:spPr>
           <a:xfrm>
-            <a:off x="2463088" y="1443038"/>
+            <a:off x="2248775" y="1185863"/>
             <a:ext cx="8915400" cy="5054326"/>
           </a:xfrm>
         </p:spPr>
         <p:txBody>
           <a:bodyPr>
-            <a:normAutofit/>
+            <a:normAutofit fontScale="92500" lnSpcReduction="20000"/>
           </a:bodyPr>
           <a:lstStyle/>
           <a:p>
@@ -15472,23 +15403,33 @@
           <a:p>
             <a:r>
               <a:rPr lang="en-US" dirty="0" smtClean="0"/>
-              <a:t>Indentation</a:t>
-            </a:r>
-            <a:endParaRPr lang="is-IS" dirty="0" smtClean="0"/>
-          </a:p>
-          <a:p>
-            <a:r>
-              <a:rPr lang="is-IS" dirty="0" smtClean="0"/>
-              <a:t>Question:  </a:t>
-            </a:r>
-          </a:p>
-          <a:p>
-            <a:pPr marL="400050" lvl="1" indent="0">
+              <a:t>If – else:  examples</a:t>
+            </a:r>
+          </a:p>
+          <a:p>
+            <a:pPr marL="457200" lvl="1" indent="0">
               <a:buNone/>
             </a:pPr>
             <a:r>
+              <a:rPr lang="en-US" dirty="0" smtClean="0"/>
+              <a:t>1. If age &gt; 20:							4. if  age &gt; 20:</a:t>
+            </a:r>
+          </a:p>
+          <a:p>
+            <a:pPr marL="457200" lvl="1" indent="0">
+              <a:buNone/>
+            </a:pPr>
+            <a:r>
+              <a:rPr lang="en-US" dirty="0"/>
+              <a:t>	</a:t>
+            </a:r>
+            <a:r>
+              <a:rPr lang="en-US" dirty="0" smtClean="0"/>
+              <a:t>print(‘</a:t>
+            </a:r>
+            <a:r>
               <a:rPr lang="en-US" dirty="0" err="1" smtClean="0"/>
-              <a:t>def</a:t>
+              <a:t>lao</a:t>
             </a:r>
             <a:r>
               <a:rPr lang="en-US" dirty="0" smtClean="0"/>
@@ -15496,103 +15437,280 @@
             </a:r>
             <a:r>
               <a:rPr lang="en-US" dirty="0" err="1" smtClean="0"/>
-              <a:t>avg</a:t>
+              <a:t>si</a:t>
             </a:r>
             <a:r>
               <a:rPr lang="en-US" dirty="0" smtClean="0"/>
-              <a:t>(num1, num2):</a:t>
-            </a:r>
-          </a:p>
-          <a:p>
-            <a:pPr marL="400050" lvl="1" indent="0">
+              <a:t> </a:t>
+            </a:r>
+            <a:r>
+              <a:rPr lang="en-US" dirty="0" err="1" smtClean="0"/>
+              <a:t>ji</a:t>
+            </a:r>
+            <a:r>
+              <a:rPr lang="en-US" dirty="0" smtClean="0"/>
+              <a:t>’)							print(‘</a:t>
+            </a:r>
+            <a:r>
+              <a:rPr lang="en-US" dirty="0" err="1" smtClean="0"/>
+              <a:t>lao</a:t>
+            </a:r>
+            <a:r>
+              <a:rPr lang="en-US" dirty="0" smtClean="0"/>
+              <a:t> </a:t>
+            </a:r>
+            <a:r>
+              <a:rPr lang="en-US" dirty="0" err="1" smtClean="0"/>
+              <a:t>si</a:t>
+            </a:r>
+            <a:r>
+              <a:rPr lang="en-US" dirty="0" smtClean="0"/>
+              <a:t> </a:t>
+            </a:r>
+            <a:r>
+              <a:rPr lang="en-US" dirty="0" err="1" smtClean="0"/>
+              <a:t>ji</a:t>
+            </a:r>
+            <a:r>
+              <a:rPr lang="en-US" dirty="0" smtClean="0"/>
+              <a:t>’)</a:t>
+            </a:r>
+          </a:p>
+          <a:p>
+            <a:pPr marL="457200" lvl="1" indent="0">
               <a:buNone/>
             </a:pPr>
             <a:r>
               <a:rPr lang="en-US" dirty="0" smtClean="0"/>
-              <a:t>“””(</a:t>
-            </a:r>
-            <a:r>
-              <a:rPr lang="en-US" dirty="0" err="1" smtClean="0"/>
-              <a:t>int</a:t>
-            </a:r>
-            <a:r>
-              <a:rPr lang="en-US" dirty="0" smtClean="0"/>
-              <a:t>, </a:t>
-            </a:r>
-            <a:r>
-              <a:rPr lang="en-US" dirty="0" err="1" smtClean="0"/>
-              <a:t>int</a:t>
-            </a:r>
-            <a:r>
-              <a:rPr lang="en-US" dirty="0" smtClean="0"/>
-              <a:t>) -&gt; </a:t>
-            </a:r>
-            <a:r>
-              <a:rPr lang="en-US" dirty="0" err="1" smtClean="0"/>
-              <a:t>int</a:t>
-            </a:r>
-            <a:endParaRPr lang="en-US" dirty="0" smtClean="0"/>
-          </a:p>
-          <a:p>
-            <a:pPr marL="800100" lvl="2" indent="0">
+              <a:t>2. If age &lt; 5:							    if  income &lt; 30:</a:t>
+            </a:r>
+          </a:p>
+          <a:p>
+            <a:pPr marL="457200" lvl="1" indent="0">
               <a:buNone/>
             </a:pPr>
             <a:r>
+              <a:rPr lang="en-US" dirty="0"/>
+              <a:t>	</a:t>
+            </a:r>
+            <a:r>
               <a:rPr lang="en-US" dirty="0" smtClean="0"/>
-              <a:t>Return the average value of num1 and num2</a:t>
-            </a:r>
-          </a:p>
-          <a:p>
-            <a:pPr marL="800100" lvl="2" indent="0">
+              <a:t>print (‘</a:t>
+            </a:r>
+            <a:r>
+              <a:rPr lang="en-US" dirty="0" err="1" smtClean="0"/>
+              <a:t>lil</a:t>
+            </a:r>
+            <a:r>
+              <a:rPr lang="en-US" dirty="0" smtClean="0"/>
+              <a:t> </a:t>
+            </a:r>
+            <a:r>
+              <a:rPr lang="en-US" dirty="0" err="1" smtClean="0"/>
+              <a:t>boi</a:t>
+            </a:r>
+            <a:r>
+              <a:rPr lang="en-US" dirty="0" smtClean="0"/>
+              <a:t>’)							print(‘kai </a:t>
+            </a:r>
+            <a:r>
+              <a:rPr lang="en-US" dirty="0" err="1" smtClean="0"/>
+              <a:t>po</a:t>
+            </a:r>
+            <a:r>
+              <a:rPr lang="en-US" dirty="0" smtClean="0"/>
+              <a:t> </a:t>
+            </a:r>
+            <a:r>
+              <a:rPr lang="en-US" dirty="0" err="1" smtClean="0"/>
+              <a:t>che</a:t>
+            </a:r>
+            <a:r>
+              <a:rPr lang="en-US" dirty="0" smtClean="0"/>
+              <a:t>’)</a:t>
+            </a:r>
+          </a:p>
+          <a:p>
+            <a:pPr marL="457200" lvl="1" indent="0">
               <a:buNone/>
             </a:pPr>
             <a:r>
               <a:rPr lang="en-US" dirty="0" smtClean="0"/>
-              <a:t>&gt;&gt;&gt;</a:t>
-            </a:r>
-            <a:r>
-              <a:rPr lang="en-US" dirty="0" err="1" smtClean="0"/>
-              <a:t>avg</a:t>
-            </a:r>
-            <a:r>
-              <a:rPr lang="en-US" dirty="0" smtClean="0"/>
-              <a:t>(3,5)</a:t>
-            </a:r>
-          </a:p>
-          <a:p>
-            <a:pPr marL="800100" lvl="2" indent="0">
+              <a:t>     else:								     else:</a:t>
+            </a:r>
+          </a:p>
+          <a:p>
+            <a:pPr marL="457200" lvl="1" indent="0">
               <a:buNone/>
             </a:pPr>
             <a:r>
+              <a:rPr lang="en-US" dirty="0"/>
+              <a:t>	</a:t>
+            </a:r>
+            <a:r>
               <a:rPr lang="en-US" dirty="0" smtClean="0"/>
-              <a:t>4</a:t>
-            </a:r>
-          </a:p>
-          <a:p>
-            <a:pPr marL="400050" lvl="1" indent="0">
+              <a:t>print(‘</a:t>
+            </a:r>
+            <a:r>
+              <a:rPr lang="en-US" dirty="0" err="1" smtClean="0"/>
+              <a:t>lao</a:t>
+            </a:r>
+            <a:r>
+              <a:rPr lang="en-US" dirty="0" smtClean="0"/>
+              <a:t> </a:t>
+            </a:r>
+            <a:r>
+              <a:rPr lang="en-US" dirty="0" err="1" smtClean="0"/>
+              <a:t>si</a:t>
+            </a:r>
+            <a:r>
+              <a:rPr lang="en-US" dirty="0" smtClean="0"/>
+              <a:t> </a:t>
+            </a:r>
+            <a:r>
+              <a:rPr lang="en-US" dirty="0" err="1" smtClean="0"/>
+              <a:t>ji</a:t>
+            </a:r>
+            <a:r>
+              <a:rPr lang="en-US" dirty="0" smtClean="0"/>
+              <a:t>’)							print(‘kai </a:t>
+            </a:r>
+            <a:r>
+              <a:rPr lang="en-US" dirty="0" err="1" smtClean="0"/>
+              <a:t>hao</a:t>
+            </a:r>
+            <a:r>
+              <a:rPr lang="en-US" dirty="0" smtClean="0"/>
+              <a:t> </a:t>
+            </a:r>
+            <a:r>
+              <a:rPr lang="en-US" dirty="0" err="1" smtClean="0"/>
+              <a:t>che</a:t>
+            </a:r>
+            <a:r>
+              <a:rPr lang="en-US" dirty="0" smtClean="0"/>
+              <a:t>’)</a:t>
+            </a:r>
+          </a:p>
+          <a:p>
+            <a:pPr marL="457200" lvl="1" indent="0">
               <a:buNone/>
             </a:pPr>
             <a:r>
               <a:rPr lang="en-US" dirty="0" smtClean="0"/>
-              <a:t>	“””</a:t>
-            </a:r>
-          </a:p>
-          <a:p>
-            <a:r>
-              <a:rPr lang="is-IS" dirty="0" smtClean="0"/>
-              <a:t> Bool function </a:t>
+              <a:t>3. If age &lt; 5:</a:t>
+            </a:r>
+          </a:p>
+          <a:p>
+            <a:pPr marL="457200" lvl="1" indent="0">
+              <a:buNone/>
+            </a:pPr>
+            <a:r>
+              <a:rPr lang="en-US" dirty="0"/>
+              <a:t>	</a:t>
             </a:r>
             <a:r>
               <a:rPr lang="en-US" dirty="0" smtClean="0"/>
-              <a:t>(no-if required)</a:t>
-            </a:r>
-            <a:endParaRPr lang="is-IS" dirty="0" smtClean="0"/>
-          </a:p>
-          <a:p>
-            <a:r>
-              <a:rPr lang="is-IS" dirty="0" smtClean="0"/>
-              <a:t>Function-reuse</a:t>
-            </a:r>
+              <a:t>print(‘</a:t>
+            </a:r>
+            <a:r>
+              <a:rPr lang="en-US" dirty="0" err="1" smtClean="0"/>
+              <a:t>lil</a:t>
+            </a:r>
+            <a:r>
+              <a:rPr lang="en-US" dirty="0" smtClean="0"/>
+              <a:t> </a:t>
+            </a:r>
+            <a:r>
+              <a:rPr lang="en-US" dirty="0" err="1" smtClean="0"/>
+              <a:t>boi</a:t>
+            </a:r>
+            <a:r>
+              <a:rPr lang="en-US" dirty="0" smtClean="0"/>
+              <a:t>’)</a:t>
+            </a:r>
+          </a:p>
+          <a:p>
+            <a:pPr marL="457200" lvl="1" indent="0">
+              <a:buNone/>
+            </a:pPr>
+            <a:r>
+              <a:rPr lang="en-US" dirty="0" smtClean="0"/>
+              <a:t>    </a:t>
+            </a:r>
+            <a:r>
+              <a:rPr lang="en-US" dirty="0" err="1" smtClean="0"/>
+              <a:t>elif</a:t>
+            </a:r>
+            <a:r>
+              <a:rPr lang="en-US" dirty="0" smtClean="0"/>
+              <a:t> age &gt;= 5 and age &lt; 20</a:t>
+            </a:r>
+          </a:p>
+          <a:p>
+            <a:pPr marL="457200" lvl="1" indent="0">
+              <a:buNone/>
+            </a:pPr>
+            <a:r>
+              <a:rPr lang="en-US" dirty="0"/>
+              <a:t>	</a:t>
+            </a:r>
+            <a:r>
+              <a:rPr lang="en-US" dirty="0" smtClean="0"/>
+              <a:t>print (‘still a baby’)</a:t>
+            </a:r>
+          </a:p>
+          <a:p>
+            <a:pPr marL="457200" lvl="1" indent="0">
+              <a:buNone/>
+            </a:pPr>
+            <a:r>
+              <a:rPr lang="en-US" dirty="0" smtClean="0"/>
+              <a:t>    else:</a:t>
+            </a:r>
+          </a:p>
+          <a:p>
+            <a:pPr marL="457200" lvl="1" indent="0">
+              <a:buNone/>
+            </a:pPr>
+            <a:r>
+              <a:rPr lang="en-US" dirty="0"/>
+              <a:t>	</a:t>
+            </a:r>
+            <a:r>
+              <a:rPr lang="en-US" dirty="0" smtClean="0"/>
+              <a:t>print( ‘ </a:t>
+            </a:r>
+            <a:r>
+              <a:rPr lang="en-US" dirty="0" err="1" smtClean="0"/>
+              <a:t>lao</a:t>
+            </a:r>
+            <a:r>
+              <a:rPr lang="en-US" dirty="0" smtClean="0"/>
+              <a:t> </a:t>
+            </a:r>
+            <a:r>
+              <a:rPr lang="en-US" dirty="0" err="1" smtClean="0"/>
+              <a:t>si</a:t>
+            </a:r>
+            <a:r>
+              <a:rPr lang="en-US" dirty="0" smtClean="0"/>
+              <a:t> </a:t>
+            </a:r>
+            <a:r>
+              <a:rPr lang="en-US" dirty="0" err="1" smtClean="0"/>
+              <a:t>ji</a:t>
+            </a:r>
+            <a:r>
+              <a:rPr lang="en-US" dirty="0" smtClean="0"/>
+              <a:t>’)</a:t>
+            </a:r>
+          </a:p>
+          <a:p>
+            <a:pPr marL="457200" lvl="1" indent="0">
+              <a:buNone/>
+            </a:pPr>
+            <a:endParaRPr lang="en-US" dirty="0"/>
           </a:p>
         </p:txBody>
       </p:sp>
@@ -15858,7 +15976,7 @@
                             </p:stCondLst>
                             <p:childTnLst>
                               <p:par>
-                                <p:cTn id="20" presetID="6" presetClass="entr" presetSubtype="16" fill="hold" nodeType="clickEffect">
+                                <p:cTn id="20" presetID="14" presetClass="entr" presetSubtype="10" fill="hold" nodeType="clickEffect">
                                   <p:stCondLst>
                                     <p:cond delay="0"/>
                                   </p:stCondLst>
@@ -15885,9 +16003,9 @@
                                         <p:strVal val="visible"/>
                                       </p:to>
                                     </p:set>
-                                    <p:animEffect transition="in" filter="circle(in)">
+                                    <p:animEffect transition="in" filter="randombar(horizontal)">
                                       <p:cBhvr>
-                                        <p:cTn id="22" dur="2000"/>
+                                        <p:cTn id="22" dur="500"/>
                                         <p:tgtEl>
                                           <p:spTgt spid="3">
                                             <p:txEl>
@@ -15919,7 +16037,7 @@
                             </p:stCondLst>
                             <p:childTnLst>
                               <p:par>
-                                <p:cTn id="25" presetID="14" presetClass="entr" presetSubtype="10" fill="hold" nodeType="clickEffect">
+                                <p:cTn id="25" presetID="9" presetClass="entr" presetSubtype="0" fill="hold" nodeType="clickEffect">
                                   <p:stCondLst>
                                     <p:cond delay="0"/>
                                   </p:stCondLst>
@@ -15934,7 +16052,7 @@
                                         <p:tgtEl>
                                           <p:spTgt spid="3">
                                             <p:txEl>
-                                              <p:pRg st="3" end="3"/>
+                                              <p:pRg st="4" end="4"/>
                                             </p:txEl>
                                           </p:spTgt>
                                         </p:tgtEl>
@@ -15946,13 +16064,13 @@
                                         <p:strVal val="visible"/>
                                       </p:to>
                                     </p:set>
-                                    <p:animEffect transition="in" filter="randombar(horizontal)">
+                                    <p:animEffect transition="in" filter="dissolve">
                                       <p:cBhvr>
                                         <p:cTn id="27" dur="500"/>
                                         <p:tgtEl>
                                           <p:spTgt spid="3">
                                             <p:txEl>
-                                              <p:pRg st="3" end="3"/>
+                                              <p:pRg st="4" end="4"/>
                                             </p:txEl>
                                           </p:spTgt>
                                         </p:tgtEl>
@@ -15961,33 +16079,15 @@
                                   </p:childTnLst>
                                 </p:cTn>
                               </p:par>
-                            </p:childTnLst>
-                          </p:cTn>
-                        </p:par>
-                      </p:childTnLst>
-                    </p:cTn>
-                  </p:par>
-                  <p:par>
-                    <p:cTn id="28" fill="hold">
-                      <p:stCondLst>
-                        <p:cond delay="indefinite"/>
-                      </p:stCondLst>
-                      <p:childTnLst>
-                        <p:par>
-                          <p:cTn id="29" fill="hold">
-                            <p:stCondLst>
-                              <p:cond delay="0"/>
-                            </p:stCondLst>
-                            <p:childTnLst>
                               <p:par>
-                                <p:cTn id="30" presetID="14" presetClass="entr" presetSubtype="10" fill="hold" nodeType="clickEffect">
+                                <p:cTn id="28" presetID="9" presetClass="entr" presetSubtype="0" fill="hold" nodeType="withEffect">
                                   <p:stCondLst>
                                     <p:cond delay="0"/>
                                   </p:stCondLst>
                                   <p:childTnLst>
                                     <p:set>
                                       <p:cBhvr>
-                                        <p:cTn id="31" dur="1" fill="hold">
+                                        <p:cTn id="29" dur="1" fill="hold">
                                           <p:stCondLst>
                                             <p:cond delay="0"/>
                                           </p:stCondLst>
@@ -15995,7 +16095,7 @@
                                         <p:tgtEl>
                                           <p:spTgt spid="3">
                                             <p:txEl>
-                                              <p:pRg st="4" end="4"/>
+                                              <p:pRg st="5" end="5"/>
                                             </p:txEl>
                                           </p:spTgt>
                                         </p:tgtEl>
@@ -16007,13 +16107,13 @@
                                         <p:strVal val="visible"/>
                                       </p:to>
                                     </p:set>
-                                    <p:animEffect transition="in" filter="randombar(horizontal)">
+                                    <p:animEffect transition="in" filter="dissolve">
                                       <p:cBhvr>
-                                        <p:cTn id="32" dur="500"/>
-                                        <p:tgtEl>
-                                          <p:spTgt spid="3">
-                                            <p:txEl>
-                                              <p:pRg st="4" end="4"/>
+                                        <p:cTn id="30" dur="500"/>
+                                        <p:tgtEl>
+                                          <p:spTgt spid="3">
+                                            <p:txEl>
+                                              <p:pRg st="5" end="5"/>
                                             </p:txEl>
                                           </p:spTgt>
                                         </p:tgtEl>
@@ -16023,14 +16123,14 @@
                                 </p:cTn>
                               </p:par>
                               <p:par>
-                                <p:cTn id="33" presetID="14" presetClass="entr" presetSubtype="10" fill="hold" nodeType="withEffect">
+                                <p:cTn id="31" presetID="9" presetClass="entr" presetSubtype="0" fill="hold" nodeType="withEffect">
                                   <p:stCondLst>
                                     <p:cond delay="0"/>
                                   </p:stCondLst>
                                   <p:childTnLst>
                                     <p:set>
                                       <p:cBhvr>
-                                        <p:cTn id="34" dur="1" fill="hold">
+                                        <p:cTn id="32" dur="1" fill="hold">
                                           <p:stCondLst>
                                             <p:cond delay="0"/>
                                           </p:stCondLst>
@@ -16038,7 +16138,7 @@
                                         <p:tgtEl>
                                           <p:spTgt spid="3">
                                             <p:txEl>
-                                              <p:pRg st="5" end="5"/>
+                                              <p:pRg st="6" end="6"/>
                                             </p:txEl>
                                           </p:spTgt>
                                         </p:tgtEl>
@@ -16050,13 +16150,13 @@
                                         <p:strVal val="visible"/>
                                       </p:to>
                                     </p:set>
-                                    <p:animEffect transition="in" filter="randombar(horizontal)">
+                                    <p:animEffect transition="in" filter="dissolve">
                                       <p:cBhvr>
-                                        <p:cTn id="35" dur="500"/>
-                                        <p:tgtEl>
-                                          <p:spTgt spid="3">
-                                            <p:txEl>
-                                              <p:pRg st="5" end="5"/>
+                                        <p:cTn id="33" dur="500"/>
+                                        <p:tgtEl>
+                                          <p:spTgt spid="3">
+                                            <p:txEl>
+                                              <p:pRg st="6" end="6"/>
                                             </p:txEl>
                                           </p:spTgt>
                                         </p:tgtEl>
@@ -16066,14 +16166,14 @@
                                 </p:cTn>
                               </p:par>
                               <p:par>
-                                <p:cTn id="36" presetID="14" presetClass="entr" presetSubtype="10" fill="hold" nodeType="withEffect">
+                                <p:cTn id="34" presetID="9" presetClass="entr" presetSubtype="0" fill="hold" nodeType="withEffect">
                                   <p:stCondLst>
                                     <p:cond delay="0"/>
                                   </p:stCondLst>
                                   <p:childTnLst>
                                     <p:set>
                                       <p:cBhvr>
-                                        <p:cTn id="37" dur="1" fill="hold">
+                                        <p:cTn id="35" dur="1" fill="hold">
                                           <p:stCondLst>
                                             <p:cond delay="0"/>
                                           </p:stCondLst>
@@ -16081,7 +16181,7 @@
                                         <p:tgtEl>
                                           <p:spTgt spid="3">
                                             <p:txEl>
-                                              <p:pRg st="6" end="6"/>
+                                              <p:pRg st="7" end="7"/>
                                             </p:txEl>
                                           </p:spTgt>
                                         </p:tgtEl>
@@ -16093,13 +16193,13 @@
                                         <p:strVal val="visible"/>
                                       </p:to>
                                     </p:set>
-                                    <p:animEffect transition="in" filter="randombar(horizontal)">
+                                    <p:animEffect transition="in" filter="dissolve">
                                       <p:cBhvr>
-                                        <p:cTn id="38" dur="500"/>
-                                        <p:tgtEl>
-                                          <p:spTgt spid="3">
-                                            <p:txEl>
-                                              <p:pRg st="6" end="6"/>
+                                        <p:cTn id="36" dur="500"/>
+                                        <p:tgtEl>
+                                          <p:spTgt spid="3">
+                                            <p:txEl>
+                                              <p:pRg st="7" end="7"/>
                                             </p:txEl>
                                           </p:spTgt>
                                         </p:tgtEl>
@@ -16109,14 +16209,14 @@
                                 </p:cTn>
                               </p:par>
                               <p:par>
-                                <p:cTn id="39" presetID="14" presetClass="entr" presetSubtype="10" fill="hold" nodeType="withEffect">
+                                <p:cTn id="37" presetID="9" presetClass="entr" presetSubtype="0" fill="hold" nodeType="withEffect">
                                   <p:stCondLst>
                                     <p:cond delay="0"/>
                                   </p:stCondLst>
                                   <p:childTnLst>
                                     <p:set>
                                       <p:cBhvr>
-                                        <p:cTn id="40" dur="1" fill="hold">
+                                        <p:cTn id="38" dur="1" fill="hold">
                                           <p:stCondLst>
                                             <p:cond delay="0"/>
                                           </p:stCondLst>
@@ -16124,7 +16224,7 @@
                                         <p:tgtEl>
                                           <p:spTgt spid="3">
                                             <p:txEl>
-                                              <p:pRg st="7" end="7"/>
+                                              <p:pRg st="8" end="8"/>
                                             </p:txEl>
                                           </p:spTgt>
                                         </p:tgtEl>
@@ -16136,13 +16236,13 @@
                                         <p:strVal val="visible"/>
                                       </p:to>
                                     </p:set>
-                                    <p:animEffect transition="in" filter="randombar(horizontal)">
+                                    <p:animEffect transition="in" filter="dissolve">
                                       <p:cBhvr>
-                                        <p:cTn id="41" dur="500"/>
-                                        <p:tgtEl>
-                                          <p:spTgt spid="3">
-                                            <p:txEl>
-                                              <p:pRg st="7" end="7"/>
+                                        <p:cTn id="39" dur="500"/>
+                                        <p:tgtEl>
+                                          <p:spTgt spid="3">
+                                            <p:txEl>
+                                              <p:pRg st="8" end="8"/>
                                             </p:txEl>
                                           </p:spTgt>
                                         </p:tgtEl>
@@ -16152,14 +16252,14 @@
                                 </p:cTn>
                               </p:par>
                               <p:par>
-                                <p:cTn id="42" presetID="14" presetClass="entr" presetSubtype="10" fill="hold" nodeType="withEffect">
+                                <p:cTn id="40" presetID="9" presetClass="entr" presetSubtype="0" fill="hold" nodeType="withEffect">
                                   <p:stCondLst>
                                     <p:cond delay="0"/>
                                   </p:stCondLst>
                                   <p:childTnLst>
                                     <p:set>
                                       <p:cBhvr>
-                                        <p:cTn id="43" dur="1" fill="hold">
+                                        <p:cTn id="41" dur="1" fill="hold">
                                           <p:stCondLst>
                                             <p:cond delay="0"/>
                                           </p:stCondLst>
@@ -16167,7 +16267,7 @@
                                         <p:tgtEl>
                                           <p:spTgt spid="3">
                                             <p:txEl>
-                                              <p:pRg st="8" end="8"/>
+                                              <p:pRg st="9" end="9"/>
                                             </p:txEl>
                                           </p:spTgt>
                                         </p:tgtEl>
@@ -16179,13 +16279,13 @@
                                         <p:strVal val="visible"/>
                                       </p:to>
                                     </p:set>
-                                    <p:animEffect transition="in" filter="randombar(horizontal)">
+                                    <p:animEffect transition="in" filter="dissolve">
                                       <p:cBhvr>
-                                        <p:cTn id="44" dur="500"/>
-                                        <p:tgtEl>
-                                          <p:spTgt spid="3">
-                                            <p:txEl>
-                                              <p:pRg st="8" end="8"/>
+                                        <p:cTn id="42" dur="500"/>
+                                        <p:tgtEl>
+                                          <p:spTgt spid="3">
+                                            <p:txEl>
+                                              <p:pRg st="9" end="9"/>
                                             </p:txEl>
                                           </p:spTgt>
                                         </p:tgtEl>
@@ -16195,14 +16295,14 @@
                                 </p:cTn>
                               </p:par>
                               <p:par>
-                                <p:cTn id="45" presetID="14" presetClass="entr" presetSubtype="10" fill="hold" nodeType="withEffect">
+                                <p:cTn id="43" presetID="9" presetClass="entr" presetSubtype="0" fill="hold" nodeType="withEffect">
                                   <p:stCondLst>
                                     <p:cond delay="0"/>
                                   </p:stCondLst>
                                   <p:childTnLst>
                                     <p:set>
                                       <p:cBhvr>
-                                        <p:cTn id="46" dur="1" fill="hold">
+                                        <p:cTn id="44" dur="1" fill="hold">
                                           <p:stCondLst>
                                             <p:cond delay="0"/>
                                           </p:stCondLst>
@@ -16210,7 +16310,7 @@
                                         <p:tgtEl>
                                           <p:spTgt spid="3">
                                             <p:txEl>
-                                              <p:pRg st="9" end="9"/>
+                                              <p:pRg st="10" end="10"/>
                                             </p:txEl>
                                           </p:spTgt>
                                         </p:tgtEl>
@@ -16222,13 +16322,13 @@
                                         <p:strVal val="visible"/>
                                       </p:to>
                                     </p:set>
-                                    <p:animEffect transition="in" filter="randombar(horizontal)">
+                                    <p:animEffect transition="in" filter="dissolve">
                                       <p:cBhvr>
-                                        <p:cTn id="47" dur="500"/>
-                                        <p:tgtEl>
-                                          <p:spTgt spid="3">
-                                            <p:txEl>
-                                              <p:pRg st="9" end="9"/>
+                                        <p:cTn id="45" dur="500"/>
+                                        <p:tgtEl>
+                                          <p:spTgt spid="3">
+                                            <p:txEl>
+                                              <p:pRg st="10" end="10"/>
                                             </p:txEl>
                                           </p:spTgt>
                                         </p:tgtEl>
@@ -16238,14 +16338,14 @@
                                 </p:cTn>
                               </p:par>
                               <p:par>
-                                <p:cTn id="48" presetID="14" presetClass="entr" presetSubtype="10" fill="hold" nodeType="withEffect">
+                                <p:cTn id="46" presetID="9" presetClass="entr" presetSubtype="0" fill="hold" nodeType="withEffect">
                                   <p:stCondLst>
                                     <p:cond delay="0"/>
                                   </p:stCondLst>
                                   <p:childTnLst>
                                     <p:set>
                                       <p:cBhvr>
-                                        <p:cTn id="49" dur="1" fill="hold">
+                                        <p:cTn id="47" dur="1" fill="hold">
                                           <p:stCondLst>
                                             <p:cond delay="0"/>
                                           </p:stCondLst>
@@ -16253,7 +16353,7 @@
                                         <p:tgtEl>
                                           <p:spTgt spid="3">
                                             <p:txEl>
-                                              <p:pRg st="10" end="10"/>
+                                              <p:pRg st="11" end="11"/>
                                             </p:txEl>
                                           </p:spTgt>
                                         </p:tgtEl>
@@ -16265,13 +16365,13 @@
                                         <p:strVal val="visible"/>
                                       </p:to>
                                     </p:set>
-                                    <p:animEffect transition="in" filter="randombar(horizontal)">
+                                    <p:animEffect transition="in" filter="dissolve">
                                       <p:cBhvr>
-                                        <p:cTn id="50" dur="500"/>
-                                        <p:tgtEl>
-                                          <p:spTgt spid="3">
-                                            <p:txEl>
-                                              <p:pRg st="10" end="10"/>
+                                        <p:cTn id="48" dur="500"/>
+                                        <p:tgtEl>
+                                          <p:spTgt spid="3">
+                                            <p:txEl>
+                                              <p:pRg st="11" end="11"/>
                                             </p:txEl>
                                           </p:spTgt>
                                         </p:tgtEl>
@@ -16280,33 +16380,15 @@
                                   </p:childTnLst>
                                 </p:cTn>
                               </p:par>
-                            </p:childTnLst>
-                          </p:cTn>
-                        </p:par>
-                      </p:childTnLst>
-                    </p:cTn>
-                  </p:par>
-                  <p:par>
-                    <p:cTn id="51" fill="hold">
-                      <p:stCondLst>
-                        <p:cond delay="indefinite"/>
-                      </p:stCondLst>
-                      <p:childTnLst>
-                        <p:par>
-                          <p:cTn id="52" fill="hold">
-                            <p:stCondLst>
-                              <p:cond delay="0"/>
-                            </p:stCondLst>
-                            <p:childTnLst>
                               <p:par>
-                                <p:cTn id="53" presetID="14" presetClass="entr" presetSubtype="10" fill="hold" nodeType="clickEffect">
+                                <p:cTn id="49" presetID="9" presetClass="entr" presetSubtype="0" fill="hold" nodeType="withEffect">
                                   <p:stCondLst>
                                     <p:cond delay="0"/>
                                   </p:stCondLst>
                                   <p:childTnLst>
                                     <p:set>
                                       <p:cBhvr>
-                                        <p:cTn id="54" dur="1" fill="hold">
+                                        <p:cTn id="50" dur="1" fill="hold">
                                           <p:stCondLst>
                                             <p:cond delay="0"/>
                                           </p:stCondLst>
@@ -16314,7 +16396,7 @@
                                         <p:tgtEl>
                                           <p:spTgt spid="3">
                                             <p:txEl>
-                                              <p:pRg st="11" end="11"/>
+                                              <p:pRg st="12" end="12"/>
                                             </p:txEl>
                                           </p:spTgt>
                                         </p:tgtEl>
@@ -16326,13 +16408,13 @@
                                         <p:strVal val="visible"/>
                                       </p:to>
                                     </p:set>
-                                    <p:animEffect transition="in" filter="randombar(horizontal)">
+                                    <p:animEffect transition="in" filter="dissolve">
                                       <p:cBhvr>
-                                        <p:cTn id="55" dur="500"/>
-                                        <p:tgtEl>
-                                          <p:spTgt spid="3">
-                                            <p:txEl>
-                                              <p:pRg st="11" end="11"/>
+                                        <p:cTn id="51" dur="500"/>
+                                        <p:tgtEl>
+                                          <p:spTgt spid="3">
+                                            <p:txEl>
+                                              <p:pRg st="12" end="12"/>
                                             </p:txEl>
                                           </p:spTgt>
                                         </p:tgtEl>
@@ -16342,14 +16424,14 @@
                                 </p:cTn>
                               </p:par>
                               <p:par>
-                                <p:cTn id="56" presetID="14" presetClass="entr" presetSubtype="10" fill="hold" nodeType="withEffect">
+                                <p:cTn id="52" presetID="9" presetClass="entr" presetSubtype="0" fill="hold" nodeType="withEffect">
                                   <p:stCondLst>
                                     <p:cond delay="0"/>
                                   </p:stCondLst>
                                   <p:childTnLst>
                                     <p:set>
                                       <p:cBhvr>
-                                        <p:cTn id="57" dur="1" fill="hold">
+                                        <p:cTn id="53" dur="1" fill="hold">
                                           <p:stCondLst>
                                             <p:cond delay="0"/>
                                           </p:stCondLst>
@@ -16357,7 +16439,7 @@
                                         <p:tgtEl>
                                           <p:spTgt spid="3">
                                             <p:txEl>
-                                              <p:pRg st="12" end="12"/>
+                                              <p:pRg st="13" end="13"/>
                                             </p:txEl>
                                           </p:spTgt>
                                         </p:tgtEl>
@@ -16369,13 +16451,99 @@
                                         <p:strVal val="visible"/>
                                       </p:to>
                                     </p:set>
-                                    <p:animEffect transition="in" filter="randombar(horizontal)">
+                                    <p:animEffect transition="in" filter="dissolve">
                                       <p:cBhvr>
-                                        <p:cTn id="58" dur="500"/>
-                                        <p:tgtEl>
-                                          <p:spTgt spid="3">
-                                            <p:txEl>
-                                              <p:pRg st="12" end="12"/>
+                                        <p:cTn id="54" dur="500"/>
+                                        <p:tgtEl>
+                                          <p:spTgt spid="3">
+                                            <p:txEl>
+                                              <p:pRg st="13" end="13"/>
+                                            </p:txEl>
+                                          </p:spTgt>
+                                        </p:tgtEl>
+                                      </p:cBhvr>
+                                    </p:animEffect>
+                                  </p:childTnLst>
+                                </p:cTn>
+                              </p:par>
+                              <p:par>
+                                <p:cTn id="55" presetID="9" presetClass="entr" presetSubtype="0" fill="hold" nodeType="withEffect">
+                                  <p:stCondLst>
+                                    <p:cond delay="0"/>
+                                  </p:stCondLst>
+                                  <p:childTnLst>
+                                    <p:set>
+                                      <p:cBhvr>
+                                        <p:cTn id="56" dur="1" fill="hold">
+                                          <p:stCondLst>
+                                            <p:cond delay="0"/>
+                                          </p:stCondLst>
+                                        </p:cTn>
+                                        <p:tgtEl>
+                                          <p:spTgt spid="3">
+                                            <p:txEl>
+                                              <p:pRg st="14" end="14"/>
+                                            </p:txEl>
+                                          </p:spTgt>
+                                        </p:tgtEl>
+                                        <p:attrNameLst>
+                                          <p:attrName>style.visibility</p:attrName>
+                                        </p:attrNameLst>
+                                      </p:cBhvr>
+                                      <p:to>
+                                        <p:strVal val="visible"/>
+                                      </p:to>
+                                    </p:set>
+                                    <p:animEffect transition="in" filter="dissolve">
+                                      <p:cBhvr>
+                                        <p:cTn id="57" dur="500"/>
+                                        <p:tgtEl>
+                                          <p:spTgt spid="3">
+                                            <p:txEl>
+                                              <p:pRg st="14" end="14"/>
+                                            </p:txEl>
+                                          </p:spTgt>
+                                        </p:tgtEl>
+                                      </p:cBhvr>
+                                    </p:animEffect>
+                                  </p:childTnLst>
+                                </p:cTn>
+                              </p:par>
+                              <p:par>
+                                <p:cTn id="58" presetID="9" presetClass="entr" presetSubtype="0" fill="hold" nodeType="withEffect">
+                                  <p:stCondLst>
+                                    <p:cond delay="0"/>
+                                  </p:stCondLst>
+                                  <p:childTnLst>
+                                    <p:set>
+                                      <p:cBhvr>
+                                        <p:cTn id="59" dur="1" fill="hold">
+                                          <p:stCondLst>
+                                            <p:cond delay="0"/>
+                                          </p:stCondLst>
+                                        </p:cTn>
+                                        <p:tgtEl>
+                                          <p:spTgt spid="3">
+                                            <p:txEl>
+                                              <p:pRg st="15" end="15"/>
+                                            </p:txEl>
+                                          </p:spTgt>
+                                        </p:tgtEl>
+                                        <p:attrNameLst>
+                                          <p:attrName>style.visibility</p:attrName>
+                                        </p:attrNameLst>
+                                      </p:cBhvr>
+                                      <p:to>
+                                        <p:strVal val="visible"/>
+                                      </p:to>
+                                    </p:set>
+                                    <p:animEffect transition="in" filter="dissolve">
+                                      <p:cBhvr>
+                                        <p:cTn id="60" dur="500"/>
+                                        <p:tgtEl>
+                                          <p:spTgt spid="3">
+                                            <p:txEl>
+                                              <p:pRg st="15" end="15"/>
                                             </p:txEl>
                                           </p:spTgt>
                                         </p:tgtEl>
